--- a/01_forschungsfragen/Forschungsfragen.pptx
+++ b/01_forschungsfragen/Forschungsfragen.pptx
@@ -7,7 +7,7 @@
     <p:sldMasterId id="2147483659" r:id="rId3"/>
   </p:sldMasterIdLst>
   <p:notesMasterIdLst>
-    <p:notesMasterId r:id="rId21"/>
+    <p:notesMasterId r:id="rId27"/>
   </p:notesMasterIdLst>
   <p:sldIdLst>
     <p:sldId id="256" r:id="rId4"/>
@@ -17,16 +17,22 @@
     <p:sldId id="262" r:id="rId8"/>
     <p:sldId id="264" r:id="rId9"/>
     <p:sldId id="265" r:id="rId10"/>
-    <p:sldId id="266" r:id="rId11"/>
-    <p:sldId id="268" r:id="rId12"/>
-    <p:sldId id="267" r:id="rId13"/>
-    <p:sldId id="269" r:id="rId14"/>
-    <p:sldId id="270" r:id="rId15"/>
-    <p:sldId id="272" r:id="rId16"/>
+    <p:sldId id="277" r:id="rId11"/>
+    <p:sldId id="267" r:id="rId12"/>
+    <p:sldId id="266" r:id="rId13"/>
+    <p:sldId id="286" r:id="rId14"/>
+    <p:sldId id="269" r:id="rId15"/>
+    <p:sldId id="270" r:id="rId16"/>
     <p:sldId id="273" r:id="rId17"/>
-    <p:sldId id="274" r:id="rId18"/>
-    <p:sldId id="276" r:id="rId19"/>
-    <p:sldId id="258" r:id="rId20"/>
+    <p:sldId id="280" r:id="rId18"/>
+    <p:sldId id="278" r:id="rId19"/>
+    <p:sldId id="284" r:id="rId20"/>
+    <p:sldId id="281" r:id="rId21"/>
+    <p:sldId id="279" r:id="rId22"/>
+    <p:sldId id="282" r:id="rId23"/>
+    <p:sldId id="283" r:id="rId24"/>
+    <p:sldId id="274" r:id="rId25"/>
+    <p:sldId id="258" r:id="rId26"/>
   </p:sldIdLst>
   <p:sldSz cx="12192000" cy="6858000"/>
   <p:notesSz cx="6858000" cy="9144000"/>
@@ -215,7 +221,7 @@
           <a:p>
             <a:fld id="{D0D2B97C-F126-8540-AD06-62FEF6676FCD}" type="datetimeFigureOut">
               <a:rPr lang="de-DE" smtClean="0"/>
-              <a:t>28.02.20</a:t>
+              <a:t>22.02.23</a:t>
             </a:fld>
             <a:endParaRPr lang="de-DE"/>
           </a:p>
@@ -640,7 +646,7 @@
     </p:spTree>
     <p:extLst>
       <p:ext uri="{BB962C8B-B14F-4D97-AF65-F5344CB8AC3E}">
-        <p14:creationId xmlns:p14="http://schemas.microsoft.com/office/powerpoint/2010/main" val="2689576243"/>
+        <p14:creationId xmlns:p14="http://schemas.microsoft.com/office/powerpoint/2010/main" val="4095194380"/>
       </p:ext>
     </p:extLst>
   </p:cSld>
@@ -715,7 +721,175 @@
           <a:p>
             <a:fld id="{E0F53CE3-2C2D-3E48-8A0F-983D2E74FB43}" type="slidenum">
               <a:rPr lang="de-DE" smtClean="0"/>
+              <a:t>10</a:t>
+            </a:fld>
+            <a:endParaRPr lang="de-DE"/>
+          </a:p>
+        </p:txBody>
+      </p:sp>
+    </p:spTree>
+    <p:extLst>
+      <p:ext uri="{BB962C8B-B14F-4D97-AF65-F5344CB8AC3E}">
+        <p14:creationId xmlns:p14="http://schemas.microsoft.com/office/powerpoint/2010/main" val="2689576243"/>
+      </p:ext>
+    </p:extLst>
+  </p:cSld>
+  <p:clrMapOvr>
+    <a:masterClrMapping/>
+  </p:clrMapOvr>
+</p:notes>
+</file>
+
+<file path=ppt/notesSlides/notesSlide4.xml><?xml version="1.0" encoding="utf-8"?>
+<p:notes xmlns:a="http://schemas.openxmlformats.org/drawingml/2006/main" xmlns:r="http://schemas.openxmlformats.org/officeDocument/2006/relationships" xmlns:p="http://schemas.openxmlformats.org/presentationml/2006/main">
+  <p:cSld>
+    <p:spTree>
+      <p:nvGrpSpPr>
+        <p:cNvPr id="1" name=""/>
+        <p:cNvGrpSpPr/>
+        <p:nvPr/>
+      </p:nvGrpSpPr>
+      <p:grpSpPr>
+        <a:xfrm>
+          <a:off x="0" y="0"/>
+          <a:ext cx="0" cy="0"/>
+          <a:chOff x="0" y="0"/>
+          <a:chExt cx="0" cy="0"/>
+        </a:xfrm>
+      </p:grpSpPr>
+      <p:sp>
+        <p:nvSpPr>
+          <p:cNvPr id="2" name="Folienbildplatzhalter 1"/>
+          <p:cNvSpPr>
+            <a:spLocks noGrp="1" noRot="1" noChangeAspect="1"/>
+          </p:cNvSpPr>
+          <p:nvPr>
+            <p:ph type="sldImg"/>
+          </p:nvPr>
+        </p:nvSpPr>
+        <p:spPr/>
+      </p:sp>
+      <p:sp>
+        <p:nvSpPr>
+          <p:cNvPr id="3" name="Notizenplatzhalter 2"/>
+          <p:cNvSpPr>
+            <a:spLocks noGrp="1"/>
+          </p:cNvSpPr>
+          <p:nvPr>
+            <p:ph type="body" idx="1"/>
+          </p:nvPr>
+        </p:nvSpPr>
+        <p:spPr/>
+        <p:txBody>
+          <a:bodyPr/>
+          <a:lstStyle/>
+          <a:p>
+            <a:endParaRPr lang="de-DE" dirty="0"/>
+          </a:p>
+        </p:txBody>
+      </p:sp>
+      <p:sp>
+        <p:nvSpPr>
+          <p:cNvPr id="4" name="Foliennummernplatzhalter 3"/>
+          <p:cNvSpPr>
+            <a:spLocks noGrp="1"/>
+          </p:cNvSpPr>
+          <p:nvPr>
+            <p:ph type="sldNum" sz="quarter" idx="5"/>
+          </p:nvPr>
+        </p:nvSpPr>
+        <p:spPr/>
+        <p:txBody>
+          <a:bodyPr/>
+          <a:lstStyle/>
+          <a:p>
+            <a:fld id="{E0F53CE3-2C2D-3E48-8A0F-983D2E74FB43}" type="slidenum">
+              <a:rPr lang="de-DE" smtClean="0"/>
               <a:t>11</a:t>
+            </a:fld>
+            <a:endParaRPr lang="de-DE"/>
+          </a:p>
+        </p:txBody>
+      </p:sp>
+    </p:spTree>
+    <p:extLst>
+      <p:ext uri="{BB962C8B-B14F-4D97-AF65-F5344CB8AC3E}">
+        <p14:creationId xmlns:p14="http://schemas.microsoft.com/office/powerpoint/2010/main" val="736535885"/>
+      </p:ext>
+    </p:extLst>
+  </p:cSld>
+  <p:clrMapOvr>
+    <a:masterClrMapping/>
+  </p:clrMapOvr>
+</p:notes>
+</file>
+
+<file path=ppt/notesSlides/notesSlide5.xml><?xml version="1.0" encoding="utf-8"?>
+<p:notes xmlns:a="http://schemas.openxmlformats.org/drawingml/2006/main" xmlns:r="http://schemas.openxmlformats.org/officeDocument/2006/relationships" xmlns:p="http://schemas.openxmlformats.org/presentationml/2006/main">
+  <p:cSld>
+    <p:spTree>
+      <p:nvGrpSpPr>
+        <p:cNvPr id="1" name=""/>
+        <p:cNvGrpSpPr/>
+        <p:nvPr/>
+      </p:nvGrpSpPr>
+      <p:grpSpPr>
+        <a:xfrm>
+          <a:off x="0" y="0"/>
+          <a:ext cx="0" cy="0"/>
+          <a:chOff x="0" y="0"/>
+          <a:chExt cx="0" cy="0"/>
+        </a:xfrm>
+      </p:grpSpPr>
+      <p:sp>
+        <p:nvSpPr>
+          <p:cNvPr id="2" name="Folienbildplatzhalter 1"/>
+          <p:cNvSpPr>
+            <a:spLocks noGrp="1" noRot="1" noChangeAspect="1"/>
+          </p:cNvSpPr>
+          <p:nvPr>
+            <p:ph type="sldImg"/>
+          </p:nvPr>
+        </p:nvSpPr>
+        <p:spPr/>
+      </p:sp>
+      <p:sp>
+        <p:nvSpPr>
+          <p:cNvPr id="3" name="Notizenplatzhalter 2"/>
+          <p:cNvSpPr>
+            <a:spLocks noGrp="1"/>
+          </p:cNvSpPr>
+          <p:nvPr>
+            <p:ph type="body" idx="1"/>
+          </p:nvPr>
+        </p:nvSpPr>
+        <p:spPr/>
+        <p:txBody>
+          <a:bodyPr/>
+          <a:lstStyle/>
+          <a:p>
+            <a:endParaRPr lang="de-DE" dirty="0"/>
+          </a:p>
+        </p:txBody>
+      </p:sp>
+      <p:sp>
+        <p:nvSpPr>
+          <p:cNvPr id="4" name="Foliennummernplatzhalter 3"/>
+          <p:cNvSpPr>
+            <a:spLocks noGrp="1"/>
+          </p:cNvSpPr>
+          <p:nvPr>
+            <p:ph type="sldNum" sz="quarter" idx="5"/>
+          </p:nvPr>
+        </p:nvSpPr>
+        <p:spPr/>
+        <p:txBody>
+          <a:bodyPr/>
+          <a:lstStyle/>
+          <a:p>
+            <a:fld id="{E0F53CE3-2C2D-3E48-8A0F-983D2E74FB43}" type="slidenum">
+              <a:rPr lang="de-DE" smtClean="0"/>
+              <a:t>12</a:t>
             </a:fld>
             <a:endParaRPr lang="de-DE"/>
           </a:p>
@@ -4231,10 +4405,10 @@
       </p:grpSpPr>
       <p:sp>
         <p:nvSpPr>
-          <p:cNvPr id="5" name="Inhaltsplatzhalter 4">
+          <p:cNvPr id="3" name="Inhaltsplatzhalter 2">
             <a:extLst>
               <a:ext uri="{FF2B5EF4-FFF2-40B4-BE49-F238E27FC236}">
-                <a16:creationId xmlns:a16="http://schemas.microsoft.com/office/drawing/2014/main" id="{109F8385-E833-6A48-A359-79624A15420D}"/>
+                <a16:creationId xmlns:a16="http://schemas.microsoft.com/office/drawing/2014/main" id="{A7B4FA95-A35C-EA41-A65D-21FF202B48E1}"/>
               </a:ext>
             </a:extLst>
           </p:cNvPr>
@@ -4242,97 +4416,84 @@
             <a:spLocks noGrp="1"/>
           </p:cNvSpPr>
           <p:nvPr>
-            <p:ph sz="half" idx="1"/>
+            <p:ph idx="1"/>
           </p:nvPr>
         </p:nvSpPr>
         <p:spPr>
           <a:xfrm>
-            <a:off x="838200" y="832104"/>
-            <a:ext cx="5181600" cy="5344859"/>
+            <a:off x="838200" y="704088"/>
+            <a:ext cx="10515600" cy="5472875"/>
           </a:xfrm>
         </p:spPr>
         <p:txBody>
           <a:bodyPr anchor="ctr"/>
           <a:lstStyle/>
           <a:p>
-            <a:pPr marL="7937" indent="0" algn="ctr">
+            <a:pPr marL="7937" indent="0">
               <a:buNone/>
             </a:pPr>
             <a:r>
-              <a:rPr lang="de-DE" dirty="0"/>
-              <a:t>Verifizieren</a:t>
-            </a:r>
-          </a:p>
-          <a:p>
-            <a:pPr marL="7937" indent="0" algn="ctr">
+              <a:rPr lang="de-DE" sz="3600" dirty="0">
+                <a:solidFill>
+                  <a:schemeClr val="bg1"/>
+                </a:solidFill>
+              </a:rPr>
+              <a:t>Überprüfbare aber noch nicht überprüfte Aussagen werden als </a:t>
+            </a:r>
+            <a:r>
+              <a:rPr lang="de-DE" sz="3600" dirty="0">
+                <a:solidFill>
+                  <a:srgbClr val="FFC000"/>
+                </a:solidFill>
+              </a:rPr>
+              <a:t>Hypothesen</a:t>
+            </a:r>
+            <a:r>
+              <a:rPr lang="de-DE" sz="3600" dirty="0">
+                <a:solidFill>
+                  <a:schemeClr val="bg1"/>
+                </a:solidFill>
+              </a:rPr>
+              <a:t> bezeichnet!</a:t>
+            </a:r>
+          </a:p>
+          <a:p>
+            <a:pPr marL="7937" indent="0">
               <a:buNone/>
             </a:pPr>
-            <a:r>
-              <a:rPr lang="de-DE" dirty="0"/>
-              <a:t>Bestätigen</a:t>
-            </a:r>
-          </a:p>
-          <a:p>
-            <a:pPr marL="7937" indent="0" algn="ctr">
+            <a:endParaRPr lang="de-DE" sz="3600" dirty="0">
+              <a:solidFill>
+                <a:schemeClr val="bg1"/>
+              </a:solidFill>
+            </a:endParaRPr>
+          </a:p>
+          <a:p>
+            <a:pPr marL="7937" indent="0">
               <a:buNone/>
             </a:pPr>
             <a:r>
-              <a:rPr lang="de-DE" dirty="0"/>
-              <a:t>Akzeptieren</a:t>
-            </a:r>
-          </a:p>
-        </p:txBody>
-      </p:sp>
-      <p:sp>
-        <p:nvSpPr>
-          <p:cNvPr id="6" name="Inhaltsplatzhalter 5">
-            <a:extLst>
-              <a:ext uri="{FF2B5EF4-FFF2-40B4-BE49-F238E27FC236}">
-                <a16:creationId xmlns:a16="http://schemas.microsoft.com/office/drawing/2014/main" id="{6D884CAD-E143-8F48-8603-CBFE26806B91}"/>
-              </a:ext>
-            </a:extLst>
-          </p:cNvPr>
-          <p:cNvSpPr>
-            <a:spLocks noGrp="1"/>
-          </p:cNvSpPr>
-          <p:nvPr>
-            <p:ph sz="half" idx="2"/>
-          </p:nvPr>
-        </p:nvSpPr>
-        <p:spPr>
-          <a:xfrm>
-            <a:off x="6172200" y="832104"/>
-            <a:ext cx="5181600" cy="5344859"/>
-          </a:xfrm>
-        </p:spPr>
-        <p:txBody>
-          <a:bodyPr anchor="ctr"/>
-          <a:lstStyle/>
-          <a:p>
-            <a:pPr marL="7937" indent="0" algn="ctr">
-              <a:buNone/>
-            </a:pPr>
-            <a:r>
-              <a:rPr lang="de-DE" dirty="0"/>
-              <a:t>Falsifizieren</a:t>
-            </a:r>
-          </a:p>
-          <a:p>
-            <a:pPr marL="7937" indent="0" algn="ctr">
-              <a:buNone/>
-            </a:pPr>
-            <a:r>
-              <a:rPr lang="de-DE" dirty="0"/>
-              <a:t>Ablehnen</a:t>
-            </a:r>
-          </a:p>
-          <a:p>
-            <a:pPr marL="7937" indent="0" algn="ctr">
-              <a:buNone/>
-            </a:pPr>
-            <a:r>
-              <a:rPr lang="de-DE" dirty="0"/>
-              <a:t>Verwerfen</a:t>
+              <a:rPr lang="de-DE" sz="3600" dirty="0">
+                <a:solidFill>
+                  <a:schemeClr val="bg1"/>
+                </a:solidFill>
+              </a:rPr>
+              <a:t>Überprüfte Aussagen werden als </a:t>
+            </a:r>
+            <a:r>
+              <a:rPr lang="de-DE" sz="3600" dirty="0">
+                <a:solidFill>
+                  <a:srgbClr val="FFC000"/>
+                </a:solidFill>
+              </a:rPr>
+              <a:t>Fakten</a:t>
+            </a:r>
+            <a:r>
+              <a:rPr lang="de-DE" sz="3600" dirty="0">
+                <a:solidFill>
+                  <a:schemeClr val="bg1"/>
+                </a:solidFill>
+              </a:rPr>
+              <a:t> bezeichnet!</a:t>
             </a:r>
           </a:p>
         </p:txBody>
@@ -4340,7 +4501,7 @@
     </p:spTree>
     <p:extLst>
       <p:ext uri="{BB962C8B-B14F-4D97-AF65-F5344CB8AC3E}">
-        <p14:creationId xmlns:p14="http://schemas.microsoft.com/office/powerpoint/2010/main" val="331960678"/>
+        <p14:creationId xmlns:p14="http://schemas.microsoft.com/office/powerpoint/2010/main" val="3810632286"/>
       </p:ext>
     </p:extLst>
   </p:cSld>
@@ -4402,7 +4563,7 @@
                   <a:schemeClr val="bg1"/>
                 </a:solidFill>
               </a:rPr>
-              <a:t>Überprüfte Aussagen werden als </a:t>
+              <a:t>Aussagen, die unabhängig von den Daten immer belegt werden können, sind </a:t>
             </a:r>
             <a:r>
               <a:rPr lang="de-DE" sz="3600" dirty="0">
@@ -4410,7 +4571,7 @@
                   <a:srgbClr val="FFC000"/>
                 </a:solidFill>
               </a:rPr>
-              <a:t>Fakten</a:t>
+              <a:t>keine</a:t>
             </a:r>
             <a:r>
               <a:rPr lang="de-DE" sz="3600" dirty="0">
@@ -4418,7 +4579,23 @@
                   <a:schemeClr val="bg1"/>
                 </a:solidFill>
               </a:rPr>
-              <a:t> bezeichnet</a:t>
+              <a:t> </a:t>
+            </a:r>
+            <a:r>
+              <a:rPr lang="de-DE" sz="3600" dirty="0">
+                <a:solidFill>
+                  <a:srgbClr val="FFC000"/>
+                </a:solidFill>
+              </a:rPr>
+              <a:t>Hypothesen</a:t>
+            </a:r>
+            <a:r>
+              <a:rPr lang="de-DE" sz="3600" dirty="0">
+                <a:solidFill>
+                  <a:schemeClr val="bg1"/>
+                </a:solidFill>
+              </a:rPr>
+              <a:t>!</a:t>
             </a:r>
           </a:p>
           <a:p>
@@ -4441,7 +4618,155 @@
                   <a:schemeClr val="bg1"/>
                 </a:solidFill>
               </a:rPr>
-              <a:t>Mehrere überprüfte Fakten zu einem Thema werden als </a:t>
+              <a:t>Solche Aussagen werden als </a:t>
+            </a:r>
+            <a:r>
+              <a:rPr lang="de-DE" sz="3600" dirty="0">
+                <a:solidFill>
+                  <a:srgbClr val="FFC000"/>
+                </a:solidFill>
+              </a:rPr>
+              <a:t>Tautologien</a:t>
+            </a:r>
+            <a:r>
+              <a:rPr lang="de-DE" sz="3600" dirty="0">
+                <a:solidFill>
+                  <a:schemeClr val="bg1"/>
+                </a:solidFill>
+              </a:rPr>
+              <a:t> bezeichnet.</a:t>
+            </a:r>
+          </a:p>
+          <a:p>
+            <a:pPr marL="7937" indent="0">
+              <a:buNone/>
+            </a:pPr>
+            <a:endParaRPr lang="de-DE" sz="3600" dirty="0">
+              <a:solidFill>
+                <a:schemeClr val="bg1"/>
+              </a:solidFill>
+            </a:endParaRPr>
+          </a:p>
+          <a:p>
+            <a:pPr marL="7937" indent="0">
+              <a:buNone/>
+            </a:pPr>
+            <a:r>
+              <a:rPr lang="de-DE" sz="3600" dirty="0">
+                <a:solidFill>
+                  <a:schemeClr val="bg1"/>
+                </a:solidFill>
+              </a:rPr>
+              <a:t>Gelegentlich stellt sich erst im Nachhinein heraus, dass eine Tautologie überprüft wurde.</a:t>
+            </a:r>
+          </a:p>
+        </p:txBody>
+      </p:sp>
+    </p:spTree>
+    <p:extLst>
+      <p:ext uri="{BB962C8B-B14F-4D97-AF65-F5344CB8AC3E}">
+        <p14:creationId xmlns:p14="http://schemas.microsoft.com/office/powerpoint/2010/main" val="2651434730"/>
+      </p:ext>
+    </p:extLst>
+  </p:cSld>
+  <p:clrMapOvr>
+    <a:masterClrMapping/>
+  </p:clrMapOvr>
+</p:sld>
+</file>
+
+<file path=ppt/slides/slide12.xml><?xml version="1.0" encoding="utf-8"?>
+<p:sld xmlns:a="http://schemas.openxmlformats.org/drawingml/2006/main" xmlns:r="http://schemas.openxmlformats.org/officeDocument/2006/relationships" xmlns:p="http://schemas.openxmlformats.org/presentationml/2006/main">
+  <p:cSld>
+    <p:spTree>
+      <p:nvGrpSpPr>
+        <p:cNvPr id="1" name=""/>
+        <p:cNvGrpSpPr/>
+        <p:nvPr/>
+      </p:nvGrpSpPr>
+      <p:grpSpPr>
+        <a:xfrm>
+          <a:off x="0" y="0"/>
+          <a:ext cx="0" cy="0"/>
+          <a:chOff x="0" y="0"/>
+          <a:chExt cx="0" cy="0"/>
+        </a:xfrm>
+      </p:grpSpPr>
+      <p:sp>
+        <p:nvSpPr>
+          <p:cNvPr id="3" name="Inhaltsplatzhalter 2">
+            <a:extLst>
+              <a:ext uri="{FF2B5EF4-FFF2-40B4-BE49-F238E27FC236}">
+                <a16:creationId xmlns:a16="http://schemas.microsoft.com/office/drawing/2014/main" id="{A7B4FA95-A35C-EA41-A65D-21FF202B48E1}"/>
+              </a:ext>
+            </a:extLst>
+          </p:cNvPr>
+          <p:cNvSpPr>
+            <a:spLocks noGrp="1"/>
+          </p:cNvSpPr>
+          <p:nvPr>
+            <p:ph idx="1"/>
+          </p:nvPr>
+        </p:nvSpPr>
+        <p:spPr>
+          <a:xfrm>
+            <a:off x="838200" y="704088"/>
+            <a:ext cx="10515600" cy="5472875"/>
+          </a:xfrm>
+        </p:spPr>
+        <p:txBody>
+          <a:bodyPr anchor="ctr"/>
+          <a:lstStyle/>
+          <a:p>
+            <a:pPr marL="7937" indent="0">
+              <a:buNone/>
+            </a:pPr>
+            <a:r>
+              <a:rPr lang="de-DE" sz="3600" dirty="0">
+                <a:solidFill>
+                  <a:schemeClr val="bg1"/>
+                </a:solidFill>
+              </a:rPr>
+              <a:t>Überprüfte Aussagen werden als </a:t>
+            </a:r>
+            <a:r>
+              <a:rPr lang="de-DE" sz="3600" dirty="0">
+                <a:solidFill>
+                  <a:srgbClr val="FFC000"/>
+                </a:solidFill>
+              </a:rPr>
+              <a:t>Fakten</a:t>
+            </a:r>
+            <a:r>
+              <a:rPr lang="de-DE" sz="3600" dirty="0">
+                <a:solidFill>
+                  <a:schemeClr val="bg1"/>
+                </a:solidFill>
+              </a:rPr>
+              <a:t> bezeichnet</a:t>
+            </a:r>
+          </a:p>
+          <a:p>
+            <a:pPr marL="7937" indent="0">
+              <a:buNone/>
+            </a:pPr>
+            <a:endParaRPr lang="de-DE" sz="3600" dirty="0">
+              <a:solidFill>
+                <a:schemeClr val="bg1"/>
+              </a:solidFill>
+            </a:endParaRPr>
+          </a:p>
+          <a:p>
+            <a:pPr marL="7937" indent="0">
+              <a:buNone/>
+            </a:pPr>
+            <a:r>
+              <a:rPr lang="de-DE" sz="3600" dirty="0">
+                <a:solidFill>
+                  <a:schemeClr val="bg1"/>
+                </a:solidFill>
+              </a:rPr>
+              <a:t>Mehrere verknüpfte und überprüfte Fakten zu einem Thema werden als </a:t>
             </a:r>
             <a:r>
               <a:rPr lang="de-DE" sz="3600" dirty="0">
@@ -4475,7 +4800,7 @@
 </p:sld>
 </file>
 
-<file path=ppt/slides/slide12.xml><?xml version="1.0" encoding="utf-8"?>
+<file path=ppt/slides/slide13.xml><?xml version="1.0" encoding="utf-8"?>
 <p:sld xmlns:a="http://schemas.openxmlformats.org/drawingml/2006/main" xmlns:r="http://schemas.openxmlformats.org/officeDocument/2006/relationships" xmlns:p="http://schemas.openxmlformats.org/presentationml/2006/main">
   <p:cSld>
     <p:spTree>
@@ -4791,87 +5116,6 @@
 </p:sld>
 </file>
 
-<file path=ppt/slides/slide13.xml><?xml version="1.0" encoding="utf-8"?>
-<p:sld xmlns:a="http://schemas.openxmlformats.org/drawingml/2006/main" xmlns:r="http://schemas.openxmlformats.org/officeDocument/2006/relationships" xmlns:p="http://schemas.openxmlformats.org/presentationml/2006/main">
-  <p:cSld>
-    <p:spTree>
-      <p:nvGrpSpPr>
-        <p:cNvPr id="1" name=""/>
-        <p:cNvGrpSpPr/>
-        <p:nvPr/>
-      </p:nvGrpSpPr>
-      <p:grpSpPr>
-        <a:xfrm>
-          <a:off x="0" y="0"/>
-          <a:ext cx="0" cy="0"/>
-          <a:chOff x="0" y="0"/>
-          <a:chExt cx="0" cy="0"/>
-        </a:xfrm>
-      </p:grpSpPr>
-      <p:sp>
-        <p:nvSpPr>
-          <p:cNvPr id="3" name="Inhaltsplatzhalter 2">
-            <a:extLst>
-              <a:ext uri="{FF2B5EF4-FFF2-40B4-BE49-F238E27FC236}">
-                <a16:creationId xmlns:a16="http://schemas.microsoft.com/office/drawing/2014/main" id="{A7B4FA95-A35C-EA41-A65D-21FF202B48E1}"/>
-              </a:ext>
-            </a:extLst>
-          </p:cNvPr>
-          <p:cNvSpPr>
-            <a:spLocks noGrp="1"/>
-          </p:cNvSpPr>
-          <p:nvPr>
-            <p:ph idx="1"/>
-          </p:nvPr>
-        </p:nvSpPr>
-        <p:spPr>
-          <a:xfrm>
-            <a:off x="838200" y="704088"/>
-            <a:ext cx="10515600" cy="5472875"/>
-          </a:xfrm>
-        </p:spPr>
-        <p:txBody>
-          <a:bodyPr anchor="ctr"/>
-          <a:lstStyle/>
-          <a:p>
-            <a:pPr marL="7937" indent="0">
-              <a:buNone/>
-            </a:pPr>
-            <a:r>
-              <a:rPr lang="de-DE" dirty="0"/>
-              <a:t>Jede empirische Studie hat einen beschreibenden Teil.</a:t>
-            </a:r>
-          </a:p>
-          <a:p>
-            <a:pPr marL="7937" indent="0">
-              <a:buNone/>
-            </a:pPr>
-            <a:endParaRPr lang="de-DE" dirty="0"/>
-          </a:p>
-          <a:p>
-            <a:pPr marL="7937" indent="0">
-              <a:buNone/>
-            </a:pPr>
-            <a:r>
-              <a:rPr lang="de-DE" dirty="0"/>
-              <a:t>Beschreibenden Statistik bezeichnet man als deskriptive Statistik</a:t>
-            </a:r>
-          </a:p>
-        </p:txBody>
-      </p:sp>
-    </p:spTree>
-    <p:extLst>
-      <p:ext uri="{BB962C8B-B14F-4D97-AF65-F5344CB8AC3E}">
-        <p14:creationId xmlns:p14="http://schemas.microsoft.com/office/powerpoint/2010/main" val="4213882106"/>
-      </p:ext>
-    </p:extLst>
-  </p:cSld>
-  <p:clrMapOvr>
-    <a:masterClrMapping/>
-  </p:clrMapOvr>
-</p:sld>
-</file>
-
 <file path=ppt/slides/slide14.xml><?xml version="1.0" encoding="utf-8"?>
 <p:sld xmlns:a="http://schemas.openxmlformats.org/drawingml/2006/main" xmlns:r="http://schemas.openxmlformats.org/officeDocument/2006/relationships" xmlns:p="http://schemas.openxmlformats.org/presentationml/2006/main">
   <p:cSld>
@@ -4920,44 +5164,13 @@
             </a:pPr>
             <a:r>
               <a:rPr lang="de-DE" dirty="0"/>
-              <a:t>Jede empirische Studie hat einen beschreibenden Teil.</a:t>
-            </a:r>
-          </a:p>
-          <a:p>
-            <a:pPr marL="7937" indent="0">
-              <a:buNone/>
-            </a:pPr>
-            <a:r>
-              <a:rPr lang="de-DE" dirty="0"/>
-              <a:t>	</a:t>
-            </a:r>
-            <a:r>
-              <a:rPr lang="de-DE" sz="3600" dirty="0"/>
-              <a:t>Es werden erhobene Daten beschrieben</a:t>
-            </a:r>
-          </a:p>
-          <a:p>
-            <a:pPr marL="7937" indent="0">
-              <a:buNone/>
-            </a:pPr>
-            <a:endParaRPr lang="de-DE" dirty="0"/>
-          </a:p>
-          <a:p>
-            <a:pPr marL="7937" indent="0">
-              <a:buNone/>
-            </a:pPr>
-            <a:r>
-              <a:rPr lang="de-DE" dirty="0"/>
-              <a:t>Beschreibenden Statistik bezeichnen wir als </a:t>
-            </a:r>
-            <a:r>
-              <a:rPr lang="de-DE" dirty="0">
-                <a:solidFill>
-                  <a:srgbClr val="FFC000"/>
-                </a:solidFill>
-              </a:rPr>
-              <a:t>deskriptive Statistik</a:t>
-            </a:r>
+              <a:t>Als induktive Studien bezeichnet man deduktive Studien, bei denen die Vorannahmen nicht offen gelegt wurden.</a:t>
+            </a:r>
+            <a:endParaRPr lang="de-DE" dirty="0">
+              <a:solidFill>
+                <a:srgbClr val="FFC000"/>
+              </a:solidFill>
+            </a:endParaRPr>
           </a:p>
         </p:txBody>
       </p:sp>
@@ -5014,44 +5227,27 @@
           </a:xfrm>
         </p:spPr>
         <p:txBody>
-          <a:bodyPr anchor="ctr"/>
+          <a:bodyPr anchor="ctr">
+            <a:normAutofit/>
+          </a:bodyPr>
           <a:lstStyle/>
           <a:p>
             <a:pPr marL="7937" indent="0">
               <a:buNone/>
             </a:pPr>
             <a:r>
-              <a:rPr lang="de-DE" dirty="0"/>
-              <a:t>Viele empirische Studien schlussfolgern eine allgemeine Aussage aus den Daten.</a:t>
-            </a:r>
-          </a:p>
-          <a:p>
-            <a:pPr marL="7937" indent="0">
-              <a:buNone/>
-            </a:pPr>
-            <a:endParaRPr lang="de-DE" dirty="0"/>
-          </a:p>
-          <a:p>
-            <a:pPr marL="7937" indent="0">
-              <a:buNone/>
-            </a:pPr>
-            <a:r>
-              <a:rPr lang="de-DE" dirty="0" err="1"/>
-              <a:t>Schliesende</a:t>
-            </a:r>
-            <a:r>
-              <a:rPr lang="de-DE" dirty="0"/>
-              <a:t> Statistik bezeichnen wir als </a:t>
-            </a:r>
-            <a:r>
-              <a:rPr lang="de-CH" dirty="0">
+              <a:rPr lang="de-DE" sz="4800" dirty="0">
                 <a:solidFill>
                   <a:srgbClr val="FFC000"/>
                 </a:solidFill>
               </a:rPr>
-              <a:t>Inferenzstatistik.</a:t>
-            </a:r>
-            <a:endParaRPr lang="de-DE" dirty="0">
+              <a:t>Keine</a:t>
+            </a:r>
+            <a:r>
+              <a:rPr lang="de-DE" sz="4800" dirty="0"/>
+              <a:t> wissenschaftlich-professionelle Auseinandersetzung kommt ohne Vorwissen aus!</a:t>
+            </a:r>
+            <a:endParaRPr lang="de-DE" sz="4800" dirty="0">
               <a:solidFill>
                 <a:srgbClr val="FFC000"/>
               </a:solidFill>
@@ -5062,7 +5258,7 @@
     </p:spTree>
     <p:extLst>
       <p:ext uri="{BB962C8B-B14F-4D97-AF65-F5344CB8AC3E}">
-        <p14:creationId xmlns:p14="http://schemas.microsoft.com/office/powerpoint/2010/main" val="1687452261"/>
+        <p14:creationId xmlns:p14="http://schemas.microsoft.com/office/powerpoint/2010/main" val="787486184"/>
       </p:ext>
     </p:extLst>
   </p:cSld>
@@ -5091,6 +5287,396 @@
       </p:grpSpPr>
       <p:sp>
         <p:nvSpPr>
+          <p:cNvPr id="5" name="Abgerundetes Rechteck 4">
+            <a:extLst>
+              <a:ext uri="{FF2B5EF4-FFF2-40B4-BE49-F238E27FC236}">
+                <a16:creationId xmlns:a16="http://schemas.microsoft.com/office/drawing/2014/main" id="{FA7A754A-2B57-A24E-9C3E-297F17BEFD15}"/>
+              </a:ext>
+            </a:extLst>
+          </p:cNvPr>
+          <p:cNvSpPr/>
+          <p:nvPr/>
+        </p:nvSpPr>
+        <p:spPr>
+          <a:xfrm>
+            <a:off x="4416552" y="1234440"/>
+            <a:ext cx="3483864" cy="1554480"/>
+          </a:xfrm>
+          <a:prstGeom prst="roundRect">
+            <a:avLst/>
+          </a:prstGeom>
+          <a:solidFill>
+            <a:srgbClr val="FFC000"/>
+          </a:solidFill>
+        </p:spPr>
+        <p:style>
+          <a:lnRef idx="2">
+            <a:schemeClr val="accent1">
+              <a:shade val="50000"/>
+            </a:schemeClr>
+          </a:lnRef>
+          <a:fillRef idx="1">
+            <a:schemeClr val="accent1"/>
+          </a:fillRef>
+          <a:effectRef idx="0">
+            <a:schemeClr val="accent1"/>
+          </a:effectRef>
+          <a:fontRef idx="minor">
+            <a:schemeClr val="lt1"/>
+          </a:fontRef>
+        </p:style>
+        <p:txBody>
+          <a:bodyPr rtlCol="0" anchor="ctr"/>
+          <a:lstStyle/>
+          <a:p>
+            <a:pPr algn="ctr"/>
+            <a:r>
+              <a:rPr lang="de-DE" sz="4400" dirty="0">
+                <a:solidFill>
+                  <a:srgbClr val="05426B"/>
+                </a:solidFill>
+              </a:rPr>
+              <a:t>Theorie</a:t>
+            </a:r>
+          </a:p>
+        </p:txBody>
+      </p:sp>
+      <p:sp>
+        <p:nvSpPr>
+          <p:cNvPr id="6" name="Abgerundetes Rechteck 5">
+            <a:extLst>
+              <a:ext uri="{FF2B5EF4-FFF2-40B4-BE49-F238E27FC236}">
+                <a16:creationId xmlns:a16="http://schemas.microsoft.com/office/drawing/2014/main" id="{DC4F8F3E-6058-3142-B7F5-6A341B105AE3}"/>
+              </a:ext>
+            </a:extLst>
+          </p:cNvPr>
+          <p:cNvSpPr/>
+          <p:nvPr/>
+        </p:nvSpPr>
+        <p:spPr>
+          <a:xfrm>
+            <a:off x="4416552" y="3800856"/>
+            <a:ext cx="3483864" cy="1554480"/>
+          </a:xfrm>
+          <a:prstGeom prst="roundRect">
+            <a:avLst/>
+          </a:prstGeom>
+          <a:solidFill>
+            <a:srgbClr val="FFC000"/>
+          </a:solidFill>
+        </p:spPr>
+        <p:style>
+          <a:lnRef idx="2">
+            <a:schemeClr val="accent1">
+              <a:shade val="50000"/>
+            </a:schemeClr>
+          </a:lnRef>
+          <a:fillRef idx="1">
+            <a:schemeClr val="accent1"/>
+          </a:fillRef>
+          <a:effectRef idx="0">
+            <a:schemeClr val="accent1"/>
+          </a:effectRef>
+          <a:fontRef idx="minor">
+            <a:schemeClr val="lt1"/>
+          </a:fontRef>
+        </p:style>
+        <p:txBody>
+          <a:bodyPr rtlCol="0" anchor="ctr"/>
+          <a:lstStyle/>
+          <a:p>
+            <a:pPr algn="ctr"/>
+            <a:r>
+              <a:rPr lang="de-DE" sz="4400" dirty="0">
+                <a:solidFill>
+                  <a:srgbClr val="05426B"/>
+                </a:solidFill>
+              </a:rPr>
+              <a:t>Einzelfall</a:t>
+            </a:r>
+          </a:p>
+        </p:txBody>
+      </p:sp>
+      <p:cxnSp>
+        <p:nvCxnSpPr>
+          <p:cNvPr id="8" name="Gekrümmte Verbindung 7">
+            <a:extLst>
+              <a:ext uri="{FF2B5EF4-FFF2-40B4-BE49-F238E27FC236}">
+                <a16:creationId xmlns:a16="http://schemas.microsoft.com/office/drawing/2014/main" id="{7F11355C-9506-0D43-9A1B-588FD6363DA8}"/>
+              </a:ext>
+            </a:extLst>
+          </p:cNvPr>
+          <p:cNvCxnSpPr>
+            <a:cxnSpLocks/>
+            <a:stCxn id="6" idx="3"/>
+            <a:endCxn id="5" idx="3"/>
+          </p:cNvCxnSpPr>
+          <p:nvPr/>
+        </p:nvCxnSpPr>
+        <p:spPr>
+          <a:xfrm flipV="1">
+            <a:off x="7900416" y="2011680"/>
+            <a:ext cx="12700" cy="2566416"/>
+          </a:xfrm>
+          <a:prstGeom prst="curvedConnector3">
+            <a:avLst>
+              <a:gd name="adj1" fmla="val 9576000"/>
+            </a:avLst>
+          </a:prstGeom>
+          <a:ln w="76200">
+            <a:solidFill>
+              <a:srgbClr val="FFC000"/>
+            </a:solidFill>
+            <a:tailEnd type="triangle"/>
+          </a:ln>
+        </p:spPr>
+        <p:style>
+          <a:lnRef idx="1">
+            <a:schemeClr val="accent1"/>
+          </a:lnRef>
+          <a:fillRef idx="0">
+            <a:schemeClr val="accent1"/>
+          </a:fillRef>
+          <a:effectRef idx="0">
+            <a:schemeClr val="accent1"/>
+          </a:effectRef>
+          <a:fontRef idx="minor">
+            <a:schemeClr val="tx1"/>
+          </a:fontRef>
+        </p:style>
+      </p:cxnSp>
+      <p:cxnSp>
+        <p:nvCxnSpPr>
+          <p:cNvPr id="11" name="Gekrümmte Verbindung 10">
+            <a:extLst>
+              <a:ext uri="{FF2B5EF4-FFF2-40B4-BE49-F238E27FC236}">
+                <a16:creationId xmlns:a16="http://schemas.microsoft.com/office/drawing/2014/main" id="{5B4E6F7D-522E-AD4B-BCE3-4A840291E2EB}"/>
+              </a:ext>
+            </a:extLst>
+          </p:cNvPr>
+          <p:cNvCxnSpPr>
+            <a:cxnSpLocks/>
+            <a:stCxn id="5" idx="1"/>
+            <a:endCxn id="6" idx="1"/>
+          </p:cNvCxnSpPr>
+          <p:nvPr/>
+        </p:nvCxnSpPr>
+        <p:spPr>
+          <a:xfrm rot="10800000" flipV="1">
+            <a:off x="4416552" y="2011680"/>
+            <a:ext cx="12700" cy="2566416"/>
+          </a:xfrm>
+          <a:prstGeom prst="curvedConnector3">
+            <a:avLst>
+              <a:gd name="adj1" fmla="val 10368000"/>
+            </a:avLst>
+          </a:prstGeom>
+          <a:ln w="76200">
+            <a:solidFill>
+              <a:srgbClr val="FFC000"/>
+            </a:solidFill>
+            <a:tailEnd type="triangle"/>
+          </a:ln>
+        </p:spPr>
+        <p:style>
+          <a:lnRef idx="1">
+            <a:schemeClr val="accent1"/>
+          </a:lnRef>
+          <a:fillRef idx="0">
+            <a:schemeClr val="accent1"/>
+          </a:fillRef>
+          <a:effectRef idx="0">
+            <a:schemeClr val="accent1"/>
+          </a:effectRef>
+          <a:fontRef idx="minor">
+            <a:schemeClr val="tx1"/>
+          </a:fontRef>
+        </p:style>
+      </p:cxnSp>
+      <p:sp>
+        <p:nvSpPr>
+          <p:cNvPr id="15" name="Textfeld 14">
+            <a:extLst>
+              <a:ext uri="{FF2B5EF4-FFF2-40B4-BE49-F238E27FC236}">
+                <a16:creationId xmlns:a16="http://schemas.microsoft.com/office/drawing/2014/main" id="{638C8B73-A0B8-DD46-9221-DB1107315A36}"/>
+              </a:ext>
+            </a:extLst>
+          </p:cNvPr>
+          <p:cNvSpPr txBox="1"/>
+          <p:nvPr/>
+        </p:nvSpPr>
+        <p:spPr>
+          <a:xfrm flipH="1">
+            <a:off x="1033271" y="2943844"/>
+            <a:ext cx="2352037" cy="646331"/>
+          </a:xfrm>
+          <a:prstGeom prst="rect">
+            <a:avLst/>
+          </a:prstGeom>
+          <a:noFill/>
+        </p:spPr>
+        <p:txBody>
+          <a:bodyPr wrap="square" rtlCol="0">
+            <a:spAutoFit/>
+          </a:bodyPr>
+          <a:lstStyle/>
+          <a:p>
+            <a:r>
+              <a:rPr lang="de-DE" sz="3600" b="1" dirty="0">
+                <a:solidFill>
+                  <a:schemeClr val="bg1"/>
+                </a:solidFill>
+              </a:rPr>
+              <a:t>Deduktiv</a:t>
+            </a:r>
+          </a:p>
+        </p:txBody>
+      </p:sp>
+      <p:sp>
+        <p:nvSpPr>
+          <p:cNvPr id="16" name="Textfeld 15">
+            <a:extLst>
+              <a:ext uri="{FF2B5EF4-FFF2-40B4-BE49-F238E27FC236}">
+                <a16:creationId xmlns:a16="http://schemas.microsoft.com/office/drawing/2014/main" id="{FC0C9D46-4241-B746-9E68-F0CB45C0A27A}"/>
+              </a:ext>
+            </a:extLst>
+          </p:cNvPr>
+          <p:cNvSpPr txBox="1"/>
+          <p:nvPr/>
+        </p:nvSpPr>
+        <p:spPr>
+          <a:xfrm flipH="1">
+            <a:off x="9369551" y="2943844"/>
+            <a:ext cx="2352037" cy="646331"/>
+          </a:xfrm>
+          <a:prstGeom prst="rect">
+            <a:avLst/>
+          </a:prstGeom>
+          <a:noFill/>
+        </p:spPr>
+        <p:txBody>
+          <a:bodyPr wrap="square" rtlCol="0">
+            <a:spAutoFit/>
+          </a:bodyPr>
+          <a:lstStyle/>
+          <a:p>
+            <a:r>
+              <a:rPr lang="de-DE" sz="3600" b="1" dirty="0">
+                <a:solidFill>
+                  <a:schemeClr val="bg1"/>
+                </a:solidFill>
+              </a:rPr>
+              <a:t>Induktiv</a:t>
+            </a:r>
+          </a:p>
+        </p:txBody>
+      </p:sp>
+      <p:sp>
+        <p:nvSpPr>
+          <p:cNvPr id="2" name="Textfeld 1">
+            <a:extLst>
+              <a:ext uri="{FF2B5EF4-FFF2-40B4-BE49-F238E27FC236}">
+                <a16:creationId xmlns:a16="http://schemas.microsoft.com/office/drawing/2014/main" id="{157ECEF1-EBD2-1C2C-BBDA-0F93286B15BA}"/>
+              </a:ext>
+            </a:extLst>
+          </p:cNvPr>
+          <p:cNvSpPr txBox="1"/>
+          <p:nvPr/>
+        </p:nvSpPr>
+        <p:spPr>
+          <a:xfrm>
+            <a:off x="9657708" y="2943844"/>
+            <a:ext cx="1018227" cy="1092607"/>
+          </a:xfrm>
+          <a:prstGeom prst="rect">
+            <a:avLst/>
+          </a:prstGeom>
+          <a:noFill/>
+        </p:spPr>
+        <p:txBody>
+          <a:bodyPr wrap="none" rtlCol="0">
+            <a:spAutoFit/>
+          </a:bodyPr>
+          <a:lstStyle/>
+          <a:p>
+            <a:r>
+              <a:rPr lang="de-DE" sz="6500" dirty="0"/>
+              <a:t>❌</a:t>
+            </a:r>
+          </a:p>
+        </p:txBody>
+      </p:sp>
+      <p:sp>
+        <p:nvSpPr>
+          <p:cNvPr id="3" name="Textfeld 2">
+            <a:extLst>
+              <a:ext uri="{FF2B5EF4-FFF2-40B4-BE49-F238E27FC236}">
+                <a16:creationId xmlns:a16="http://schemas.microsoft.com/office/drawing/2014/main" id="{1DBF21D2-77E2-B142-4793-1414EC3E94A5}"/>
+              </a:ext>
+            </a:extLst>
+          </p:cNvPr>
+          <p:cNvSpPr txBox="1"/>
+          <p:nvPr/>
+        </p:nvSpPr>
+        <p:spPr>
+          <a:xfrm rot="20696895" flipH="1">
+            <a:off x="9237726" y="2003198"/>
+            <a:ext cx="2352037" cy="646331"/>
+          </a:xfrm>
+          <a:prstGeom prst="rect">
+            <a:avLst/>
+          </a:prstGeom>
+          <a:noFill/>
+        </p:spPr>
+        <p:txBody>
+          <a:bodyPr wrap="square" rtlCol="0">
+            <a:spAutoFit/>
+          </a:bodyPr>
+          <a:lstStyle/>
+          <a:p>
+            <a:r>
+              <a:rPr lang="de-DE" sz="3600" b="1" dirty="0">
+                <a:solidFill>
+                  <a:srgbClr val="FFC000"/>
+                </a:solidFill>
+              </a:rPr>
+              <a:t>Fakten</a:t>
+            </a:r>
+          </a:p>
+        </p:txBody>
+      </p:sp>
+    </p:spTree>
+    <p:extLst>
+      <p:ext uri="{BB962C8B-B14F-4D97-AF65-F5344CB8AC3E}">
+        <p14:creationId xmlns:p14="http://schemas.microsoft.com/office/powerpoint/2010/main" val="158761898"/>
+      </p:ext>
+    </p:extLst>
+  </p:cSld>
+  <p:clrMapOvr>
+    <a:masterClrMapping/>
+  </p:clrMapOvr>
+</p:sld>
+</file>
+
+<file path=ppt/slides/slide17.xml><?xml version="1.0" encoding="utf-8"?>
+<p:sld xmlns:a="http://schemas.openxmlformats.org/drawingml/2006/main" xmlns:r="http://schemas.openxmlformats.org/officeDocument/2006/relationships" xmlns:p="http://schemas.openxmlformats.org/presentationml/2006/main">
+  <p:cSld>
+    <p:spTree>
+      <p:nvGrpSpPr>
+        <p:cNvPr id="1" name=""/>
+        <p:cNvGrpSpPr/>
+        <p:nvPr/>
+      </p:nvGrpSpPr>
+      <p:grpSpPr>
+        <a:xfrm>
+          <a:off x="0" y="0"/>
+          <a:ext cx="0" cy="0"/>
+          <a:chOff x="0" y="0"/>
+          <a:chExt cx="0" cy="0"/>
+        </a:xfrm>
+      </p:grpSpPr>
+      <p:sp>
+        <p:nvSpPr>
           <p:cNvPr id="3" name="Inhaltsplatzhalter 2">
             <a:extLst>
               <a:ext uri="{FF2B5EF4-FFF2-40B4-BE49-F238E27FC236}">
@@ -5107,29 +5693,34 @@
         </p:nvSpPr>
         <p:spPr>
           <a:xfrm>
-            <a:off x="838200" y="704088"/>
+            <a:off x="673813" y="457508"/>
             <a:ext cx="10515600" cy="5472875"/>
           </a:xfrm>
         </p:spPr>
         <p:txBody>
-          <a:bodyPr anchor="ctr"/>
+          <a:bodyPr anchor="ctr">
+            <a:normAutofit/>
+          </a:bodyPr>
           <a:lstStyle/>
           <a:p>
             <a:pPr marL="7937" indent="0">
               <a:buNone/>
             </a:pPr>
             <a:r>
-              <a:rPr lang="de-DE" dirty="0"/>
-              <a:t>Übung</a:t>
-            </a:r>
-          </a:p>
-          <a:p>
-            <a:pPr marL="7937" indent="0">
-              <a:buNone/>
-            </a:pPr>
-            <a:r>
-              <a:rPr lang="de-DE" dirty="0"/>
-              <a:t>Wie würden Sie Ihre Forschungsfrage beantworten?</a:t>
+              <a:rPr lang="de-DE" sz="4000" dirty="0"/>
+              <a:t>Wir müssen unsere Hypothesen in eine Form bringen, sodass wir die </a:t>
+            </a:r>
+            <a:r>
+              <a:rPr lang="de-DE" sz="4000" dirty="0">
+                <a:solidFill>
+                  <a:srgbClr val="FFC000"/>
+                </a:solidFill>
+              </a:rPr>
+              <a:t>Ausprägungen</a:t>
+            </a:r>
+            <a:r>
+              <a:rPr lang="de-DE" sz="4000" dirty="0"/>
+              <a:t> unserer Variablen verschiedenen Antwortmöglichkeiten zuordnen können.</a:t>
             </a:r>
           </a:p>
         </p:txBody>
@@ -5137,7 +5728,7 @@
     </p:spTree>
     <p:extLst>
       <p:ext uri="{BB962C8B-B14F-4D97-AF65-F5344CB8AC3E}">
-        <p14:creationId xmlns:p14="http://schemas.microsoft.com/office/powerpoint/2010/main" val="415201118"/>
+        <p14:creationId xmlns:p14="http://schemas.microsoft.com/office/powerpoint/2010/main" val="1645316800"/>
       </p:ext>
     </p:extLst>
   </p:cSld>
@@ -5147,7 +5738,551 @@
 </p:sld>
 </file>
 
-<file path=ppt/slides/slide17.xml><?xml version="1.0" encoding="utf-8"?>
+<file path=ppt/slides/slide18.xml><?xml version="1.0" encoding="utf-8"?>
+<p:sld xmlns:a="http://schemas.openxmlformats.org/drawingml/2006/main" xmlns:r="http://schemas.openxmlformats.org/officeDocument/2006/relationships" xmlns:p="http://schemas.openxmlformats.org/presentationml/2006/main">
+  <p:cSld>
+    <p:spTree>
+      <p:nvGrpSpPr>
+        <p:cNvPr id="1" name=""/>
+        <p:cNvGrpSpPr/>
+        <p:nvPr/>
+      </p:nvGrpSpPr>
+      <p:grpSpPr>
+        <a:xfrm>
+          <a:off x="0" y="0"/>
+          <a:ext cx="0" cy="0"/>
+          <a:chOff x="0" y="0"/>
+          <a:chExt cx="0" cy="0"/>
+        </a:xfrm>
+      </p:grpSpPr>
+      <p:sp>
+        <p:nvSpPr>
+          <p:cNvPr id="3" name="Inhaltsplatzhalter 2">
+            <a:extLst>
+              <a:ext uri="{FF2B5EF4-FFF2-40B4-BE49-F238E27FC236}">
+                <a16:creationId xmlns:a16="http://schemas.microsoft.com/office/drawing/2014/main" id="{A7B4FA95-A35C-EA41-A65D-21FF202B48E1}"/>
+              </a:ext>
+            </a:extLst>
+          </p:cNvPr>
+          <p:cNvSpPr>
+            <a:spLocks noGrp="1"/>
+          </p:cNvSpPr>
+          <p:nvPr>
+            <p:ph idx="1"/>
+          </p:nvPr>
+        </p:nvSpPr>
+        <p:spPr>
+          <a:xfrm>
+            <a:off x="838200" y="704088"/>
+            <a:ext cx="10515600" cy="5472875"/>
+          </a:xfrm>
+        </p:spPr>
+        <p:txBody>
+          <a:bodyPr anchor="ctr">
+            <a:normAutofit/>
+          </a:bodyPr>
+          <a:lstStyle/>
+          <a:p>
+            <a:pPr marL="7937" indent="0">
+              <a:buNone/>
+            </a:pPr>
+            <a:r>
+              <a:rPr lang="de-DE" sz="4000" dirty="0"/>
+              <a:t>Indem wir unsere Vorannahmen offenlegen, können wir Antworten formulieren, die wir mit messbaren Eigenschaften oder Merkmalen zuordnen können.</a:t>
+            </a:r>
+          </a:p>
+          <a:p>
+            <a:pPr marL="7937" indent="0">
+              <a:buNone/>
+            </a:pPr>
+            <a:endParaRPr lang="de-DE" sz="4000" dirty="0">
+              <a:solidFill>
+                <a:srgbClr val="FFC000"/>
+              </a:solidFill>
+            </a:endParaRPr>
+          </a:p>
+          <a:p>
+            <a:pPr marL="7937" indent="0">
+              <a:buNone/>
+            </a:pPr>
+            <a:r>
+              <a:rPr lang="de-DE" sz="4000" dirty="0">
+                <a:solidFill>
+                  <a:schemeClr val="bg1"/>
+                </a:solidFill>
+              </a:rPr>
+              <a:t>Diese messbaren Eigenschaften oder Merkmale bezeichnen wir als </a:t>
+            </a:r>
+            <a:r>
+              <a:rPr lang="de-DE" sz="4000" dirty="0">
+                <a:solidFill>
+                  <a:srgbClr val="FFC000"/>
+                </a:solidFill>
+              </a:rPr>
+              <a:t>Variablen.</a:t>
+            </a:r>
+          </a:p>
+        </p:txBody>
+      </p:sp>
+    </p:spTree>
+    <p:extLst>
+      <p:ext uri="{BB962C8B-B14F-4D97-AF65-F5344CB8AC3E}">
+        <p14:creationId xmlns:p14="http://schemas.microsoft.com/office/powerpoint/2010/main" val="3796577941"/>
+      </p:ext>
+    </p:extLst>
+  </p:cSld>
+  <p:clrMapOvr>
+    <a:masterClrMapping/>
+  </p:clrMapOvr>
+</p:sld>
+</file>
+
+<file path=ppt/slides/slide19.xml><?xml version="1.0" encoding="utf-8"?>
+<p:sld xmlns:a="http://schemas.openxmlformats.org/drawingml/2006/main" xmlns:r="http://schemas.openxmlformats.org/officeDocument/2006/relationships" xmlns:p="http://schemas.openxmlformats.org/presentationml/2006/main">
+  <p:cSld>
+    <p:spTree>
+      <p:nvGrpSpPr>
+        <p:cNvPr id="1" name=""/>
+        <p:cNvGrpSpPr/>
+        <p:nvPr/>
+      </p:nvGrpSpPr>
+      <p:grpSpPr>
+        <a:xfrm>
+          <a:off x="0" y="0"/>
+          <a:ext cx="0" cy="0"/>
+          <a:chOff x="0" y="0"/>
+          <a:chExt cx="0" cy="0"/>
+        </a:xfrm>
+      </p:grpSpPr>
+      <p:sp>
+        <p:nvSpPr>
+          <p:cNvPr id="3" name="Inhaltsplatzhalter 2">
+            <a:extLst>
+              <a:ext uri="{FF2B5EF4-FFF2-40B4-BE49-F238E27FC236}">
+                <a16:creationId xmlns:a16="http://schemas.microsoft.com/office/drawing/2014/main" id="{A7B4FA95-A35C-EA41-A65D-21FF202B48E1}"/>
+              </a:ext>
+            </a:extLst>
+          </p:cNvPr>
+          <p:cNvSpPr>
+            <a:spLocks noGrp="1"/>
+          </p:cNvSpPr>
+          <p:nvPr>
+            <p:ph idx="1"/>
+          </p:nvPr>
+        </p:nvSpPr>
+        <p:spPr>
+          <a:xfrm>
+            <a:off x="838200" y="529427"/>
+            <a:ext cx="10515600" cy="5472875"/>
+          </a:xfrm>
+        </p:spPr>
+        <p:txBody>
+          <a:bodyPr anchor="ctr">
+            <a:normAutofit lnSpcReduction="10000"/>
+          </a:bodyPr>
+          <a:lstStyle/>
+          <a:p>
+            <a:pPr marL="7937" indent="0">
+              <a:buNone/>
+            </a:pPr>
+            <a:r>
+              <a:rPr lang="de-DE" sz="4000" dirty="0"/>
+              <a:t>Die Statistik stellt uns </a:t>
+            </a:r>
+            <a:r>
+              <a:rPr lang="de-DE" sz="4000" dirty="0">
+                <a:solidFill>
+                  <a:srgbClr val="FFC000"/>
+                </a:solidFill>
+              </a:rPr>
+              <a:t>Werkzeuge</a:t>
+            </a:r>
+            <a:r>
+              <a:rPr lang="de-DE" sz="4000" dirty="0"/>
+              <a:t> zur Verfügung, um systematisch und mithilfe von Daten Aussagen zu überprüfen!</a:t>
+            </a:r>
+          </a:p>
+          <a:p>
+            <a:pPr marL="7937" indent="0">
+              <a:buNone/>
+            </a:pPr>
+            <a:endParaRPr lang="de-DE" sz="4000" dirty="0"/>
+          </a:p>
+          <a:p>
+            <a:pPr marL="7937" indent="0">
+              <a:buNone/>
+            </a:pPr>
+            <a:r>
+              <a:rPr lang="de-DE" sz="4000" dirty="0"/>
+              <a:t>Wir müssen nicht verstehen, wie die Werkzeuge im Detail funktionieren.</a:t>
+            </a:r>
+          </a:p>
+          <a:p>
+            <a:pPr marL="7937" indent="0">
+              <a:buNone/>
+            </a:pPr>
+            <a:endParaRPr lang="de-DE" sz="4000" dirty="0"/>
+          </a:p>
+          <a:p>
+            <a:pPr marL="7937" indent="0">
+              <a:buNone/>
+            </a:pPr>
+            <a:r>
+              <a:rPr lang="de-DE" sz="4000" dirty="0">
+                <a:solidFill>
+                  <a:srgbClr val="FFC000"/>
+                </a:solidFill>
+              </a:rPr>
+              <a:t>Wir müssen verstehen, wie wir die Werkzeuge richtig anwenden. </a:t>
+            </a:r>
+          </a:p>
+        </p:txBody>
+      </p:sp>
+    </p:spTree>
+    <p:extLst>
+      <p:ext uri="{BB962C8B-B14F-4D97-AF65-F5344CB8AC3E}">
+        <p14:creationId xmlns:p14="http://schemas.microsoft.com/office/powerpoint/2010/main" val="4272390406"/>
+      </p:ext>
+    </p:extLst>
+  </p:cSld>
+  <p:clrMapOvr>
+    <a:masterClrMapping/>
+  </p:clrMapOvr>
+</p:sld>
+</file>
+
+<file path=ppt/slides/slide2.xml><?xml version="1.0" encoding="utf-8"?>
+<p:sld xmlns:a="http://schemas.openxmlformats.org/drawingml/2006/main" xmlns:r="http://schemas.openxmlformats.org/officeDocument/2006/relationships" xmlns:p="http://schemas.openxmlformats.org/presentationml/2006/main">
+  <p:cSld>
+    <p:spTree>
+      <p:nvGrpSpPr>
+        <p:cNvPr id="1" name=""/>
+        <p:cNvGrpSpPr/>
+        <p:nvPr/>
+      </p:nvGrpSpPr>
+      <p:grpSpPr>
+        <a:xfrm>
+          <a:off x="0" y="0"/>
+          <a:ext cx="0" cy="0"/>
+          <a:chOff x="0" y="0"/>
+          <a:chExt cx="0" cy="0"/>
+        </a:xfrm>
+      </p:grpSpPr>
+      <p:sp>
+        <p:nvSpPr>
+          <p:cNvPr id="4" name="Titel 3">
+            <a:extLst>
+              <a:ext uri="{FF2B5EF4-FFF2-40B4-BE49-F238E27FC236}">
+                <a16:creationId xmlns:a16="http://schemas.microsoft.com/office/drawing/2014/main" id="{A3463C19-F895-8A45-A43D-175575CD803A}"/>
+              </a:ext>
+            </a:extLst>
+          </p:cNvPr>
+          <p:cNvSpPr>
+            <a:spLocks noGrp="1"/>
+          </p:cNvSpPr>
+          <p:nvPr>
+            <p:ph type="title"/>
+          </p:nvPr>
+        </p:nvSpPr>
+        <p:spPr>
+          <a:xfrm>
+            <a:off x="838200" y="365125"/>
+            <a:ext cx="10515600" cy="5624195"/>
+          </a:xfrm>
+        </p:spPr>
+        <p:txBody>
+          <a:bodyPr/>
+          <a:lstStyle/>
+          <a:p>
+            <a:r>
+              <a:rPr lang="de-DE" dirty="0"/>
+              <a:t>Forschungsfragen</a:t>
+            </a:r>
+          </a:p>
+        </p:txBody>
+      </p:sp>
+    </p:spTree>
+    <p:extLst>
+      <p:ext uri="{BB962C8B-B14F-4D97-AF65-F5344CB8AC3E}">
+        <p14:creationId xmlns:p14="http://schemas.microsoft.com/office/powerpoint/2010/main" val="645594877"/>
+      </p:ext>
+    </p:extLst>
+  </p:cSld>
+  <p:clrMapOvr>
+    <a:masterClrMapping/>
+  </p:clrMapOvr>
+</p:sld>
+</file>
+
+<file path=ppt/slides/slide20.xml><?xml version="1.0" encoding="utf-8"?>
+<p:sld xmlns:a="http://schemas.openxmlformats.org/drawingml/2006/main" xmlns:r="http://schemas.openxmlformats.org/officeDocument/2006/relationships" xmlns:p="http://schemas.openxmlformats.org/presentationml/2006/main">
+  <p:cSld>
+    <p:spTree>
+      <p:nvGrpSpPr>
+        <p:cNvPr id="1" name=""/>
+        <p:cNvGrpSpPr/>
+        <p:nvPr/>
+      </p:nvGrpSpPr>
+      <p:grpSpPr>
+        <a:xfrm>
+          <a:off x="0" y="0"/>
+          <a:ext cx="0" cy="0"/>
+          <a:chOff x="0" y="0"/>
+          <a:chExt cx="0" cy="0"/>
+        </a:xfrm>
+      </p:grpSpPr>
+      <p:pic>
+        <p:nvPicPr>
+          <p:cNvPr id="4" name="Grafik 3">
+            <a:extLst>
+              <a:ext uri="{FF2B5EF4-FFF2-40B4-BE49-F238E27FC236}">
+                <a16:creationId xmlns:a16="http://schemas.microsoft.com/office/drawing/2014/main" id="{E1F71674-A775-B15E-75FC-C73397EBE69F}"/>
+              </a:ext>
+            </a:extLst>
+          </p:cNvPr>
+          <p:cNvPicPr>
+            <a:picLocks noChangeAspect="1"/>
+          </p:cNvPicPr>
+          <p:nvPr/>
+        </p:nvPicPr>
+        <p:blipFill>
+          <a:blip r:embed="rId2"/>
+          <a:stretch>
+            <a:fillRect/>
+          </a:stretch>
+        </p:blipFill>
+        <p:spPr>
+          <a:xfrm>
+            <a:off x="3463608" y="0"/>
+            <a:ext cx="5264783" cy="6858000"/>
+          </a:xfrm>
+          <a:prstGeom prst="rect">
+            <a:avLst/>
+          </a:prstGeom>
+        </p:spPr>
+      </p:pic>
+    </p:spTree>
+    <p:extLst>
+      <p:ext uri="{BB962C8B-B14F-4D97-AF65-F5344CB8AC3E}">
+        <p14:creationId xmlns:p14="http://schemas.microsoft.com/office/powerpoint/2010/main" val="3941255541"/>
+      </p:ext>
+    </p:extLst>
+  </p:cSld>
+  <p:clrMapOvr>
+    <a:masterClrMapping/>
+  </p:clrMapOvr>
+</p:sld>
+</file>
+
+<file path=ppt/slides/slide21.xml><?xml version="1.0" encoding="utf-8"?>
+<p:sld xmlns:a="http://schemas.openxmlformats.org/drawingml/2006/main" xmlns:r="http://schemas.openxmlformats.org/officeDocument/2006/relationships" xmlns:p="http://schemas.openxmlformats.org/presentationml/2006/main">
+  <p:cSld>
+    <p:spTree>
+      <p:nvGrpSpPr>
+        <p:cNvPr id="1" name=""/>
+        <p:cNvGrpSpPr/>
+        <p:nvPr/>
+      </p:nvGrpSpPr>
+      <p:grpSpPr>
+        <a:xfrm>
+          <a:off x="0" y="0"/>
+          <a:ext cx="0" cy="0"/>
+          <a:chOff x="0" y="0"/>
+          <a:chExt cx="0" cy="0"/>
+        </a:xfrm>
+      </p:grpSpPr>
+      <p:sp>
+        <p:nvSpPr>
+          <p:cNvPr id="3" name="Inhaltsplatzhalter 2">
+            <a:extLst>
+              <a:ext uri="{FF2B5EF4-FFF2-40B4-BE49-F238E27FC236}">
+                <a16:creationId xmlns:a16="http://schemas.microsoft.com/office/drawing/2014/main" id="{A7B4FA95-A35C-EA41-A65D-21FF202B48E1}"/>
+              </a:ext>
+            </a:extLst>
+          </p:cNvPr>
+          <p:cNvSpPr>
+            <a:spLocks noGrp="1"/>
+          </p:cNvSpPr>
+          <p:nvPr>
+            <p:ph idx="1"/>
+          </p:nvPr>
+        </p:nvSpPr>
+        <p:spPr>
+          <a:xfrm>
+            <a:off x="838200" y="704088"/>
+            <a:ext cx="10515600" cy="5472875"/>
+          </a:xfrm>
+        </p:spPr>
+        <p:txBody>
+          <a:bodyPr anchor="ctr"/>
+          <a:lstStyle/>
+          <a:p>
+            <a:pPr marL="7937" indent="0">
+              <a:buNone/>
+            </a:pPr>
+            <a:r>
+              <a:rPr lang="de-DE" dirty="0">
+                <a:solidFill>
+                  <a:srgbClr val="FFC000"/>
+                </a:solidFill>
+              </a:rPr>
+              <a:t>Jede </a:t>
+            </a:r>
+            <a:r>
+              <a:rPr lang="de-DE" dirty="0"/>
+              <a:t>empirische Studie hat einen beschreibenden Teil.</a:t>
+            </a:r>
+          </a:p>
+          <a:p>
+            <a:pPr marL="7937" indent="0">
+              <a:buNone/>
+            </a:pPr>
+            <a:r>
+              <a:rPr lang="de-DE" dirty="0"/>
+              <a:t>	</a:t>
+            </a:r>
+            <a:r>
+              <a:rPr lang="de-DE" sz="3600" dirty="0"/>
+              <a:t>Es werden erhobene Daten beschrieben</a:t>
+            </a:r>
+          </a:p>
+          <a:p>
+            <a:pPr marL="7937" indent="0">
+              <a:buNone/>
+            </a:pPr>
+            <a:endParaRPr lang="de-DE" dirty="0"/>
+          </a:p>
+          <a:p>
+            <a:pPr marL="7937" indent="0">
+              <a:buNone/>
+            </a:pPr>
+            <a:r>
+              <a:rPr lang="de-DE" dirty="0"/>
+              <a:t>Beschreibenden Statistik bezeichnet man als </a:t>
+            </a:r>
+            <a:r>
+              <a:rPr lang="de-DE" dirty="0">
+                <a:solidFill>
+                  <a:srgbClr val="FFC000"/>
+                </a:solidFill>
+              </a:rPr>
+              <a:t>deskriptive Statistik</a:t>
+            </a:r>
+          </a:p>
+        </p:txBody>
+      </p:sp>
+    </p:spTree>
+    <p:extLst>
+      <p:ext uri="{BB962C8B-B14F-4D97-AF65-F5344CB8AC3E}">
+        <p14:creationId xmlns:p14="http://schemas.microsoft.com/office/powerpoint/2010/main" val="928677681"/>
+      </p:ext>
+    </p:extLst>
+  </p:cSld>
+  <p:clrMapOvr>
+    <a:masterClrMapping/>
+  </p:clrMapOvr>
+</p:sld>
+</file>
+
+<file path=ppt/slides/slide22.xml><?xml version="1.0" encoding="utf-8"?>
+<p:sld xmlns:a="http://schemas.openxmlformats.org/drawingml/2006/main" xmlns:r="http://schemas.openxmlformats.org/officeDocument/2006/relationships" xmlns:p="http://schemas.openxmlformats.org/presentationml/2006/main">
+  <p:cSld>
+    <p:spTree>
+      <p:nvGrpSpPr>
+        <p:cNvPr id="1" name=""/>
+        <p:cNvGrpSpPr/>
+        <p:nvPr/>
+      </p:nvGrpSpPr>
+      <p:grpSpPr>
+        <a:xfrm>
+          <a:off x="0" y="0"/>
+          <a:ext cx="0" cy="0"/>
+          <a:chOff x="0" y="0"/>
+          <a:chExt cx="0" cy="0"/>
+        </a:xfrm>
+      </p:grpSpPr>
+      <p:sp>
+        <p:nvSpPr>
+          <p:cNvPr id="3" name="Inhaltsplatzhalter 2">
+            <a:extLst>
+              <a:ext uri="{FF2B5EF4-FFF2-40B4-BE49-F238E27FC236}">
+                <a16:creationId xmlns:a16="http://schemas.microsoft.com/office/drawing/2014/main" id="{A7B4FA95-A35C-EA41-A65D-21FF202B48E1}"/>
+              </a:ext>
+            </a:extLst>
+          </p:cNvPr>
+          <p:cNvSpPr>
+            <a:spLocks noGrp="1"/>
+          </p:cNvSpPr>
+          <p:nvPr>
+            <p:ph idx="1"/>
+          </p:nvPr>
+        </p:nvSpPr>
+        <p:spPr>
+          <a:xfrm>
+            <a:off x="838200" y="704088"/>
+            <a:ext cx="10515600" cy="5472875"/>
+          </a:xfrm>
+        </p:spPr>
+        <p:txBody>
+          <a:bodyPr anchor="ctr"/>
+          <a:lstStyle/>
+          <a:p>
+            <a:pPr marL="7937" indent="0">
+              <a:buNone/>
+            </a:pPr>
+            <a:r>
+              <a:rPr lang="de-DE" dirty="0"/>
+              <a:t>Viele empirische Studien schlussfolgern Aussagen mittels beobachteter Daten. </a:t>
+            </a:r>
+          </a:p>
+          <a:p>
+            <a:pPr marL="7937" indent="0">
+              <a:buNone/>
+            </a:pPr>
+            <a:endParaRPr lang="de-DE" dirty="0"/>
+          </a:p>
+          <a:p>
+            <a:pPr marL="7937" indent="0">
+              <a:buNone/>
+            </a:pPr>
+            <a:r>
+              <a:rPr lang="de-DE" dirty="0" err="1"/>
+              <a:t>Schliesende</a:t>
+            </a:r>
+            <a:r>
+              <a:rPr lang="de-DE" dirty="0"/>
+              <a:t> Statistik bezeichnet man als </a:t>
+            </a:r>
+            <a:r>
+              <a:rPr lang="de-CH" dirty="0">
+                <a:solidFill>
+                  <a:srgbClr val="FFC000"/>
+                </a:solidFill>
+              </a:rPr>
+              <a:t>Inferenzstatistik.</a:t>
+            </a:r>
+            <a:endParaRPr lang="de-DE" dirty="0">
+              <a:solidFill>
+                <a:srgbClr val="FFC000"/>
+              </a:solidFill>
+            </a:endParaRPr>
+          </a:p>
+        </p:txBody>
+      </p:sp>
+    </p:spTree>
+    <p:extLst>
+      <p:ext uri="{BB962C8B-B14F-4D97-AF65-F5344CB8AC3E}">
+        <p14:creationId xmlns:p14="http://schemas.microsoft.com/office/powerpoint/2010/main" val="1687452261"/>
+      </p:ext>
+    </p:extLst>
+  </p:cSld>
+  <p:clrMapOvr>
+    <a:masterClrMapping/>
+  </p:clrMapOvr>
+</p:sld>
+</file>
+
+<file path=ppt/slides/slide23.xml><?xml version="1.0" encoding="utf-8"?>
 <p:sld xmlns:a="http://schemas.openxmlformats.org/drawingml/2006/main" xmlns:r="http://schemas.openxmlformats.org/officeDocument/2006/relationships" xmlns:p="http://schemas.openxmlformats.org/presentationml/2006/main">
   <p:cSld>
     <p:spTree>
@@ -5289,69 +6424,6 @@
 </p:sld>
 </file>
 
-<file path=ppt/slides/slide2.xml><?xml version="1.0" encoding="utf-8"?>
-<p:sld xmlns:a="http://schemas.openxmlformats.org/drawingml/2006/main" xmlns:r="http://schemas.openxmlformats.org/officeDocument/2006/relationships" xmlns:p="http://schemas.openxmlformats.org/presentationml/2006/main">
-  <p:cSld>
-    <p:spTree>
-      <p:nvGrpSpPr>
-        <p:cNvPr id="1" name=""/>
-        <p:cNvGrpSpPr/>
-        <p:nvPr/>
-      </p:nvGrpSpPr>
-      <p:grpSpPr>
-        <a:xfrm>
-          <a:off x="0" y="0"/>
-          <a:ext cx="0" cy="0"/>
-          <a:chOff x="0" y="0"/>
-          <a:chExt cx="0" cy="0"/>
-        </a:xfrm>
-      </p:grpSpPr>
-      <p:sp>
-        <p:nvSpPr>
-          <p:cNvPr id="4" name="Titel 3">
-            <a:extLst>
-              <a:ext uri="{FF2B5EF4-FFF2-40B4-BE49-F238E27FC236}">
-                <a16:creationId xmlns:a16="http://schemas.microsoft.com/office/drawing/2014/main" id="{A3463C19-F895-8A45-A43D-175575CD803A}"/>
-              </a:ext>
-            </a:extLst>
-          </p:cNvPr>
-          <p:cNvSpPr>
-            <a:spLocks noGrp="1"/>
-          </p:cNvSpPr>
-          <p:nvPr>
-            <p:ph type="title"/>
-          </p:nvPr>
-        </p:nvSpPr>
-        <p:spPr>
-          <a:xfrm>
-            <a:off x="838200" y="365125"/>
-            <a:ext cx="10515600" cy="5624195"/>
-          </a:xfrm>
-        </p:spPr>
-        <p:txBody>
-          <a:bodyPr/>
-          <a:lstStyle/>
-          <a:p>
-            <a:r>
-              <a:rPr lang="de-DE" dirty="0"/>
-              <a:t>Forschungsfragen</a:t>
-            </a:r>
-          </a:p>
-        </p:txBody>
-      </p:sp>
-    </p:spTree>
-    <p:extLst>
-      <p:ext uri="{BB962C8B-B14F-4D97-AF65-F5344CB8AC3E}">
-        <p14:creationId xmlns:p14="http://schemas.microsoft.com/office/powerpoint/2010/main" val="645594877"/>
-      </p:ext>
-    </p:extLst>
-  </p:cSld>
-  <p:clrMapOvr>
-    <a:masterClrMapping/>
-  </p:clrMapOvr>
-</p:sld>
-</file>
-
 <file path=ppt/slides/slide3.xml><?xml version="1.0" encoding="utf-8"?>
 <p:sld xmlns:a="http://schemas.openxmlformats.org/drawingml/2006/main" xmlns:r="http://schemas.openxmlformats.org/officeDocument/2006/relationships" xmlns:p="http://schemas.openxmlformats.org/presentationml/2006/main">
   <p:cSld>
@@ -5428,7 +6500,7 @@
             <a:pPr lvl="1"/>
             <a:r>
               <a:rPr lang="de-DE" dirty="0"/>
-              <a:t>Zusammenhänge</a:t>
+              <a:t>Zusammenhängen</a:t>
             </a:r>
           </a:p>
         </p:txBody>
@@ -5783,7 +6855,7 @@
         <p:spPr>
           <a:xfrm>
             <a:off x="838200" y="704088"/>
-            <a:ext cx="10515600" cy="5472875"/>
+            <a:ext cx="11162016" cy="5472875"/>
           </a:xfrm>
         </p:spPr>
         <p:txBody>
@@ -5794,12 +6866,14 @@
               <a:buNone/>
             </a:pPr>
             <a:r>
-              <a:rPr lang="de-DE" sz="3600" dirty="0">
-                <a:solidFill>
-                  <a:schemeClr val="bg1"/>
-                </a:solidFill>
-              </a:rPr>
-              <a:t>Überprüfbare aber noch nicht überprüfte Aussagen werden als </a:t>
+              <a:rPr lang="de-DE" dirty="0"/>
+              <a:t>Methodische Forschungsfragen </a:t>
+            </a:r>
+          </a:p>
+          <a:p>
+            <a:r>
+              <a:rPr lang="de-DE" sz="3600" dirty="0"/>
+              <a:t>Beantwortung durch </a:t>
             </a:r>
             <a:r>
               <a:rPr lang="de-DE" sz="3600" dirty="0">
@@ -5807,54 +6881,7 @@
                   <a:srgbClr val="FFC000"/>
                 </a:solidFill>
               </a:rPr>
-              <a:t>Hypothesen</a:t>
-            </a:r>
-            <a:r>
-              <a:rPr lang="de-DE" sz="3600" dirty="0">
-                <a:solidFill>
-                  <a:schemeClr val="bg1"/>
-                </a:solidFill>
-              </a:rPr>
-              <a:t> bezeichnet!</a:t>
-            </a:r>
-          </a:p>
-          <a:p>
-            <a:pPr marL="7937" indent="0">
-              <a:buNone/>
-            </a:pPr>
-            <a:endParaRPr lang="de-DE" sz="3600" dirty="0">
-              <a:solidFill>
-                <a:schemeClr val="bg1"/>
-              </a:solidFill>
-            </a:endParaRPr>
-          </a:p>
-          <a:p>
-            <a:pPr marL="7937" indent="0">
-              <a:buNone/>
-            </a:pPr>
-            <a:r>
-              <a:rPr lang="de-DE" sz="3600" dirty="0">
-                <a:solidFill>
-                  <a:schemeClr val="bg1"/>
-                </a:solidFill>
-              </a:rPr>
-              <a:t>Überprüfte Aussagen werden als </a:t>
-            </a:r>
-            <a:r>
-              <a:rPr lang="de-DE" sz="3600" dirty="0">
-                <a:solidFill>
-                  <a:srgbClr val="FFC000"/>
-                </a:solidFill>
-              </a:rPr>
-              <a:t>Fakten</a:t>
-            </a:r>
-            <a:r>
-              <a:rPr lang="de-DE" sz="3600" dirty="0">
-                <a:solidFill>
-                  <a:schemeClr val="bg1"/>
-                </a:solidFill>
-              </a:rPr>
-              <a:t> bezeichnet!</a:t>
+              <a:t>empirisch überprüfte Methoden</a:t>
             </a:r>
           </a:p>
         </p:txBody>
@@ -5862,7 +6889,7 @@
     </p:spTree>
     <p:extLst>
       <p:ext uri="{BB962C8B-B14F-4D97-AF65-F5344CB8AC3E}">
-        <p14:creationId xmlns:p14="http://schemas.microsoft.com/office/powerpoint/2010/main" val="3810632286"/>
+        <p14:creationId xmlns:p14="http://schemas.microsoft.com/office/powerpoint/2010/main" val="3219167728"/>
       </p:ext>
     </p:extLst>
   </p:cSld>
@@ -5891,10 +6918,10 @@
       </p:grpSpPr>
       <p:sp>
         <p:nvSpPr>
-          <p:cNvPr id="3" name="Inhaltsplatzhalter 2">
+          <p:cNvPr id="5" name="Inhaltsplatzhalter 4">
             <a:extLst>
               <a:ext uri="{FF2B5EF4-FFF2-40B4-BE49-F238E27FC236}">
-                <a16:creationId xmlns:a16="http://schemas.microsoft.com/office/drawing/2014/main" id="{A7B4FA95-A35C-EA41-A65D-21FF202B48E1}"/>
+                <a16:creationId xmlns:a16="http://schemas.microsoft.com/office/drawing/2014/main" id="{109F8385-E833-6A48-A359-79624A15420D}"/>
               </a:ext>
             </a:extLst>
           </p:cNvPr>
@@ -5902,34 +6929,167 @@
             <a:spLocks noGrp="1"/>
           </p:cNvSpPr>
           <p:nvPr>
-            <p:ph idx="1"/>
+            <p:ph sz="half" idx="1"/>
           </p:nvPr>
         </p:nvSpPr>
         <p:spPr>
           <a:xfrm>
-            <a:off x="838200" y="704088"/>
-            <a:ext cx="10515600" cy="5472875"/>
+            <a:off x="838200" y="1417729"/>
+            <a:ext cx="5181600" cy="5344859"/>
           </a:xfrm>
         </p:spPr>
         <p:txBody>
           <a:bodyPr anchor="ctr"/>
           <a:lstStyle/>
           <a:p>
-            <a:pPr marL="7937" indent="0">
+            <a:pPr marL="7937" indent="0" algn="ctr">
               <a:buNone/>
             </a:pPr>
             <a:r>
               <a:rPr lang="de-DE" dirty="0"/>
-              <a:t>Übung</a:t>
-            </a:r>
-          </a:p>
-          <a:p>
-            <a:pPr marL="7937" indent="0">
+              <a:t>Verifizieren</a:t>
+            </a:r>
+          </a:p>
+          <a:p>
+            <a:pPr marL="7937" indent="0" algn="ctr">
               <a:buNone/>
             </a:pPr>
             <a:r>
               <a:rPr lang="de-DE" dirty="0"/>
-              <a:t>Formulieren Sie mehrere Hypothesen die Ihre Forschungsfrage beantworten!</a:t>
+              <a:t>Bestätigen</a:t>
+            </a:r>
+          </a:p>
+          <a:p>
+            <a:pPr marL="7937" indent="0" algn="ctr">
+              <a:buNone/>
+            </a:pPr>
+            <a:r>
+              <a:rPr lang="de-DE" dirty="0"/>
+              <a:t>Akzeptieren</a:t>
+            </a:r>
+          </a:p>
+        </p:txBody>
+      </p:sp>
+      <p:sp>
+        <p:nvSpPr>
+          <p:cNvPr id="6" name="Inhaltsplatzhalter 5">
+            <a:extLst>
+              <a:ext uri="{FF2B5EF4-FFF2-40B4-BE49-F238E27FC236}">
+                <a16:creationId xmlns:a16="http://schemas.microsoft.com/office/drawing/2014/main" id="{6D884CAD-E143-8F48-8603-CBFE26806B91}"/>
+              </a:ext>
+            </a:extLst>
+          </p:cNvPr>
+          <p:cNvSpPr>
+            <a:spLocks noGrp="1"/>
+          </p:cNvSpPr>
+          <p:nvPr>
+            <p:ph sz="half" idx="2"/>
+          </p:nvPr>
+        </p:nvSpPr>
+        <p:spPr>
+          <a:xfrm>
+            <a:off x="6172200" y="1417729"/>
+            <a:ext cx="5181600" cy="5344859"/>
+          </a:xfrm>
+        </p:spPr>
+        <p:txBody>
+          <a:bodyPr anchor="ctr"/>
+          <a:lstStyle/>
+          <a:p>
+            <a:pPr marL="7937" indent="0" algn="ctr">
+              <a:buNone/>
+            </a:pPr>
+            <a:r>
+              <a:rPr lang="de-DE" dirty="0"/>
+              <a:t>Falsifizieren</a:t>
+            </a:r>
+          </a:p>
+          <a:p>
+            <a:pPr marL="7937" indent="0" algn="ctr">
+              <a:buNone/>
+            </a:pPr>
+            <a:r>
+              <a:rPr lang="de-DE" dirty="0"/>
+              <a:t>Ablehnen</a:t>
+            </a:r>
+          </a:p>
+          <a:p>
+            <a:pPr marL="7937" indent="0" algn="ctr">
+              <a:buNone/>
+            </a:pPr>
+            <a:r>
+              <a:rPr lang="de-DE" dirty="0"/>
+              <a:t>Verwerfen</a:t>
+            </a:r>
+          </a:p>
+        </p:txBody>
+      </p:sp>
+      <p:sp>
+        <p:nvSpPr>
+          <p:cNvPr id="2" name="Textfeld 1">
+            <a:extLst>
+              <a:ext uri="{FF2B5EF4-FFF2-40B4-BE49-F238E27FC236}">
+                <a16:creationId xmlns:a16="http://schemas.microsoft.com/office/drawing/2014/main" id="{E46B9FF6-6435-B7F7-F00A-D532A57AAE36}"/>
+              </a:ext>
+            </a:extLst>
+          </p:cNvPr>
+          <p:cNvSpPr txBox="1"/>
+          <p:nvPr/>
+        </p:nvSpPr>
+        <p:spPr>
+          <a:xfrm>
+            <a:off x="2809983" y="1266662"/>
+            <a:ext cx="1210588" cy="1323439"/>
+          </a:xfrm>
+          <a:prstGeom prst="rect">
+            <a:avLst/>
+          </a:prstGeom>
+          <a:noFill/>
+        </p:spPr>
+        <p:txBody>
+          <a:bodyPr wrap="none" rtlCol="0">
+            <a:spAutoFit/>
+          </a:bodyPr>
+          <a:lstStyle/>
+          <a:p>
+            <a:r>
+              <a:rPr lang="de-DE" sz="8000" dirty="0"/>
+              <a:t>👍</a:t>
+            </a:r>
+          </a:p>
+        </p:txBody>
+      </p:sp>
+      <p:sp>
+        <p:nvSpPr>
+          <p:cNvPr id="3" name="Textfeld 2">
+            <a:extLst>
+              <a:ext uri="{FF2B5EF4-FFF2-40B4-BE49-F238E27FC236}">
+                <a16:creationId xmlns:a16="http://schemas.microsoft.com/office/drawing/2014/main" id="{B466D85C-A5D0-CF06-A6BA-6A2B9DE39F40}"/>
+              </a:ext>
+            </a:extLst>
+          </p:cNvPr>
+          <p:cNvSpPr txBox="1"/>
+          <p:nvPr/>
+        </p:nvSpPr>
+        <p:spPr>
+          <a:xfrm>
+            <a:off x="7991583" y="1703693"/>
+            <a:ext cx="1210588" cy="1323439"/>
+          </a:xfrm>
+          <a:prstGeom prst="rect">
+            <a:avLst/>
+          </a:prstGeom>
+          <a:noFill/>
+        </p:spPr>
+        <p:txBody>
+          <a:bodyPr wrap="none" rtlCol="0">
+            <a:spAutoFit/>
+          </a:bodyPr>
+          <a:lstStyle/>
+          <a:p>
+            <a:r>
+              <a:rPr lang="de-DE" sz="8000" dirty="0"/>
+              <a:t>👎</a:t>
             </a:r>
           </a:p>
         </p:txBody>
@@ -5937,7 +7097,7 @@
     </p:spTree>
     <p:extLst>
       <p:ext uri="{BB962C8B-B14F-4D97-AF65-F5344CB8AC3E}">
-        <p14:creationId xmlns:p14="http://schemas.microsoft.com/office/powerpoint/2010/main" val="2361516922"/>
+        <p14:creationId xmlns:p14="http://schemas.microsoft.com/office/powerpoint/2010/main" val="331960678"/>
       </p:ext>
     </p:extLst>
   </p:cSld>

--- a/01_forschungsfragen/Forschungsfragen.pptx
+++ b/01_forschungsfragen/Forschungsfragen.pptx
@@ -7,32 +7,44 @@
     <p:sldMasterId id="2147483659" r:id="rId3"/>
   </p:sldMasterIdLst>
   <p:notesMasterIdLst>
-    <p:notesMasterId r:id="rId27"/>
+    <p:notesMasterId r:id="rId39"/>
   </p:notesMasterIdLst>
   <p:sldIdLst>
     <p:sldId id="256" r:id="rId4"/>
-    <p:sldId id="259" r:id="rId5"/>
-    <p:sldId id="260" r:id="rId6"/>
-    <p:sldId id="261" r:id="rId7"/>
-    <p:sldId id="262" r:id="rId8"/>
+    <p:sldId id="301" r:id="rId5"/>
+    <p:sldId id="259" r:id="rId6"/>
+    <p:sldId id="260" r:id="rId7"/>
+    <p:sldId id="261" r:id="rId8"/>
     <p:sldId id="264" r:id="rId9"/>
     <p:sldId id="265" r:id="rId10"/>
     <p:sldId id="277" r:id="rId11"/>
-    <p:sldId id="267" r:id="rId12"/>
-    <p:sldId id="266" r:id="rId13"/>
-    <p:sldId id="286" r:id="rId14"/>
-    <p:sldId id="269" r:id="rId15"/>
-    <p:sldId id="270" r:id="rId16"/>
-    <p:sldId id="273" r:id="rId17"/>
-    <p:sldId id="280" r:id="rId18"/>
-    <p:sldId id="278" r:id="rId19"/>
-    <p:sldId id="284" r:id="rId20"/>
-    <p:sldId id="281" r:id="rId21"/>
-    <p:sldId id="279" r:id="rId22"/>
-    <p:sldId id="282" r:id="rId23"/>
-    <p:sldId id="283" r:id="rId24"/>
-    <p:sldId id="274" r:id="rId25"/>
-    <p:sldId id="258" r:id="rId26"/>
+    <p:sldId id="299" r:id="rId12"/>
+    <p:sldId id="287" r:id="rId13"/>
+    <p:sldId id="288" r:id="rId14"/>
+    <p:sldId id="266" r:id="rId15"/>
+    <p:sldId id="289" r:id="rId16"/>
+    <p:sldId id="290" r:id="rId17"/>
+    <p:sldId id="267" r:id="rId18"/>
+    <p:sldId id="286" r:id="rId19"/>
+    <p:sldId id="269" r:id="rId20"/>
+    <p:sldId id="298" r:id="rId21"/>
+    <p:sldId id="270" r:id="rId22"/>
+    <p:sldId id="280" r:id="rId23"/>
+    <p:sldId id="291" r:id="rId24"/>
+    <p:sldId id="273" r:id="rId25"/>
+    <p:sldId id="278" r:id="rId26"/>
+    <p:sldId id="284" r:id="rId27"/>
+    <p:sldId id="281" r:id="rId28"/>
+    <p:sldId id="279" r:id="rId29"/>
+    <p:sldId id="282" r:id="rId30"/>
+    <p:sldId id="283" r:id="rId31"/>
+    <p:sldId id="292" r:id="rId32"/>
+    <p:sldId id="274" r:id="rId33"/>
+    <p:sldId id="294" r:id="rId34"/>
+    <p:sldId id="296" r:id="rId35"/>
+    <p:sldId id="297" r:id="rId36"/>
+    <p:sldId id="300" r:id="rId37"/>
+    <p:sldId id="258" r:id="rId38"/>
   </p:sldIdLst>
   <p:sldSz cx="12192000" cy="6858000"/>
   <p:notesSz cx="6858000" cy="9144000"/>
@@ -221,7 +233,7 @@
           <a:p>
             <a:fld id="{D0D2B97C-F126-8540-AD06-62FEF6676FCD}" type="datetimeFigureOut">
               <a:rPr lang="de-DE" smtClean="0"/>
-              <a:t>22.02.23</a:t>
+              <a:t>21.02.24</a:t>
             </a:fld>
             <a:endParaRPr lang="de-DE"/>
           </a:p>
@@ -721,7 +733,7 @@
           <a:p>
             <a:fld id="{E0F53CE3-2C2D-3E48-8A0F-983D2E74FB43}" type="slidenum">
               <a:rPr lang="de-DE" smtClean="0"/>
-              <a:t>10</a:t>
+              <a:t>9</a:t>
             </a:fld>
             <a:endParaRPr lang="de-DE"/>
           </a:p>
@@ -730,7 +742,7 @@
     </p:spTree>
     <p:extLst>
       <p:ext uri="{BB962C8B-B14F-4D97-AF65-F5344CB8AC3E}">
-        <p14:creationId xmlns:p14="http://schemas.microsoft.com/office/powerpoint/2010/main" val="2689576243"/>
+        <p14:creationId xmlns:p14="http://schemas.microsoft.com/office/powerpoint/2010/main" val="2052307356"/>
       </p:ext>
     </p:extLst>
   </p:cSld>
@@ -805,7 +817,7 @@
           <a:p>
             <a:fld id="{E0F53CE3-2C2D-3E48-8A0F-983D2E74FB43}" type="slidenum">
               <a:rPr lang="de-DE" smtClean="0"/>
-              <a:t>11</a:t>
+              <a:t>12</a:t>
             </a:fld>
             <a:endParaRPr lang="de-DE"/>
           </a:p>
@@ -814,7 +826,7 @@
     </p:spTree>
     <p:extLst>
       <p:ext uri="{BB962C8B-B14F-4D97-AF65-F5344CB8AC3E}">
-        <p14:creationId xmlns:p14="http://schemas.microsoft.com/office/powerpoint/2010/main" val="736535885"/>
+        <p14:creationId xmlns:p14="http://schemas.microsoft.com/office/powerpoint/2010/main" val="2689576243"/>
       </p:ext>
     </p:extLst>
   </p:cSld>
@@ -889,7 +901,91 @@
           <a:p>
             <a:fld id="{E0F53CE3-2C2D-3E48-8A0F-983D2E74FB43}" type="slidenum">
               <a:rPr lang="de-DE" smtClean="0"/>
-              <a:t>12</a:t>
+              <a:t>16</a:t>
+            </a:fld>
+            <a:endParaRPr lang="de-DE"/>
+          </a:p>
+        </p:txBody>
+      </p:sp>
+    </p:spTree>
+    <p:extLst>
+      <p:ext uri="{BB962C8B-B14F-4D97-AF65-F5344CB8AC3E}">
+        <p14:creationId xmlns:p14="http://schemas.microsoft.com/office/powerpoint/2010/main" val="736535885"/>
+      </p:ext>
+    </p:extLst>
+  </p:cSld>
+  <p:clrMapOvr>
+    <a:masterClrMapping/>
+  </p:clrMapOvr>
+</p:notes>
+</file>
+
+<file path=ppt/notesSlides/notesSlide6.xml><?xml version="1.0" encoding="utf-8"?>
+<p:notes xmlns:a="http://schemas.openxmlformats.org/drawingml/2006/main" xmlns:r="http://schemas.openxmlformats.org/officeDocument/2006/relationships" xmlns:p="http://schemas.openxmlformats.org/presentationml/2006/main">
+  <p:cSld>
+    <p:spTree>
+      <p:nvGrpSpPr>
+        <p:cNvPr id="1" name=""/>
+        <p:cNvGrpSpPr/>
+        <p:nvPr/>
+      </p:nvGrpSpPr>
+      <p:grpSpPr>
+        <a:xfrm>
+          <a:off x="0" y="0"/>
+          <a:ext cx="0" cy="0"/>
+          <a:chOff x="0" y="0"/>
+          <a:chExt cx="0" cy="0"/>
+        </a:xfrm>
+      </p:grpSpPr>
+      <p:sp>
+        <p:nvSpPr>
+          <p:cNvPr id="2" name="Folienbildplatzhalter 1"/>
+          <p:cNvSpPr>
+            <a:spLocks noGrp="1" noRot="1" noChangeAspect="1"/>
+          </p:cNvSpPr>
+          <p:nvPr>
+            <p:ph type="sldImg"/>
+          </p:nvPr>
+        </p:nvSpPr>
+        <p:spPr/>
+      </p:sp>
+      <p:sp>
+        <p:nvSpPr>
+          <p:cNvPr id="3" name="Notizenplatzhalter 2"/>
+          <p:cNvSpPr>
+            <a:spLocks noGrp="1"/>
+          </p:cNvSpPr>
+          <p:nvPr>
+            <p:ph type="body" idx="1"/>
+          </p:nvPr>
+        </p:nvSpPr>
+        <p:spPr/>
+        <p:txBody>
+          <a:bodyPr/>
+          <a:lstStyle/>
+          <a:p>
+            <a:endParaRPr lang="de-DE" dirty="0"/>
+          </a:p>
+        </p:txBody>
+      </p:sp>
+      <p:sp>
+        <p:nvSpPr>
+          <p:cNvPr id="4" name="Foliennummernplatzhalter 3"/>
+          <p:cNvSpPr>
+            <a:spLocks noGrp="1"/>
+          </p:cNvSpPr>
+          <p:nvPr>
+            <p:ph type="sldNum" sz="quarter" idx="5"/>
+          </p:nvPr>
+        </p:nvSpPr>
+        <p:spPr/>
+        <p:txBody>
+          <a:bodyPr/>
+          <a:lstStyle/>
+          <a:p>
+            <a:fld id="{E0F53CE3-2C2D-3E48-8A0F-983D2E74FB43}" type="slidenum">
+              <a:rPr lang="de-DE" smtClean="0"/>
+              <a:t>17</a:t>
             </a:fld>
             <a:endParaRPr lang="de-DE"/>
           </a:p>
@@ -2824,16 +2920,10 @@
                   <a:schemeClr val="bg1"/>
                 </a:solidFill>
               </a:rPr>
-              <a:t>@phish108 @</a:t>
-            </a:r>
-            <a:r>
-              <a:rPr lang="de-DE" b="1" dirty="0" err="1">
-                <a:solidFill>
-                  <a:schemeClr val="bg1"/>
-                </a:solidFill>
-              </a:rPr>
-              <a:t>datenXinfos</a:t>
-            </a:r>
+              <a:t>@phish108</a:t>
+            </a:r>
+          </a:p>
+          <a:p>
             <a:endParaRPr lang="de-DE" b="1" dirty="0">
               <a:solidFill>
                 <a:schemeClr val="bg1"/>
@@ -4337,6 +4427,17 @@
               <a:rPr lang="de-DE" dirty="0"/>
               <a:t>Daten &amp; Information 2</a:t>
             </a:r>
+            <a:br>
+              <a:rPr lang="de-DE" dirty="0"/>
+            </a:br>
+            <a:r>
+              <a:rPr lang="de-DE" dirty="0">
+                <a:solidFill>
+                  <a:srgbClr val="FFC000"/>
+                </a:solidFill>
+              </a:rPr>
+              <a:t>Statistik</a:t>
+            </a:r>
           </a:p>
         </p:txBody>
       </p:sp>
@@ -4405,10 +4506,10 @@
       </p:grpSpPr>
       <p:sp>
         <p:nvSpPr>
-          <p:cNvPr id="3" name="Inhaltsplatzhalter 2">
+          <p:cNvPr id="2" name="Titel 1">
             <a:extLst>
               <a:ext uri="{FF2B5EF4-FFF2-40B4-BE49-F238E27FC236}">
-                <a16:creationId xmlns:a16="http://schemas.microsoft.com/office/drawing/2014/main" id="{A7B4FA95-A35C-EA41-A65D-21FF202B48E1}"/>
+                <a16:creationId xmlns:a16="http://schemas.microsoft.com/office/drawing/2014/main" id="{DDE8209B-0B17-449D-338B-519600545540}"/>
               </a:ext>
             </a:extLst>
           </p:cNvPr>
@@ -4416,84 +4517,31 @@
             <a:spLocks noGrp="1"/>
           </p:cNvSpPr>
           <p:nvPr>
-            <p:ph idx="1"/>
+            <p:ph type="title"/>
           </p:nvPr>
         </p:nvSpPr>
         <p:spPr>
           <a:xfrm>
-            <a:off x="838200" y="704088"/>
-            <a:ext cx="10515600" cy="5472875"/>
-          </a:xfrm>
-        </p:spPr>
-        <p:txBody>
-          <a:bodyPr anchor="ctr"/>
-          <a:lstStyle/>
-          <a:p>
-            <a:pPr marL="7937" indent="0">
-              <a:buNone/>
-            </a:pPr>
-            <a:r>
-              <a:rPr lang="de-DE" sz="3600" dirty="0">
-                <a:solidFill>
-                  <a:schemeClr val="bg1"/>
-                </a:solidFill>
-              </a:rPr>
-              <a:t>Überprüfbare aber noch nicht überprüfte Aussagen werden als </a:t>
-            </a:r>
-            <a:r>
-              <a:rPr lang="de-DE" sz="3600" dirty="0">
+            <a:off x="838200" y="365125"/>
+            <a:ext cx="10515600" cy="5629275"/>
+          </a:xfrm>
+        </p:spPr>
+        <p:txBody>
+          <a:bodyPr/>
+          <a:lstStyle/>
+          <a:p>
+            <a:pPr algn="ctr"/>
+            <a:r>
+              <a:rPr lang="de-DE" dirty="0"/>
+              <a:t>Forschungsfragen haben </a:t>
+            </a:r>
+            <a:r>
+              <a:rPr lang="de-DE" dirty="0">
                 <a:solidFill>
                   <a:srgbClr val="FFC000"/>
                 </a:solidFill>
               </a:rPr>
-              <a:t>Hypothesen</a:t>
-            </a:r>
-            <a:r>
-              <a:rPr lang="de-DE" sz="3600" dirty="0">
-                <a:solidFill>
-                  <a:schemeClr val="bg1"/>
-                </a:solidFill>
-              </a:rPr>
-              <a:t> bezeichnet!</a:t>
-            </a:r>
-          </a:p>
-          <a:p>
-            <a:pPr marL="7937" indent="0">
-              <a:buNone/>
-            </a:pPr>
-            <a:endParaRPr lang="de-DE" sz="3600" dirty="0">
-              <a:solidFill>
-                <a:schemeClr val="bg1"/>
-              </a:solidFill>
-            </a:endParaRPr>
-          </a:p>
-          <a:p>
-            <a:pPr marL="7937" indent="0">
-              <a:buNone/>
-            </a:pPr>
-            <a:r>
-              <a:rPr lang="de-DE" sz="3600" dirty="0">
-                <a:solidFill>
-                  <a:schemeClr val="bg1"/>
-                </a:solidFill>
-              </a:rPr>
-              <a:t>Überprüfte Aussagen werden als </a:t>
-            </a:r>
-            <a:r>
-              <a:rPr lang="de-DE" sz="3600" dirty="0">
-                <a:solidFill>
-                  <a:srgbClr val="FFC000"/>
-                </a:solidFill>
-              </a:rPr>
-              <a:t>Fakten</a:t>
-            </a:r>
-            <a:r>
-              <a:rPr lang="de-DE" sz="3600" dirty="0">
-                <a:solidFill>
-                  <a:schemeClr val="bg1"/>
-                </a:solidFill>
-              </a:rPr>
-              <a:t> bezeichnet!</a:t>
+              <a:t>vorhersehbare Antworten</a:t>
             </a:r>
           </a:p>
         </p:txBody>
@@ -4501,7 +4549,7 @@
     </p:spTree>
     <p:extLst>
       <p:ext uri="{BB962C8B-B14F-4D97-AF65-F5344CB8AC3E}">
-        <p14:creationId xmlns:p14="http://schemas.microsoft.com/office/powerpoint/2010/main" val="3810632286"/>
+        <p14:creationId xmlns:p14="http://schemas.microsoft.com/office/powerpoint/2010/main" val="3649338436"/>
       </p:ext>
     </p:extLst>
   </p:cSld>
@@ -4530,10 +4578,10 @@
       </p:grpSpPr>
       <p:sp>
         <p:nvSpPr>
-          <p:cNvPr id="3" name="Inhaltsplatzhalter 2">
+          <p:cNvPr id="2" name="Titel 1">
             <a:extLst>
               <a:ext uri="{FF2B5EF4-FFF2-40B4-BE49-F238E27FC236}">
-                <a16:creationId xmlns:a16="http://schemas.microsoft.com/office/drawing/2014/main" id="{A7B4FA95-A35C-EA41-A65D-21FF202B48E1}"/>
+                <a16:creationId xmlns:a16="http://schemas.microsoft.com/office/drawing/2014/main" id="{DDE8209B-0B17-449D-338B-519600545540}"/>
               </a:ext>
             </a:extLst>
           </p:cNvPr>
@@ -4541,123 +4589,96 @@
             <a:spLocks noGrp="1"/>
           </p:cNvSpPr>
           <p:nvPr>
-            <p:ph idx="1"/>
+            <p:ph type="title"/>
           </p:nvPr>
         </p:nvSpPr>
         <p:spPr>
           <a:xfrm>
-            <a:off x="838200" y="704088"/>
-            <a:ext cx="10515600" cy="5472875"/>
-          </a:xfrm>
-        </p:spPr>
-        <p:txBody>
-          <a:bodyPr anchor="ctr"/>
-          <a:lstStyle/>
-          <a:p>
-            <a:pPr marL="7937" indent="0">
-              <a:buNone/>
-            </a:pPr>
-            <a:r>
-              <a:rPr lang="de-DE" sz="3600" dirty="0">
-                <a:solidFill>
-                  <a:schemeClr val="bg1"/>
-                </a:solidFill>
-              </a:rPr>
-              <a:t>Aussagen, die unabhängig von den Daten immer belegt werden können, sind </a:t>
-            </a:r>
-            <a:r>
-              <a:rPr lang="de-DE" sz="3600" dirty="0">
+            <a:off x="838200" y="365125"/>
+            <a:ext cx="10515600" cy="5629275"/>
+          </a:xfrm>
+        </p:spPr>
+        <p:txBody>
+          <a:bodyPr/>
+          <a:lstStyle/>
+          <a:p>
+            <a:pPr algn="ctr"/>
+            <a:r>
+              <a:rPr lang="de-DE" dirty="0"/>
+              <a:t>Eine Forschungsfrage </a:t>
+            </a:r>
+            <a:br>
+              <a:rPr lang="de-DE" dirty="0"/>
+            </a:br>
+            <a:r>
+              <a:rPr lang="de-DE" dirty="0"/>
+              <a:t>hat genau </a:t>
+            </a:r>
+            <a:br>
+              <a:rPr lang="de-DE" dirty="0">
                 <a:solidFill>
                   <a:srgbClr val="FFC000"/>
                 </a:solidFill>
               </a:rPr>
-              <a:t>keine</a:t>
-            </a:r>
-            <a:r>
-              <a:rPr lang="de-DE" sz="3600" dirty="0">
-                <a:solidFill>
-                  <a:schemeClr val="bg1"/>
-                </a:solidFill>
-              </a:rPr>
-              <a:t> </a:t>
-            </a:r>
-            <a:r>
-              <a:rPr lang="de-DE" sz="3600" dirty="0">
+            </a:br>
+            <a:r>
+              <a:rPr lang="de-DE" dirty="0">
                 <a:solidFill>
                   <a:srgbClr val="FFC000"/>
                 </a:solidFill>
               </a:rPr>
-              <a:t>Hypothesen</a:t>
-            </a:r>
-            <a:r>
-              <a:rPr lang="de-DE" sz="3600" dirty="0">
-                <a:solidFill>
-                  <a:schemeClr val="bg1"/>
-                </a:solidFill>
-              </a:rPr>
-              <a:t>!</a:t>
-            </a:r>
-          </a:p>
-          <a:p>
-            <a:pPr marL="7937" indent="0">
-              <a:buNone/>
-            </a:pPr>
-            <a:endParaRPr lang="de-DE" sz="3600" dirty="0">
-              <a:solidFill>
-                <a:schemeClr val="bg1"/>
-              </a:solidFill>
-            </a:endParaRPr>
-          </a:p>
-          <a:p>
-            <a:pPr marL="7937" indent="0">
-              <a:buNone/>
-            </a:pPr>
-            <a:r>
-              <a:rPr lang="de-DE" sz="3600" dirty="0">
-                <a:solidFill>
-                  <a:schemeClr val="bg1"/>
-                </a:solidFill>
-              </a:rPr>
-              <a:t>Solche Aussagen werden als </a:t>
-            </a:r>
-            <a:r>
-              <a:rPr lang="de-DE" sz="3600" dirty="0">
+              <a:t>zwei </a:t>
+            </a:r>
+            <a:br>
+              <a:rPr lang="de-DE" dirty="0">
                 <a:solidFill>
                   <a:srgbClr val="FFC000"/>
                 </a:solidFill>
               </a:rPr>
-              <a:t>Tautologien</a:t>
-            </a:r>
-            <a:r>
-              <a:rPr lang="de-DE" sz="3600" dirty="0">
+            </a:br>
+            <a:r>
+              <a:rPr lang="de-DE" dirty="0"/>
+              <a:t>mögliche Antworten</a:t>
+            </a:r>
+          </a:p>
+        </p:txBody>
+      </p:sp>
+      <p:sp>
+        <p:nvSpPr>
+          <p:cNvPr id="3" name="Textfeld 2">
+            <a:extLst>
+              <a:ext uri="{FF2B5EF4-FFF2-40B4-BE49-F238E27FC236}">
+                <a16:creationId xmlns:a16="http://schemas.microsoft.com/office/drawing/2014/main" id="{9F36D701-0E12-23FC-6EEF-68173BBF2C36}"/>
+              </a:ext>
+            </a:extLst>
+          </p:cNvPr>
+          <p:cNvSpPr txBox="1"/>
+          <p:nvPr/>
+        </p:nvSpPr>
+        <p:spPr>
+          <a:xfrm rot="21408469" flipH="1">
+            <a:off x="4440457" y="5208156"/>
+            <a:ext cx="4944170" cy="646331"/>
+          </a:xfrm>
+          <a:prstGeom prst="rect">
+            <a:avLst/>
+          </a:prstGeom>
+          <a:noFill/>
+        </p:spPr>
+        <p:txBody>
+          <a:bodyPr wrap="square" rtlCol="0">
+            <a:spAutoFit/>
+          </a:bodyPr>
+          <a:lstStyle/>
+          <a:p>
+            <a:pPr algn="ctr"/>
+            <a:r>
+              <a:rPr lang="de-DE" sz="3600" b="1" dirty="0">
                 <a:solidFill>
-                  <a:schemeClr val="bg1"/>
+                  <a:srgbClr val="FFC000"/>
                 </a:solidFill>
               </a:rPr>
-              <a:t> bezeichnet.</a:t>
-            </a:r>
-          </a:p>
-          <a:p>
-            <a:pPr marL="7937" indent="0">
-              <a:buNone/>
-            </a:pPr>
-            <a:endParaRPr lang="de-DE" sz="3600" dirty="0">
-              <a:solidFill>
-                <a:schemeClr val="bg1"/>
-              </a:solidFill>
-            </a:endParaRPr>
-          </a:p>
-          <a:p>
-            <a:pPr marL="7937" indent="0">
-              <a:buNone/>
-            </a:pPr>
-            <a:r>
-              <a:rPr lang="de-DE" sz="3600" dirty="0">
-                <a:solidFill>
-                  <a:schemeClr val="bg1"/>
-                </a:solidFill>
-              </a:rPr>
-              <a:t>Gelegentlich stellt sich erst im Nachhinein heraus, dass eine Tautologie überprüft wurde.</a:t>
+              <a:t>Antworten = Aussagen</a:t>
             </a:r>
           </a:p>
         </p:txBody>
@@ -4665,7 +4686,7 @@
     </p:spTree>
     <p:extLst>
       <p:ext uri="{BB962C8B-B14F-4D97-AF65-F5344CB8AC3E}">
-        <p14:creationId xmlns:p14="http://schemas.microsoft.com/office/powerpoint/2010/main" val="2651434730"/>
+        <p14:creationId xmlns:p14="http://schemas.microsoft.com/office/powerpoint/2010/main" val="464262040"/>
       </p:ext>
     </p:extLst>
   </p:cSld>
@@ -4727,7 +4748,7 @@
                   <a:schemeClr val="bg1"/>
                 </a:solidFill>
               </a:rPr>
-              <a:t>Überprüfte Aussagen werden als </a:t>
+              <a:t>Noch nicht überprüfte Antworten werden als </a:t>
             </a:r>
             <a:r>
               <a:rPr lang="de-DE" sz="3600" dirty="0">
@@ -4735,7 +4756,7 @@
                   <a:srgbClr val="FFC000"/>
                 </a:solidFill>
               </a:rPr>
-              <a:t>Fakten</a:t>
+              <a:t>Hypothesen</a:t>
             </a:r>
             <a:r>
               <a:rPr lang="de-DE" sz="3600" dirty="0">
@@ -4743,7 +4764,7 @@
                   <a:schemeClr val="bg1"/>
                 </a:solidFill>
               </a:rPr>
-              <a:t> bezeichnet</a:t>
+              <a:t> bezeichnet!</a:t>
             </a:r>
           </a:p>
           <a:p>
@@ -4766,7 +4787,7 @@
                   <a:schemeClr val="bg1"/>
                 </a:solidFill>
               </a:rPr>
-              <a:t>Mehrere verknüpfte und überprüfte Fakten zu einem Thema werden als </a:t>
+              <a:t>Hypothesen sind </a:t>
             </a:r>
             <a:r>
               <a:rPr lang="de-DE" sz="3600" dirty="0">
@@ -4774,15 +4795,11 @@
                   <a:srgbClr val="FFC000"/>
                 </a:solidFill>
               </a:rPr>
-              <a:t>Theorie</a:t>
-            </a:r>
-            <a:r>
-              <a:rPr lang="de-DE" sz="3600" dirty="0">
-                <a:solidFill>
-                  <a:schemeClr val="bg1"/>
-                </a:solidFill>
-              </a:rPr>
-              <a:t> bezeichnet</a:t>
+              <a:t>Vorannahmen </a:t>
+            </a:r>
+            <a:r>
+              <a:rPr lang="de-DE" sz="3600" dirty="0"/>
+              <a:t>über die Verteilung von Messwerten zu einer Variable</a:t>
             </a:r>
           </a:p>
         </p:txBody>
@@ -4790,7 +4807,7 @@
     </p:spTree>
     <p:extLst>
       <p:ext uri="{BB962C8B-B14F-4D97-AF65-F5344CB8AC3E}">
-        <p14:creationId xmlns:p14="http://schemas.microsoft.com/office/powerpoint/2010/main" val="2152212642"/>
+        <p14:creationId xmlns:p14="http://schemas.microsoft.com/office/powerpoint/2010/main" val="3810632286"/>
       </p:ext>
     </p:extLst>
   </p:cSld>
@@ -4819,6 +4836,710 @@
       </p:grpSpPr>
       <p:sp>
         <p:nvSpPr>
+          <p:cNvPr id="2" name="Titel 1">
+            <a:extLst>
+              <a:ext uri="{FF2B5EF4-FFF2-40B4-BE49-F238E27FC236}">
+                <a16:creationId xmlns:a16="http://schemas.microsoft.com/office/drawing/2014/main" id="{DDE8209B-0B17-449D-338B-519600545540}"/>
+              </a:ext>
+            </a:extLst>
+          </p:cNvPr>
+          <p:cNvSpPr>
+            <a:spLocks noGrp="1"/>
+          </p:cNvSpPr>
+          <p:nvPr>
+            <p:ph type="title"/>
+          </p:nvPr>
+        </p:nvSpPr>
+        <p:spPr>
+          <a:xfrm>
+            <a:off x="838200" y="365125"/>
+            <a:ext cx="10515600" cy="5629275"/>
+          </a:xfrm>
+        </p:spPr>
+        <p:txBody>
+          <a:bodyPr/>
+          <a:lstStyle/>
+          <a:p>
+            <a:pPr algn="ctr"/>
+            <a:r>
+              <a:rPr lang="de-DE" dirty="0"/>
+              <a:t>Die </a:t>
+            </a:r>
+            <a:r>
+              <a:rPr lang="de-DE" dirty="0">
+                <a:solidFill>
+                  <a:srgbClr val="FFC000"/>
+                </a:solidFill>
+              </a:rPr>
+              <a:t>wahrscheinlich</a:t>
+            </a:r>
+            <a:r>
+              <a:rPr lang="de-DE" dirty="0"/>
+              <a:t> richtige Aussage auf eine Forschungsfrage finden</a:t>
+            </a:r>
+          </a:p>
+        </p:txBody>
+      </p:sp>
+      <p:sp>
+        <p:nvSpPr>
+          <p:cNvPr id="3" name="Textfeld 2">
+            <a:extLst>
+              <a:ext uri="{FF2B5EF4-FFF2-40B4-BE49-F238E27FC236}">
+                <a16:creationId xmlns:a16="http://schemas.microsoft.com/office/drawing/2014/main" id="{F75C055D-ACC3-BEE3-77AD-425BA788B45D}"/>
+              </a:ext>
+            </a:extLst>
+          </p:cNvPr>
+          <p:cNvSpPr txBox="1"/>
+          <p:nvPr/>
+        </p:nvSpPr>
+        <p:spPr>
+          <a:xfrm rot="20799741" flipH="1">
+            <a:off x="605655" y="835692"/>
+            <a:ext cx="3748786" cy="646331"/>
+          </a:xfrm>
+          <a:prstGeom prst="rect">
+            <a:avLst/>
+          </a:prstGeom>
+          <a:noFill/>
+        </p:spPr>
+        <p:txBody>
+          <a:bodyPr wrap="square" rtlCol="0">
+            <a:spAutoFit/>
+          </a:bodyPr>
+          <a:lstStyle/>
+          <a:p>
+            <a:pPr algn="ctr"/>
+            <a:r>
+              <a:rPr lang="de-DE" sz="3600" b="1" dirty="0">
+                <a:solidFill>
+                  <a:srgbClr val="FFC000"/>
+                </a:solidFill>
+              </a:rPr>
+              <a:t>Unser Ziel</a:t>
+            </a:r>
+          </a:p>
+        </p:txBody>
+      </p:sp>
+    </p:spTree>
+    <p:extLst>
+      <p:ext uri="{BB962C8B-B14F-4D97-AF65-F5344CB8AC3E}">
+        <p14:creationId xmlns:p14="http://schemas.microsoft.com/office/powerpoint/2010/main" val="3767953853"/>
+      </p:ext>
+    </p:extLst>
+  </p:cSld>
+  <p:clrMapOvr>
+    <a:masterClrMapping/>
+  </p:clrMapOvr>
+</p:sld>
+</file>
+
+<file path=ppt/slides/slide14.xml><?xml version="1.0" encoding="utf-8"?>
+<p:sld xmlns:a="http://schemas.openxmlformats.org/drawingml/2006/main" xmlns:r="http://schemas.openxmlformats.org/officeDocument/2006/relationships" xmlns:p="http://schemas.openxmlformats.org/presentationml/2006/main">
+  <p:cSld>
+    <p:spTree>
+      <p:nvGrpSpPr>
+        <p:cNvPr id="1" name=""/>
+        <p:cNvGrpSpPr/>
+        <p:nvPr/>
+      </p:nvGrpSpPr>
+      <p:grpSpPr>
+        <a:xfrm>
+          <a:off x="0" y="0"/>
+          <a:ext cx="0" cy="0"/>
+          <a:chOff x="0" y="0"/>
+          <a:chExt cx="0" cy="0"/>
+        </a:xfrm>
+      </p:grpSpPr>
+      <p:sp>
+        <p:nvSpPr>
+          <p:cNvPr id="5" name="Titel 4">
+            <a:extLst>
+              <a:ext uri="{FF2B5EF4-FFF2-40B4-BE49-F238E27FC236}">
+                <a16:creationId xmlns:a16="http://schemas.microsoft.com/office/drawing/2014/main" id="{F99522F4-5AFD-7A76-AC20-BD2FF13112E6}"/>
+              </a:ext>
+            </a:extLst>
+          </p:cNvPr>
+          <p:cNvSpPr>
+            <a:spLocks noGrp="1"/>
+          </p:cNvSpPr>
+          <p:nvPr>
+            <p:ph type="title"/>
+          </p:nvPr>
+        </p:nvSpPr>
+        <p:spPr>
+          <a:xfrm>
+            <a:off x="838200" y="365125"/>
+            <a:ext cx="10515600" cy="5606697"/>
+          </a:xfrm>
+        </p:spPr>
+        <p:txBody>
+          <a:bodyPr/>
+          <a:lstStyle/>
+          <a:p>
+            <a:pPr algn="ctr"/>
+            <a:r>
+              <a:rPr lang="de-DE" dirty="0"/>
+              <a:t>Ähnliche Verteilung</a:t>
+            </a:r>
+            <a:br>
+              <a:rPr lang="de-DE" dirty="0"/>
+            </a:br>
+            <a:r>
+              <a:rPr lang="de-DE" dirty="0"/>
+              <a:t>vs. </a:t>
+            </a:r>
+            <a:br>
+              <a:rPr lang="de-DE" dirty="0"/>
+            </a:br>
+            <a:r>
+              <a:rPr lang="de-DE" dirty="0"/>
+              <a:t>Nicht-ähnliche Verteilung</a:t>
+            </a:r>
+          </a:p>
+        </p:txBody>
+      </p:sp>
+    </p:spTree>
+    <p:extLst>
+      <p:ext uri="{BB962C8B-B14F-4D97-AF65-F5344CB8AC3E}">
+        <p14:creationId xmlns:p14="http://schemas.microsoft.com/office/powerpoint/2010/main" val="408662731"/>
+      </p:ext>
+    </p:extLst>
+  </p:cSld>
+  <p:clrMapOvr>
+    <a:masterClrMapping/>
+  </p:clrMapOvr>
+</p:sld>
+</file>
+
+<file path=ppt/slides/slide15.xml><?xml version="1.0" encoding="utf-8"?>
+<p:sld xmlns:a="http://schemas.openxmlformats.org/drawingml/2006/main" xmlns:r="http://schemas.openxmlformats.org/officeDocument/2006/relationships" xmlns:p="http://schemas.openxmlformats.org/presentationml/2006/main">
+  <p:cSld>
+    <p:spTree>
+      <p:nvGrpSpPr>
+        <p:cNvPr id="1" name=""/>
+        <p:cNvGrpSpPr/>
+        <p:nvPr/>
+      </p:nvGrpSpPr>
+      <p:grpSpPr>
+        <a:xfrm>
+          <a:off x="0" y="0"/>
+          <a:ext cx="0" cy="0"/>
+          <a:chOff x="0" y="0"/>
+          <a:chExt cx="0" cy="0"/>
+        </a:xfrm>
+      </p:grpSpPr>
+      <p:sp>
+        <p:nvSpPr>
+          <p:cNvPr id="5" name="Inhaltsplatzhalter 4">
+            <a:extLst>
+              <a:ext uri="{FF2B5EF4-FFF2-40B4-BE49-F238E27FC236}">
+                <a16:creationId xmlns:a16="http://schemas.microsoft.com/office/drawing/2014/main" id="{109F8385-E833-6A48-A359-79624A15420D}"/>
+              </a:ext>
+            </a:extLst>
+          </p:cNvPr>
+          <p:cNvSpPr>
+            <a:spLocks noGrp="1"/>
+          </p:cNvSpPr>
+          <p:nvPr>
+            <p:ph sz="half" idx="1"/>
+          </p:nvPr>
+        </p:nvSpPr>
+        <p:spPr>
+          <a:xfrm>
+            <a:off x="838200" y="1417729"/>
+            <a:ext cx="5181600" cy="5344859"/>
+          </a:xfrm>
+        </p:spPr>
+        <p:txBody>
+          <a:bodyPr anchor="ctr"/>
+          <a:lstStyle/>
+          <a:p>
+            <a:pPr marL="7937" indent="0" algn="ctr">
+              <a:buNone/>
+            </a:pPr>
+            <a:r>
+              <a:rPr lang="de-DE" dirty="0"/>
+              <a:t>Verifizieren</a:t>
+            </a:r>
+          </a:p>
+          <a:p>
+            <a:pPr marL="7937" indent="0" algn="ctr">
+              <a:buNone/>
+            </a:pPr>
+            <a:r>
+              <a:rPr lang="de-DE" dirty="0"/>
+              <a:t>Bestätigen</a:t>
+            </a:r>
+          </a:p>
+          <a:p>
+            <a:pPr marL="7937" indent="0" algn="ctr">
+              <a:buNone/>
+            </a:pPr>
+            <a:r>
+              <a:rPr lang="de-DE" dirty="0"/>
+              <a:t>Akzeptieren</a:t>
+            </a:r>
+          </a:p>
+        </p:txBody>
+      </p:sp>
+      <p:sp>
+        <p:nvSpPr>
+          <p:cNvPr id="6" name="Inhaltsplatzhalter 5">
+            <a:extLst>
+              <a:ext uri="{FF2B5EF4-FFF2-40B4-BE49-F238E27FC236}">
+                <a16:creationId xmlns:a16="http://schemas.microsoft.com/office/drawing/2014/main" id="{6D884CAD-E143-8F48-8603-CBFE26806B91}"/>
+              </a:ext>
+            </a:extLst>
+          </p:cNvPr>
+          <p:cNvSpPr>
+            <a:spLocks noGrp="1"/>
+          </p:cNvSpPr>
+          <p:nvPr>
+            <p:ph sz="half" idx="2"/>
+          </p:nvPr>
+        </p:nvSpPr>
+        <p:spPr>
+          <a:xfrm>
+            <a:off x="6172200" y="1417729"/>
+            <a:ext cx="5181600" cy="5344859"/>
+          </a:xfrm>
+        </p:spPr>
+        <p:txBody>
+          <a:bodyPr anchor="ctr"/>
+          <a:lstStyle/>
+          <a:p>
+            <a:pPr marL="7937" indent="0" algn="ctr">
+              <a:buNone/>
+            </a:pPr>
+            <a:r>
+              <a:rPr lang="de-DE" dirty="0"/>
+              <a:t>Falsifizieren</a:t>
+            </a:r>
+          </a:p>
+          <a:p>
+            <a:pPr marL="7937" indent="0" algn="ctr">
+              <a:buNone/>
+            </a:pPr>
+            <a:r>
+              <a:rPr lang="de-DE" dirty="0"/>
+              <a:t>Ablehnen</a:t>
+            </a:r>
+          </a:p>
+          <a:p>
+            <a:pPr marL="7937" indent="0" algn="ctr">
+              <a:buNone/>
+            </a:pPr>
+            <a:r>
+              <a:rPr lang="de-DE" dirty="0"/>
+              <a:t>Verwerfen</a:t>
+            </a:r>
+          </a:p>
+        </p:txBody>
+      </p:sp>
+      <p:sp>
+        <p:nvSpPr>
+          <p:cNvPr id="2" name="Textfeld 1">
+            <a:extLst>
+              <a:ext uri="{FF2B5EF4-FFF2-40B4-BE49-F238E27FC236}">
+                <a16:creationId xmlns:a16="http://schemas.microsoft.com/office/drawing/2014/main" id="{E46B9FF6-6435-B7F7-F00A-D532A57AAE36}"/>
+              </a:ext>
+            </a:extLst>
+          </p:cNvPr>
+          <p:cNvSpPr txBox="1"/>
+          <p:nvPr/>
+        </p:nvSpPr>
+        <p:spPr>
+          <a:xfrm>
+            <a:off x="2809983" y="1266662"/>
+            <a:ext cx="1210588" cy="1323439"/>
+          </a:xfrm>
+          <a:prstGeom prst="rect">
+            <a:avLst/>
+          </a:prstGeom>
+          <a:noFill/>
+        </p:spPr>
+        <p:txBody>
+          <a:bodyPr wrap="none" rtlCol="0">
+            <a:spAutoFit/>
+          </a:bodyPr>
+          <a:lstStyle/>
+          <a:p>
+            <a:r>
+              <a:rPr lang="de-DE" sz="8000" dirty="0"/>
+              <a:t>👍</a:t>
+            </a:r>
+          </a:p>
+        </p:txBody>
+      </p:sp>
+      <p:sp>
+        <p:nvSpPr>
+          <p:cNvPr id="3" name="Textfeld 2">
+            <a:extLst>
+              <a:ext uri="{FF2B5EF4-FFF2-40B4-BE49-F238E27FC236}">
+                <a16:creationId xmlns:a16="http://schemas.microsoft.com/office/drawing/2014/main" id="{B466D85C-A5D0-CF06-A6BA-6A2B9DE39F40}"/>
+              </a:ext>
+            </a:extLst>
+          </p:cNvPr>
+          <p:cNvSpPr txBox="1"/>
+          <p:nvPr/>
+        </p:nvSpPr>
+        <p:spPr>
+          <a:xfrm>
+            <a:off x="7991583" y="1703693"/>
+            <a:ext cx="1210588" cy="1323439"/>
+          </a:xfrm>
+          <a:prstGeom prst="rect">
+            <a:avLst/>
+          </a:prstGeom>
+          <a:noFill/>
+        </p:spPr>
+        <p:txBody>
+          <a:bodyPr wrap="none" rtlCol="0">
+            <a:spAutoFit/>
+          </a:bodyPr>
+          <a:lstStyle/>
+          <a:p>
+            <a:r>
+              <a:rPr lang="de-DE" sz="8000" dirty="0"/>
+              <a:t>👎</a:t>
+            </a:r>
+          </a:p>
+        </p:txBody>
+      </p:sp>
+    </p:spTree>
+    <p:extLst>
+      <p:ext uri="{BB962C8B-B14F-4D97-AF65-F5344CB8AC3E}">
+        <p14:creationId xmlns:p14="http://schemas.microsoft.com/office/powerpoint/2010/main" val="331960678"/>
+      </p:ext>
+    </p:extLst>
+  </p:cSld>
+  <p:clrMapOvr>
+    <a:masterClrMapping/>
+  </p:clrMapOvr>
+</p:sld>
+</file>
+
+<file path=ppt/slides/slide16.xml><?xml version="1.0" encoding="utf-8"?>
+<p:sld xmlns:a="http://schemas.openxmlformats.org/drawingml/2006/main" xmlns:r="http://schemas.openxmlformats.org/officeDocument/2006/relationships" xmlns:p="http://schemas.openxmlformats.org/presentationml/2006/main">
+  <p:cSld>
+    <p:spTree>
+      <p:nvGrpSpPr>
+        <p:cNvPr id="1" name=""/>
+        <p:cNvGrpSpPr/>
+        <p:nvPr/>
+      </p:nvGrpSpPr>
+      <p:grpSpPr>
+        <a:xfrm>
+          <a:off x="0" y="0"/>
+          <a:ext cx="0" cy="0"/>
+          <a:chOff x="0" y="0"/>
+          <a:chExt cx="0" cy="0"/>
+        </a:xfrm>
+      </p:grpSpPr>
+      <p:sp>
+        <p:nvSpPr>
+          <p:cNvPr id="3" name="Inhaltsplatzhalter 2">
+            <a:extLst>
+              <a:ext uri="{FF2B5EF4-FFF2-40B4-BE49-F238E27FC236}">
+                <a16:creationId xmlns:a16="http://schemas.microsoft.com/office/drawing/2014/main" id="{A7B4FA95-A35C-EA41-A65D-21FF202B48E1}"/>
+              </a:ext>
+            </a:extLst>
+          </p:cNvPr>
+          <p:cNvSpPr>
+            <a:spLocks noGrp="1"/>
+          </p:cNvSpPr>
+          <p:nvPr>
+            <p:ph idx="1"/>
+          </p:nvPr>
+        </p:nvSpPr>
+        <p:spPr>
+          <a:xfrm>
+            <a:off x="838200" y="704088"/>
+            <a:ext cx="10515600" cy="5472875"/>
+          </a:xfrm>
+        </p:spPr>
+        <p:txBody>
+          <a:bodyPr anchor="ctr"/>
+          <a:lstStyle/>
+          <a:p>
+            <a:pPr marL="7937" indent="0">
+              <a:buNone/>
+            </a:pPr>
+            <a:r>
+              <a:rPr lang="de-DE" sz="3600" dirty="0">
+                <a:solidFill>
+                  <a:schemeClr val="bg1"/>
+                </a:solidFill>
+              </a:rPr>
+              <a:t>Aussagen, die unabhängig von den Daten immer belegt werden können, sind </a:t>
+            </a:r>
+            <a:r>
+              <a:rPr lang="de-DE" sz="3600" dirty="0">
+                <a:solidFill>
+                  <a:srgbClr val="FFC000"/>
+                </a:solidFill>
+              </a:rPr>
+              <a:t>keine</a:t>
+            </a:r>
+            <a:r>
+              <a:rPr lang="de-DE" sz="3600" dirty="0">
+                <a:solidFill>
+                  <a:schemeClr val="bg1"/>
+                </a:solidFill>
+              </a:rPr>
+              <a:t> </a:t>
+            </a:r>
+            <a:r>
+              <a:rPr lang="de-DE" sz="3600" dirty="0">
+                <a:solidFill>
+                  <a:srgbClr val="FFC000"/>
+                </a:solidFill>
+              </a:rPr>
+              <a:t>Hypothesen</a:t>
+            </a:r>
+            <a:r>
+              <a:rPr lang="de-DE" sz="3600" dirty="0">
+                <a:solidFill>
+                  <a:schemeClr val="bg1"/>
+                </a:solidFill>
+              </a:rPr>
+              <a:t>!</a:t>
+            </a:r>
+          </a:p>
+          <a:p>
+            <a:pPr marL="7937" indent="0">
+              <a:buNone/>
+            </a:pPr>
+            <a:endParaRPr lang="de-DE" sz="3600" dirty="0">
+              <a:solidFill>
+                <a:schemeClr val="bg1"/>
+              </a:solidFill>
+            </a:endParaRPr>
+          </a:p>
+          <a:p>
+            <a:pPr marL="7937" indent="0">
+              <a:buNone/>
+            </a:pPr>
+            <a:r>
+              <a:rPr lang="de-DE" sz="3600" dirty="0">
+                <a:solidFill>
+                  <a:schemeClr val="bg1"/>
+                </a:solidFill>
+              </a:rPr>
+              <a:t>Solche Aussagen werden als </a:t>
+            </a:r>
+            <a:r>
+              <a:rPr lang="de-DE" sz="3600" dirty="0">
+                <a:solidFill>
+                  <a:srgbClr val="FFC000"/>
+                </a:solidFill>
+              </a:rPr>
+              <a:t>Tautologien</a:t>
+            </a:r>
+            <a:r>
+              <a:rPr lang="de-DE" sz="3600" dirty="0">
+                <a:solidFill>
+                  <a:schemeClr val="bg1"/>
+                </a:solidFill>
+              </a:rPr>
+              <a:t> bezeichnet.</a:t>
+            </a:r>
+          </a:p>
+          <a:p>
+            <a:pPr marL="7937" indent="0">
+              <a:buNone/>
+            </a:pPr>
+            <a:endParaRPr lang="de-DE" sz="3600" dirty="0">
+              <a:solidFill>
+                <a:schemeClr val="bg1"/>
+              </a:solidFill>
+            </a:endParaRPr>
+          </a:p>
+          <a:p>
+            <a:pPr marL="7937" indent="0">
+              <a:buNone/>
+            </a:pPr>
+            <a:r>
+              <a:rPr lang="de-DE" sz="3600" dirty="0">
+                <a:solidFill>
+                  <a:schemeClr val="bg1"/>
+                </a:solidFill>
+              </a:rPr>
+              <a:t>Gelegentlich stellt sich erst im Nachhinein heraus, dass eine Tautologie überprüft wurde.</a:t>
+            </a:r>
+          </a:p>
+        </p:txBody>
+      </p:sp>
+    </p:spTree>
+    <p:extLst>
+      <p:ext uri="{BB962C8B-B14F-4D97-AF65-F5344CB8AC3E}">
+        <p14:creationId xmlns:p14="http://schemas.microsoft.com/office/powerpoint/2010/main" val="2651434730"/>
+      </p:ext>
+    </p:extLst>
+  </p:cSld>
+  <p:clrMapOvr>
+    <a:masterClrMapping/>
+  </p:clrMapOvr>
+</p:sld>
+</file>
+
+<file path=ppt/slides/slide17.xml><?xml version="1.0" encoding="utf-8"?>
+<p:sld xmlns:a="http://schemas.openxmlformats.org/drawingml/2006/main" xmlns:r="http://schemas.openxmlformats.org/officeDocument/2006/relationships" xmlns:p="http://schemas.openxmlformats.org/presentationml/2006/main">
+  <p:cSld>
+    <p:spTree>
+      <p:nvGrpSpPr>
+        <p:cNvPr id="1" name=""/>
+        <p:cNvGrpSpPr/>
+        <p:nvPr/>
+      </p:nvGrpSpPr>
+      <p:grpSpPr>
+        <a:xfrm>
+          <a:off x="0" y="0"/>
+          <a:ext cx="0" cy="0"/>
+          <a:chOff x="0" y="0"/>
+          <a:chExt cx="0" cy="0"/>
+        </a:xfrm>
+      </p:grpSpPr>
+      <p:sp>
+        <p:nvSpPr>
+          <p:cNvPr id="3" name="Inhaltsplatzhalter 2">
+            <a:extLst>
+              <a:ext uri="{FF2B5EF4-FFF2-40B4-BE49-F238E27FC236}">
+                <a16:creationId xmlns:a16="http://schemas.microsoft.com/office/drawing/2014/main" id="{A7B4FA95-A35C-EA41-A65D-21FF202B48E1}"/>
+              </a:ext>
+            </a:extLst>
+          </p:cNvPr>
+          <p:cNvSpPr>
+            <a:spLocks noGrp="1"/>
+          </p:cNvSpPr>
+          <p:nvPr>
+            <p:ph idx="1"/>
+          </p:nvPr>
+        </p:nvSpPr>
+        <p:spPr>
+          <a:xfrm>
+            <a:off x="838200" y="704088"/>
+            <a:ext cx="10515600" cy="5472875"/>
+          </a:xfrm>
+        </p:spPr>
+        <p:txBody>
+          <a:bodyPr anchor="ctr"/>
+          <a:lstStyle/>
+          <a:p>
+            <a:pPr marL="7937" indent="0">
+              <a:buNone/>
+            </a:pPr>
+            <a:r>
+              <a:rPr lang="de-DE" sz="3600" dirty="0">
+                <a:solidFill>
+                  <a:schemeClr val="bg1"/>
+                </a:solidFill>
+              </a:rPr>
+              <a:t>Überprüfte Aussagen werden als </a:t>
+            </a:r>
+            <a:r>
+              <a:rPr lang="de-DE" sz="3600" dirty="0">
+                <a:solidFill>
+                  <a:srgbClr val="FFC000"/>
+                </a:solidFill>
+              </a:rPr>
+              <a:t>Fakten</a:t>
+            </a:r>
+            <a:r>
+              <a:rPr lang="de-DE" sz="3600" dirty="0">
+                <a:solidFill>
+                  <a:schemeClr val="bg1"/>
+                </a:solidFill>
+              </a:rPr>
+              <a:t> bezeichnet</a:t>
+            </a:r>
+          </a:p>
+          <a:p>
+            <a:pPr marL="7937" indent="0">
+              <a:buNone/>
+            </a:pPr>
+            <a:endParaRPr lang="de-DE" sz="3600" dirty="0">
+              <a:solidFill>
+                <a:schemeClr val="bg1"/>
+              </a:solidFill>
+            </a:endParaRPr>
+          </a:p>
+          <a:p>
+            <a:pPr marL="7937" indent="0">
+              <a:buNone/>
+            </a:pPr>
+            <a:r>
+              <a:rPr lang="de-DE" sz="3600" dirty="0">
+                <a:solidFill>
+                  <a:schemeClr val="bg1"/>
+                </a:solidFill>
+              </a:rPr>
+              <a:t>Mehrere Fakten zum gleichen Thema </a:t>
+            </a:r>
+            <a:r>
+              <a:rPr lang="de-CH" sz="3600" dirty="0">
+                <a:solidFill>
+                  <a:schemeClr val="bg1"/>
+                </a:solidFill>
+              </a:rPr>
+              <a:t>heissen</a:t>
+            </a:r>
+            <a:r>
+              <a:rPr lang="de-DE" sz="3600" dirty="0">
+                <a:solidFill>
+                  <a:schemeClr val="bg1"/>
+                </a:solidFill>
+              </a:rPr>
+              <a:t> </a:t>
+            </a:r>
+            <a:r>
+              <a:rPr lang="de-DE" sz="3600" dirty="0">
+                <a:solidFill>
+                  <a:srgbClr val="FFC000"/>
+                </a:solidFill>
+              </a:rPr>
+              <a:t>Theorie</a:t>
+            </a:r>
+            <a:endParaRPr lang="de-DE" sz="3600" dirty="0">
+              <a:solidFill>
+                <a:schemeClr val="bg1"/>
+              </a:solidFill>
+            </a:endParaRPr>
+          </a:p>
+        </p:txBody>
+      </p:sp>
+    </p:spTree>
+    <p:extLst>
+      <p:ext uri="{BB962C8B-B14F-4D97-AF65-F5344CB8AC3E}">
+        <p14:creationId xmlns:p14="http://schemas.microsoft.com/office/powerpoint/2010/main" val="2152212642"/>
+      </p:ext>
+    </p:extLst>
+  </p:cSld>
+  <p:clrMapOvr>
+    <a:masterClrMapping/>
+  </p:clrMapOvr>
+</p:sld>
+</file>
+
+<file path=ppt/slides/slide18.xml><?xml version="1.0" encoding="utf-8"?>
+<p:sld xmlns:a="http://schemas.openxmlformats.org/drawingml/2006/main" xmlns:r="http://schemas.openxmlformats.org/officeDocument/2006/relationships" xmlns:p="http://schemas.openxmlformats.org/presentationml/2006/main">
+  <p:cSld>
+    <p:spTree>
+      <p:nvGrpSpPr>
+        <p:cNvPr id="1" name=""/>
+        <p:cNvGrpSpPr/>
+        <p:nvPr/>
+      </p:nvGrpSpPr>
+      <p:grpSpPr>
+        <a:xfrm>
+          <a:off x="0" y="0"/>
+          <a:ext cx="0" cy="0"/>
+          <a:chOff x="0" y="0"/>
+          <a:chExt cx="0" cy="0"/>
+        </a:xfrm>
+      </p:grpSpPr>
+      <p:sp>
+        <p:nvSpPr>
           <p:cNvPr id="5" name="Abgerundetes Rechteck 4">
             <a:extLst>
               <a:ext uri="{FF2B5EF4-FFF2-40B4-BE49-F238E27FC236}">
@@ -4863,13 +5584,18 @@
           <a:p>
             <a:pPr algn="ctr"/>
             <a:r>
-              <a:rPr lang="de-DE" sz="4400" dirty="0">
+              <a:rPr lang="de-DE" sz="4400" dirty="0" err="1">
                 <a:solidFill>
                   <a:srgbClr val="05426B"/>
                 </a:solidFill>
               </a:rPr>
-              <a:t>Theorie</a:t>
-            </a:r>
+              <a:t>Verallge-meinerung</a:t>
+            </a:r>
+            <a:endParaRPr lang="de-DE" sz="4400" dirty="0">
+              <a:solidFill>
+                <a:srgbClr val="05426B"/>
+              </a:solidFill>
+            </a:endParaRPr>
           </a:p>
         </p:txBody>
       </p:sp>
@@ -4924,7 +5650,7 @@
                   <a:srgbClr val="05426B"/>
                 </a:solidFill>
               </a:rPr>
-              <a:t>Einzelfall</a:t>
+              <a:t>Spezialfall</a:t>
             </a:r>
           </a:p>
         </p:txBody>
@@ -5106,7 +5832,7 @@
     </p:spTree>
     <p:extLst>
       <p:ext uri="{BB962C8B-B14F-4D97-AF65-F5344CB8AC3E}">
-        <p14:creationId xmlns:p14="http://schemas.microsoft.com/office/powerpoint/2010/main" val="384395206"/>
+        <p14:creationId xmlns:p14="http://schemas.microsoft.com/office/powerpoint/2010/main" val="4276990053"/>
       </p:ext>
     </p:extLst>
   </p:cSld>
@@ -5116,7 +5842,7 @@
 </p:sld>
 </file>
 
-<file path=ppt/slides/slide14.xml><?xml version="1.0" encoding="utf-8"?>
+<file path=ppt/slides/slide19.xml><?xml version="1.0" encoding="utf-8"?>
 <p:sld xmlns:a="http://schemas.openxmlformats.org/drawingml/2006/main" xmlns:r="http://schemas.openxmlformats.org/officeDocument/2006/relationships" xmlns:p="http://schemas.openxmlformats.org/presentationml/2006/main">
   <p:cSld>
     <p:spTree>
@@ -5135,158 +5861,6 @@
       </p:grpSpPr>
       <p:sp>
         <p:nvSpPr>
-          <p:cNvPr id="3" name="Inhaltsplatzhalter 2">
-            <a:extLst>
-              <a:ext uri="{FF2B5EF4-FFF2-40B4-BE49-F238E27FC236}">
-                <a16:creationId xmlns:a16="http://schemas.microsoft.com/office/drawing/2014/main" id="{A7B4FA95-A35C-EA41-A65D-21FF202B48E1}"/>
-              </a:ext>
-            </a:extLst>
-          </p:cNvPr>
-          <p:cNvSpPr>
-            <a:spLocks noGrp="1"/>
-          </p:cNvSpPr>
-          <p:nvPr>
-            <p:ph idx="1"/>
-          </p:nvPr>
-        </p:nvSpPr>
-        <p:spPr>
-          <a:xfrm>
-            <a:off x="838200" y="704088"/>
-            <a:ext cx="10515600" cy="5472875"/>
-          </a:xfrm>
-        </p:spPr>
-        <p:txBody>
-          <a:bodyPr anchor="ctr"/>
-          <a:lstStyle/>
-          <a:p>
-            <a:pPr marL="7937" indent="0">
-              <a:buNone/>
-            </a:pPr>
-            <a:r>
-              <a:rPr lang="de-DE" dirty="0"/>
-              <a:t>Als induktive Studien bezeichnet man deduktive Studien, bei denen die Vorannahmen nicht offen gelegt wurden.</a:t>
-            </a:r>
-            <a:endParaRPr lang="de-DE" dirty="0">
-              <a:solidFill>
-                <a:srgbClr val="FFC000"/>
-              </a:solidFill>
-            </a:endParaRPr>
-          </a:p>
-        </p:txBody>
-      </p:sp>
-    </p:spTree>
-    <p:extLst>
-      <p:ext uri="{BB962C8B-B14F-4D97-AF65-F5344CB8AC3E}">
-        <p14:creationId xmlns:p14="http://schemas.microsoft.com/office/powerpoint/2010/main" val="784914255"/>
-      </p:ext>
-    </p:extLst>
-  </p:cSld>
-  <p:clrMapOvr>
-    <a:masterClrMapping/>
-  </p:clrMapOvr>
-</p:sld>
-</file>
-
-<file path=ppt/slides/slide15.xml><?xml version="1.0" encoding="utf-8"?>
-<p:sld xmlns:a="http://schemas.openxmlformats.org/drawingml/2006/main" xmlns:r="http://schemas.openxmlformats.org/officeDocument/2006/relationships" xmlns:p="http://schemas.openxmlformats.org/presentationml/2006/main">
-  <p:cSld>
-    <p:spTree>
-      <p:nvGrpSpPr>
-        <p:cNvPr id="1" name=""/>
-        <p:cNvGrpSpPr/>
-        <p:nvPr/>
-      </p:nvGrpSpPr>
-      <p:grpSpPr>
-        <a:xfrm>
-          <a:off x="0" y="0"/>
-          <a:ext cx="0" cy="0"/>
-          <a:chOff x="0" y="0"/>
-          <a:chExt cx="0" cy="0"/>
-        </a:xfrm>
-      </p:grpSpPr>
-      <p:sp>
-        <p:nvSpPr>
-          <p:cNvPr id="3" name="Inhaltsplatzhalter 2">
-            <a:extLst>
-              <a:ext uri="{FF2B5EF4-FFF2-40B4-BE49-F238E27FC236}">
-                <a16:creationId xmlns:a16="http://schemas.microsoft.com/office/drawing/2014/main" id="{A7B4FA95-A35C-EA41-A65D-21FF202B48E1}"/>
-              </a:ext>
-            </a:extLst>
-          </p:cNvPr>
-          <p:cNvSpPr>
-            <a:spLocks noGrp="1"/>
-          </p:cNvSpPr>
-          <p:nvPr>
-            <p:ph idx="1"/>
-          </p:nvPr>
-        </p:nvSpPr>
-        <p:spPr>
-          <a:xfrm>
-            <a:off x="838200" y="704088"/>
-            <a:ext cx="10515600" cy="5472875"/>
-          </a:xfrm>
-        </p:spPr>
-        <p:txBody>
-          <a:bodyPr anchor="ctr">
-            <a:normAutofit/>
-          </a:bodyPr>
-          <a:lstStyle/>
-          <a:p>
-            <a:pPr marL="7937" indent="0">
-              <a:buNone/>
-            </a:pPr>
-            <a:r>
-              <a:rPr lang="de-DE" sz="4800" dirty="0">
-                <a:solidFill>
-                  <a:srgbClr val="FFC000"/>
-                </a:solidFill>
-              </a:rPr>
-              <a:t>Keine</a:t>
-            </a:r>
-            <a:r>
-              <a:rPr lang="de-DE" sz="4800" dirty="0"/>
-              <a:t> wissenschaftlich-professionelle Auseinandersetzung kommt ohne Vorwissen aus!</a:t>
-            </a:r>
-            <a:endParaRPr lang="de-DE" sz="4800" dirty="0">
-              <a:solidFill>
-                <a:srgbClr val="FFC000"/>
-              </a:solidFill>
-            </a:endParaRPr>
-          </a:p>
-        </p:txBody>
-      </p:sp>
-    </p:spTree>
-    <p:extLst>
-      <p:ext uri="{BB962C8B-B14F-4D97-AF65-F5344CB8AC3E}">
-        <p14:creationId xmlns:p14="http://schemas.microsoft.com/office/powerpoint/2010/main" val="787486184"/>
-      </p:ext>
-    </p:extLst>
-  </p:cSld>
-  <p:clrMapOvr>
-    <a:masterClrMapping/>
-  </p:clrMapOvr>
-</p:sld>
-</file>
-
-<file path=ppt/slides/slide16.xml><?xml version="1.0" encoding="utf-8"?>
-<p:sld xmlns:a="http://schemas.openxmlformats.org/drawingml/2006/main" xmlns:r="http://schemas.openxmlformats.org/officeDocument/2006/relationships" xmlns:p="http://schemas.openxmlformats.org/presentationml/2006/main">
-  <p:cSld>
-    <p:spTree>
-      <p:nvGrpSpPr>
-        <p:cNvPr id="1" name=""/>
-        <p:cNvGrpSpPr/>
-        <p:nvPr/>
-      </p:nvGrpSpPr>
-      <p:grpSpPr>
-        <a:xfrm>
-          <a:off x="0" y="0"/>
-          <a:ext cx="0" cy="0"/>
-          <a:chOff x="0" y="0"/>
-          <a:chExt cx="0" cy="0"/>
-        </a:xfrm>
-      </p:grpSpPr>
-      <p:sp>
-        <p:nvSpPr>
           <p:cNvPr id="5" name="Abgerundetes Rechteck 4">
             <a:extLst>
               <a:ext uri="{FF2B5EF4-FFF2-40B4-BE49-F238E27FC236}">
@@ -5392,7 +5966,7 @@
                   <a:srgbClr val="05426B"/>
                 </a:solidFill>
               </a:rPr>
-              <a:t>Einzelfall</a:t>
+              <a:t>Stichprobe</a:t>
             </a:r>
           </a:p>
         </p:txBody>
@@ -5571,377 +6145,10 @@
           </a:p>
         </p:txBody>
       </p:sp>
-      <p:sp>
-        <p:nvSpPr>
-          <p:cNvPr id="2" name="Textfeld 1">
-            <a:extLst>
-              <a:ext uri="{FF2B5EF4-FFF2-40B4-BE49-F238E27FC236}">
-                <a16:creationId xmlns:a16="http://schemas.microsoft.com/office/drawing/2014/main" id="{157ECEF1-EBD2-1C2C-BBDA-0F93286B15BA}"/>
-              </a:ext>
-            </a:extLst>
-          </p:cNvPr>
-          <p:cNvSpPr txBox="1"/>
-          <p:nvPr/>
-        </p:nvSpPr>
-        <p:spPr>
-          <a:xfrm>
-            <a:off x="9657708" y="2943844"/>
-            <a:ext cx="1018227" cy="1092607"/>
-          </a:xfrm>
-          <a:prstGeom prst="rect">
-            <a:avLst/>
-          </a:prstGeom>
-          <a:noFill/>
-        </p:spPr>
-        <p:txBody>
-          <a:bodyPr wrap="none" rtlCol="0">
-            <a:spAutoFit/>
-          </a:bodyPr>
-          <a:lstStyle/>
-          <a:p>
-            <a:r>
-              <a:rPr lang="de-DE" sz="6500" dirty="0"/>
-              <a:t>❌</a:t>
-            </a:r>
-          </a:p>
-        </p:txBody>
-      </p:sp>
-      <p:sp>
-        <p:nvSpPr>
-          <p:cNvPr id="3" name="Textfeld 2">
-            <a:extLst>
-              <a:ext uri="{FF2B5EF4-FFF2-40B4-BE49-F238E27FC236}">
-                <a16:creationId xmlns:a16="http://schemas.microsoft.com/office/drawing/2014/main" id="{1DBF21D2-77E2-B142-4793-1414EC3E94A5}"/>
-              </a:ext>
-            </a:extLst>
-          </p:cNvPr>
-          <p:cNvSpPr txBox="1"/>
-          <p:nvPr/>
-        </p:nvSpPr>
-        <p:spPr>
-          <a:xfrm rot="20696895" flipH="1">
-            <a:off x="9237726" y="2003198"/>
-            <a:ext cx="2352037" cy="646331"/>
-          </a:xfrm>
-          <a:prstGeom prst="rect">
-            <a:avLst/>
-          </a:prstGeom>
-          <a:noFill/>
-        </p:spPr>
-        <p:txBody>
-          <a:bodyPr wrap="square" rtlCol="0">
-            <a:spAutoFit/>
-          </a:bodyPr>
-          <a:lstStyle/>
-          <a:p>
-            <a:r>
-              <a:rPr lang="de-DE" sz="3600" b="1" dirty="0">
-                <a:solidFill>
-                  <a:srgbClr val="FFC000"/>
-                </a:solidFill>
-              </a:rPr>
-              <a:t>Fakten</a:t>
-            </a:r>
-          </a:p>
-        </p:txBody>
-      </p:sp>
     </p:spTree>
     <p:extLst>
       <p:ext uri="{BB962C8B-B14F-4D97-AF65-F5344CB8AC3E}">
-        <p14:creationId xmlns:p14="http://schemas.microsoft.com/office/powerpoint/2010/main" val="158761898"/>
-      </p:ext>
-    </p:extLst>
-  </p:cSld>
-  <p:clrMapOvr>
-    <a:masterClrMapping/>
-  </p:clrMapOvr>
-</p:sld>
-</file>
-
-<file path=ppt/slides/slide17.xml><?xml version="1.0" encoding="utf-8"?>
-<p:sld xmlns:a="http://schemas.openxmlformats.org/drawingml/2006/main" xmlns:r="http://schemas.openxmlformats.org/officeDocument/2006/relationships" xmlns:p="http://schemas.openxmlformats.org/presentationml/2006/main">
-  <p:cSld>
-    <p:spTree>
-      <p:nvGrpSpPr>
-        <p:cNvPr id="1" name=""/>
-        <p:cNvGrpSpPr/>
-        <p:nvPr/>
-      </p:nvGrpSpPr>
-      <p:grpSpPr>
-        <a:xfrm>
-          <a:off x="0" y="0"/>
-          <a:ext cx="0" cy="0"/>
-          <a:chOff x="0" y="0"/>
-          <a:chExt cx="0" cy="0"/>
-        </a:xfrm>
-      </p:grpSpPr>
-      <p:sp>
-        <p:nvSpPr>
-          <p:cNvPr id="3" name="Inhaltsplatzhalter 2">
-            <a:extLst>
-              <a:ext uri="{FF2B5EF4-FFF2-40B4-BE49-F238E27FC236}">
-                <a16:creationId xmlns:a16="http://schemas.microsoft.com/office/drawing/2014/main" id="{A7B4FA95-A35C-EA41-A65D-21FF202B48E1}"/>
-              </a:ext>
-            </a:extLst>
-          </p:cNvPr>
-          <p:cNvSpPr>
-            <a:spLocks noGrp="1"/>
-          </p:cNvSpPr>
-          <p:nvPr>
-            <p:ph idx="1"/>
-          </p:nvPr>
-        </p:nvSpPr>
-        <p:spPr>
-          <a:xfrm>
-            <a:off x="673813" y="457508"/>
-            <a:ext cx="10515600" cy="5472875"/>
-          </a:xfrm>
-        </p:spPr>
-        <p:txBody>
-          <a:bodyPr anchor="ctr">
-            <a:normAutofit/>
-          </a:bodyPr>
-          <a:lstStyle/>
-          <a:p>
-            <a:pPr marL="7937" indent="0">
-              <a:buNone/>
-            </a:pPr>
-            <a:r>
-              <a:rPr lang="de-DE" sz="4000" dirty="0"/>
-              <a:t>Wir müssen unsere Hypothesen in eine Form bringen, sodass wir die </a:t>
-            </a:r>
-            <a:r>
-              <a:rPr lang="de-DE" sz="4000" dirty="0">
-                <a:solidFill>
-                  <a:srgbClr val="FFC000"/>
-                </a:solidFill>
-              </a:rPr>
-              <a:t>Ausprägungen</a:t>
-            </a:r>
-            <a:r>
-              <a:rPr lang="de-DE" sz="4000" dirty="0"/>
-              <a:t> unserer Variablen verschiedenen Antwortmöglichkeiten zuordnen können.</a:t>
-            </a:r>
-          </a:p>
-        </p:txBody>
-      </p:sp>
-    </p:spTree>
-    <p:extLst>
-      <p:ext uri="{BB962C8B-B14F-4D97-AF65-F5344CB8AC3E}">
-        <p14:creationId xmlns:p14="http://schemas.microsoft.com/office/powerpoint/2010/main" val="1645316800"/>
-      </p:ext>
-    </p:extLst>
-  </p:cSld>
-  <p:clrMapOvr>
-    <a:masterClrMapping/>
-  </p:clrMapOvr>
-</p:sld>
-</file>
-
-<file path=ppt/slides/slide18.xml><?xml version="1.0" encoding="utf-8"?>
-<p:sld xmlns:a="http://schemas.openxmlformats.org/drawingml/2006/main" xmlns:r="http://schemas.openxmlformats.org/officeDocument/2006/relationships" xmlns:p="http://schemas.openxmlformats.org/presentationml/2006/main">
-  <p:cSld>
-    <p:spTree>
-      <p:nvGrpSpPr>
-        <p:cNvPr id="1" name=""/>
-        <p:cNvGrpSpPr/>
-        <p:nvPr/>
-      </p:nvGrpSpPr>
-      <p:grpSpPr>
-        <a:xfrm>
-          <a:off x="0" y="0"/>
-          <a:ext cx="0" cy="0"/>
-          <a:chOff x="0" y="0"/>
-          <a:chExt cx="0" cy="0"/>
-        </a:xfrm>
-      </p:grpSpPr>
-      <p:sp>
-        <p:nvSpPr>
-          <p:cNvPr id="3" name="Inhaltsplatzhalter 2">
-            <a:extLst>
-              <a:ext uri="{FF2B5EF4-FFF2-40B4-BE49-F238E27FC236}">
-                <a16:creationId xmlns:a16="http://schemas.microsoft.com/office/drawing/2014/main" id="{A7B4FA95-A35C-EA41-A65D-21FF202B48E1}"/>
-              </a:ext>
-            </a:extLst>
-          </p:cNvPr>
-          <p:cNvSpPr>
-            <a:spLocks noGrp="1"/>
-          </p:cNvSpPr>
-          <p:nvPr>
-            <p:ph idx="1"/>
-          </p:nvPr>
-        </p:nvSpPr>
-        <p:spPr>
-          <a:xfrm>
-            <a:off x="838200" y="704088"/>
-            <a:ext cx="10515600" cy="5472875"/>
-          </a:xfrm>
-        </p:spPr>
-        <p:txBody>
-          <a:bodyPr anchor="ctr">
-            <a:normAutofit/>
-          </a:bodyPr>
-          <a:lstStyle/>
-          <a:p>
-            <a:pPr marL="7937" indent="0">
-              <a:buNone/>
-            </a:pPr>
-            <a:r>
-              <a:rPr lang="de-DE" sz="4000" dirty="0"/>
-              <a:t>Indem wir unsere Vorannahmen offenlegen, können wir Antworten formulieren, die wir mit messbaren Eigenschaften oder Merkmalen zuordnen können.</a:t>
-            </a:r>
-          </a:p>
-          <a:p>
-            <a:pPr marL="7937" indent="0">
-              <a:buNone/>
-            </a:pPr>
-            <a:endParaRPr lang="de-DE" sz="4000" dirty="0">
-              <a:solidFill>
-                <a:srgbClr val="FFC000"/>
-              </a:solidFill>
-            </a:endParaRPr>
-          </a:p>
-          <a:p>
-            <a:pPr marL="7937" indent="0">
-              <a:buNone/>
-            </a:pPr>
-            <a:r>
-              <a:rPr lang="de-DE" sz="4000" dirty="0">
-                <a:solidFill>
-                  <a:schemeClr val="bg1"/>
-                </a:solidFill>
-              </a:rPr>
-              <a:t>Diese messbaren Eigenschaften oder Merkmale bezeichnen wir als </a:t>
-            </a:r>
-            <a:r>
-              <a:rPr lang="de-DE" sz="4000" dirty="0">
-                <a:solidFill>
-                  <a:srgbClr val="FFC000"/>
-                </a:solidFill>
-              </a:rPr>
-              <a:t>Variablen.</a:t>
-            </a:r>
-          </a:p>
-        </p:txBody>
-      </p:sp>
-    </p:spTree>
-    <p:extLst>
-      <p:ext uri="{BB962C8B-B14F-4D97-AF65-F5344CB8AC3E}">
-        <p14:creationId xmlns:p14="http://schemas.microsoft.com/office/powerpoint/2010/main" val="3796577941"/>
-      </p:ext>
-    </p:extLst>
-  </p:cSld>
-  <p:clrMapOvr>
-    <a:masterClrMapping/>
-  </p:clrMapOvr>
-</p:sld>
-</file>
-
-<file path=ppt/slides/slide19.xml><?xml version="1.0" encoding="utf-8"?>
-<p:sld xmlns:a="http://schemas.openxmlformats.org/drawingml/2006/main" xmlns:r="http://schemas.openxmlformats.org/officeDocument/2006/relationships" xmlns:p="http://schemas.openxmlformats.org/presentationml/2006/main">
-  <p:cSld>
-    <p:spTree>
-      <p:nvGrpSpPr>
-        <p:cNvPr id="1" name=""/>
-        <p:cNvGrpSpPr/>
-        <p:nvPr/>
-      </p:nvGrpSpPr>
-      <p:grpSpPr>
-        <a:xfrm>
-          <a:off x="0" y="0"/>
-          <a:ext cx="0" cy="0"/>
-          <a:chOff x="0" y="0"/>
-          <a:chExt cx="0" cy="0"/>
-        </a:xfrm>
-      </p:grpSpPr>
-      <p:sp>
-        <p:nvSpPr>
-          <p:cNvPr id="3" name="Inhaltsplatzhalter 2">
-            <a:extLst>
-              <a:ext uri="{FF2B5EF4-FFF2-40B4-BE49-F238E27FC236}">
-                <a16:creationId xmlns:a16="http://schemas.microsoft.com/office/drawing/2014/main" id="{A7B4FA95-A35C-EA41-A65D-21FF202B48E1}"/>
-              </a:ext>
-            </a:extLst>
-          </p:cNvPr>
-          <p:cNvSpPr>
-            <a:spLocks noGrp="1"/>
-          </p:cNvSpPr>
-          <p:nvPr>
-            <p:ph idx="1"/>
-          </p:nvPr>
-        </p:nvSpPr>
-        <p:spPr>
-          <a:xfrm>
-            <a:off x="838200" y="529427"/>
-            <a:ext cx="10515600" cy="5472875"/>
-          </a:xfrm>
-        </p:spPr>
-        <p:txBody>
-          <a:bodyPr anchor="ctr">
-            <a:normAutofit lnSpcReduction="10000"/>
-          </a:bodyPr>
-          <a:lstStyle/>
-          <a:p>
-            <a:pPr marL="7937" indent="0">
-              <a:buNone/>
-            </a:pPr>
-            <a:r>
-              <a:rPr lang="de-DE" sz="4000" dirty="0"/>
-              <a:t>Die Statistik stellt uns </a:t>
-            </a:r>
-            <a:r>
-              <a:rPr lang="de-DE" sz="4000" dirty="0">
-                <a:solidFill>
-                  <a:srgbClr val="FFC000"/>
-                </a:solidFill>
-              </a:rPr>
-              <a:t>Werkzeuge</a:t>
-            </a:r>
-            <a:r>
-              <a:rPr lang="de-DE" sz="4000" dirty="0"/>
-              <a:t> zur Verfügung, um systematisch und mithilfe von Daten Aussagen zu überprüfen!</a:t>
-            </a:r>
-          </a:p>
-          <a:p>
-            <a:pPr marL="7937" indent="0">
-              <a:buNone/>
-            </a:pPr>
-            <a:endParaRPr lang="de-DE" sz="4000" dirty="0"/>
-          </a:p>
-          <a:p>
-            <a:pPr marL="7937" indent="0">
-              <a:buNone/>
-            </a:pPr>
-            <a:r>
-              <a:rPr lang="de-DE" sz="4000" dirty="0"/>
-              <a:t>Wir müssen nicht verstehen, wie die Werkzeuge im Detail funktionieren.</a:t>
-            </a:r>
-          </a:p>
-          <a:p>
-            <a:pPr marL="7937" indent="0">
-              <a:buNone/>
-            </a:pPr>
-            <a:endParaRPr lang="de-DE" sz="4000" dirty="0"/>
-          </a:p>
-          <a:p>
-            <a:pPr marL="7937" indent="0">
-              <a:buNone/>
-            </a:pPr>
-            <a:r>
-              <a:rPr lang="de-DE" sz="4000" dirty="0">
-                <a:solidFill>
-                  <a:srgbClr val="FFC000"/>
-                </a:solidFill>
-              </a:rPr>
-              <a:t>Wir müssen verstehen, wie wir die Werkzeuge richtig anwenden. </a:t>
-            </a:r>
-          </a:p>
-        </p:txBody>
-      </p:sp>
-    </p:spTree>
-    <p:extLst>
-      <p:ext uri="{BB962C8B-B14F-4D97-AF65-F5344CB8AC3E}">
-        <p14:creationId xmlns:p14="http://schemas.microsoft.com/office/powerpoint/2010/main" val="4272390406"/>
+        <p14:creationId xmlns:p14="http://schemas.microsoft.com/office/powerpoint/2010/main" val="384395206"/>
       </p:ext>
     </p:extLst>
   </p:cSld>
@@ -5970,33 +6177,861 @@
       </p:grpSpPr>
       <p:sp>
         <p:nvSpPr>
-          <p:cNvPr id="4" name="Titel 3">
+          <p:cNvPr id="17" name="Bogen 16">
             <a:extLst>
               <a:ext uri="{FF2B5EF4-FFF2-40B4-BE49-F238E27FC236}">
-                <a16:creationId xmlns:a16="http://schemas.microsoft.com/office/drawing/2014/main" id="{A3463C19-F895-8A45-A43D-175575CD803A}"/>
+                <a16:creationId xmlns:a16="http://schemas.microsoft.com/office/drawing/2014/main" id="{0D0B0771-2D52-1F45-E253-A35A29A87A6F}"/>
               </a:ext>
             </a:extLst>
           </p:cNvPr>
-          <p:cNvSpPr>
-            <a:spLocks noGrp="1"/>
-          </p:cNvSpPr>
-          <p:nvPr>
-            <p:ph type="title"/>
-          </p:nvPr>
+          <p:cNvSpPr/>
+          <p:nvPr/>
         </p:nvSpPr>
         <p:spPr>
           <a:xfrm>
-            <a:off x="838200" y="365125"/>
-            <a:ext cx="10515600" cy="5624195"/>
-          </a:xfrm>
-        </p:spPr>
-        <p:txBody>
-          <a:bodyPr/>
-          <a:lstStyle/>
-          <a:p>
-            <a:r>
-              <a:rPr lang="de-DE" dirty="0"/>
-              <a:t>Forschungsfragen</a:t>
+            <a:off x="3336967" y="1008328"/>
+            <a:ext cx="4857008" cy="4851182"/>
+          </a:xfrm>
+          <a:prstGeom prst="arc">
+            <a:avLst>
+              <a:gd name="adj1" fmla="val 17084040"/>
+              <a:gd name="adj2" fmla="val 19060948"/>
+            </a:avLst>
+          </a:prstGeom>
+          <a:ln w="76200">
+            <a:solidFill>
+              <a:srgbClr val="FFC000"/>
+            </a:solidFill>
+            <a:headEnd type="none" w="med" len="med"/>
+            <a:tailEnd type="arrow" w="med" len="med"/>
+          </a:ln>
+        </p:spPr>
+        <p:style>
+          <a:lnRef idx="1">
+            <a:schemeClr val="accent1"/>
+          </a:lnRef>
+          <a:fillRef idx="0">
+            <a:schemeClr val="accent1"/>
+          </a:fillRef>
+          <a:effectRef idx="0">
+            <a:schemeClr val="accent1"/>
+          </a:effectRef>
+          <a:fontRef idx="minor">
+            <a:schemeClr val="tx1"/>
+          </a:fontRef>
+        </p:style>
+        <p:txBody>
+          <a:bodyPr rtlCol="0" anchor="ctr"/>
+          <a:lstStyle/>
+          <a:p>
+            <a:pPr algn="ctr"/>
+            <a:endParaRPr lang="de-DE"/>
+          </a:p>
+        </p:txBody>
+      </p:sp>
+      <p:sp>
+        <p:nvSpPr>
+          <p:cNvPr id="22" name="Bogen 21">
+            <a:extLst>
+              <a:ext uri="{FF2B5EF4-FFF2-40B4-BE49-F238E27FC236}">
+                <a16:creationId xmlns:a16="http://schemas.microsoft.com/office/drawing/2014/main" id="{16415950-11B7-4D5D-6CBA-F9C3B58995D9}"/>
+              </a:ext>
+            </a:extLst>
+          </p:cNvPr>
+          <p:cNvSpPr/>
+          <p:nvPr/>
+        </p:nvSpPr>
+        <p:spPr>
+          <a:xfrm>
+            <a:off x="3348842" y="1035025"/>
+            <a:ext cx="4857008" cy="4851182"/>
+          </a:xfrm>
+          <a:prstGeom prst="arc">
+            <a:avLst>
+              <a:gd name="adj1" fmla="val 20591950"/>
+              <a:gd name="adj2" fmla="val 389637"/>
+            </a:avLst>
+          </a:prstGeom>
+          <a:ln w="76200">
+            <a:solidFill>
+              <a:srgbClr val="FFC000"/>
+            </a:solidFill>
+            <a:headEnd type="none" w="med" len="med"/>
+            <a:tailEnd type="arrow" w="med" len="med"/>
+          </a:ln>
+        </p:spPr>
+        <p:style>
+          <a:lnRef idx="1">
+            <a:schemeClr val="accent1"/>
+          </a:lnRef>
+          <a:fillRef idx="0">
+            <a:schemeClr val="accent1"/>
+          </a:fillRef>
+          <a:effectRef idx="0">
+            <a:schemeClr val="accent1"/>
+          </a:effectRef>
+          <a:fontRef idx="minor">
+            <a:schemeClr val="tx1"/>
+          </a:fontRef>
+        </p:style>
+        <p:txBody>
+          <a:bodyPr rtlCol="0" anchor="ctr"/>
+          <a:lstStyle/>
+          <a:p>
+            <a:pPr algn="ctr"/>
+            <a:endParaRPr lang="de-DE"/>
+          </a:p>
+        </p:txBody>
+      </p:sp>
+      <p:sp>
+        <p:nvSpPr>
+          <p:cNvPr id="23" name="Bogen 22">
+            <a:extLst>
+              <a:ext uri="{FF2B5EF4-FFF2-40B4-BE49-F238E27FC236}">
+                <a16:creationId xmlns:a16="http://schemas.microsoft.com/office/drawing/2014/main" id="{19F2DDFC-B1A0-F247-24C6-B2B22DF745EE}"/>
+              </a:ext>
+            </a:extLst>
+          </p:cNvPr>
+          <p:cNvSpPr/>
+          <p:nvPr/>
+        </p:nvSpPr>
+        <p:spPr>
+          <a:xfrm>
+            <a:off x="3348842" y="1044916"/>
+            <a:ext cx="4857008" cy="4851182"/>
+          </a:xfrm>
+          <a:prstGeom prst="arc">
+            <a:avLst>
+              <a:gd name="adj1" fmla="val 757945"/>
+              <a:gd name="adj2" fmla="val 3798662"/>
+            </a:avLst>
+          </a:prstGeom>
+          <a:ln w="76200">
+            <a:solidFill>
+              <a:srgbClr val="FFC000"/>
+            </a:solidFill>
+            <a:headEnd type="none" w="med" len="med"/>
+            <a:tailEnd type="arrow" w="med" len="med"/>
+          </a:ln>
+        </p:spPr>
+        <p:style>
+          <a:lnRef idx="1">
+            <a:schemeClr val="accent1"/>
+          </a:lnRef>
+          <a:fillRef idx="0">
+            <a:schemeClr val="accent1"/>
+          </a:fillRef>
+          <a:effectRef idx="0">
+            <a:schemeClr val="accent1"/>
+          </a:effectRef>
+          <a:fontRef idx="minor">
+            <a:schemeClr val="tx1"/>
+          </a:fontRef>
+        </p:style>
+        <p:txBody>
+          <a:bodyPr rtlCol="0" anchor="ctr"/>
+          <a:lstStyle/>
+          <a:p>
+            <a:pPr algn="ctr"/>
+            <a:endParaRPr lang="de-DE"/>
+          </a:p>
+        </p:txBody>
+      </p:sp>
+      <p:sp>
+        <p:nvSpPr>
+          <p:cNvPr id="5" name="Abgerundetes Rechteck 4">
+            <a:extLst>
+              <a:ext uri="{FF2B5EF4-FFF2-40B4-BE49-F238E27FC236}">
+                <a16:creationId xmlns:a16="http://schemas.microsoft.com/office/drawing/2014/main" id="{4F901A0D-091B-2238-11CC-5BD7B31FDF7E}"/>
+              </a:ext>
+            </a:extLst>
+          </p:cNvPr>
+          <p:cNvSpPr/>
+          <p:nvPr/>
+        </p:nvSpPr>
+        <p:spPr>
+          <a:xfrm>
+            <a:off x="4667002" y="391886"/>
+            <a:ext cx="2196936" cy="1140031"/>
+          </a:xfrm>
+          <a:prstGeom prst="roundRect">
+            <a:avLst/>
+          </a:prstGeom>
+          <a:solidFill>
+            <a:srgbClr val="FFC000"/>
+          </a:solidFill>
+          <a:ln>
+            <a:solidFill>
+              <a:srgbClr val="FFC000"/>
+            </a:solidFill>
+          </a:ln>
+        </p:spPr>
+        <p:style>
+          <a:lnRef idx="2">
+            <a:schemeClr val="accent1">
+              <a:shade val="15000"/>
+            </a:schemeClr>
+          </a:lnRef>
+          <a:fillRef idx="1">
+            <a:schemeClr val="accent1"/>
+          </a:fillRef>
+          <a:effectRef idx="0">
+            <a:schemeClr val="accent1"/>
+          </a:effectRef>
+          <a:fontRef idx="minor">
+            <a:schemeClr val="lt1"/>
+          </a:fontRef>
+        </p:style>
+        <p:txBody>
+          <a:bodyPr rtlCol="0" anchor="ctr"/>
+          <a:lstStyle/>
+          <a:p>
+            <a:pPr algn="ctr"/>
+            <a:r>
+              <a:rPr lang="de-DE" dirty="0">
+                <a:solidFill>
+                  <a:schemeClr val="accent4">
+                    <a:lumMod val="50000"/>
+                  </a:schemeClr>
+                </a:solidFill>
+              </a:rPr>
+              <a:t>Forschungsfrage</a:t>
+            </a:r>
+          </a:p>
+        </p:txBody>
+      </p:sp>
+      <p:sp>
+        <p:nvSpPr>
+          <p:cNvPr id="6" name="Abgerundetes Rechteck 5">
+            <a:extLst>
+              <a:ext uri="{FF2B5EF4-FFF2-40B4-BE49-F238E27FC236}">
+                <a16:creationId xmlns:a16="http://schemas.microsoft.com/office/drawing/2014/main" id="{AD840349-B18A-9275-CD98-7726EF1EC83E}"/>
+              </a:ext>
+            </a:extLst>
+          </p:cNvPr>
+          <p:cNvSpPr/>
+          <p:nvPr/>
+        </p:nvSpPr>
+        <p:spPr>
+          <a:xfrm>
+            <a:off x="7095506" y="1803070"/>
+            <a:ext cx="2196936" cy="1140031"/>
+          </a:xfrm>
+          <a:prstGeom prst="roundRect">
+            <a:avLst/>
+          </a:prstGeom>
+          <a:solidFill>
+            <a:srgbClr val="FFC000"/>
+          </a:solidFill>
+          <a:ln>
+            <a:solidFill>
+              <a:srgbClr val="FFC000"/>
+            </a:solidFill>
+          </a:ln>
+        </p:spPr>
+        <p:style>
+          <a:lnRef idx="2">
+            <a:schemeClr val="accent1">
+              <a:shade val="15000"/>
+            </a:schemeClr>
+          </a:lnRef>
+          <a:fillRef idx="1">
+            <a:schemeClr val="accent1"/>
+          </a:fillRef>
+          <a:effectRef idx="0">
+            <a:schemeClr val="accent1"/>
+          </a:effectRef>
+          <a:fontRef idx="minor">
+            <a:schemeClr val="lt1"/>
+          </a:fontRef>
+        </p:style>
+        <p:txBody>
+          <a:bodyPr rtlCol="0" anchor="ctr"/>
+          <a:lstStyle/>
+          <a:p>
+            <a:pPr algn="ctr"/>
+            <a:r>
+              <a:rPr lang="de-DE" dirty="0">
+                <a:solidFill>
+                  <a:schemeClr val="accent4">
+                    <a:lumMod val="50000"/>
+                  </a:schemeClr>
+                </a:solidFill>
+              </a:rPr>
+              <a:t>Operationalisierung</a:t>
+            </a:r>
+          </a:p>
+        </p:txBody>
+      </p:sp>
+      <p:sp>
+        <p:nvSpPr>
+          <p:cNvPr id="7" name="Abgerundetes Rechteck 6">
+            <a:extLst>
+              <a:ext uri="{FF2B5EF4-FFF2-40B4-BE49-F238E27FC236}">
+                <a16:creationId xmlns:a16="http://schemas.microsoft.com/office/drawing/2014/main" id="{1F619667-36B3-7B83-5A1F-4F26F924D528}"/>
+              </a:ext>
+            </a:extLst>
+          </p:cNvPr>
+          <p:cNvSpPr/>
+          <p:nvPr/>
+        </p:nvSpPr>
+        <p:spPr>
+          <a:xfrm>
+            <a:off x="7095506" y="3739737"/>
+            <a:ext cx="2196936" cy="1140031"/>
+          </a:xfrm>
+          <a:prstGeom prst="roundRect">
+            <a:avLst/>
+          </a:prstGeom>
+          <a:solidFill>
+            <a:srgbClr val="FFC000"/>
+          </a:solidFill>
+          <a:ln>
+            <a:solidFill>
+              <a:srgbClr val="FFC000"/>
+            </a:solidFill>
+          </a:ln>
+        </p:spPr>
+        <p:style>
+          <a:lnRef idx="2">
+            <a:schemeClr val="accent1">
+              <a:shade val="15000"/>
+            </a:schemeClr>
+          </a:lnRef>
+          <a:fillRef idx="1">
+            <a:schemeClr val="accent1"/>
+          </a:fillRef>
+          <a:effectRef idx="0">
+            <a:schemeClr val="accent1"/>
+          </a:effectRef>
+          <a:fontRef idx="minor">
+            <a:schemeClr val="lt1"/>
+          </a:fontRef>
+        </p:style>
+        <p:txBody>
+          <a:bodyPr rtlCol="0" anchor="ctr"/>
+          <a:lstStyle/>
+          <a:p>
+            <a:pPr algn="ctr"/>
+            <a:r>
+              <a:rPr lang="de-DE" dirty="0">
+                <a:solidFill>
+                  <a:schemeClr val="accent4">
+                    <a:lumMod val="50000"/>
+                  </a:schemeClr>
+                </a:solidFill>
+              </a:rPr>
+              <a:t>Datenerhebung</a:t>
+            </a:r>
+          </a:p>
+        </p:txBody>
+      </p:sp>
+      <p:sp>
+        <p:nvSpPr>
+          <p:cNvPr id="8" name="Abgerundetes Rechteck 7">
+            <a:extLst>
+              <a:ext uri="{FF2B5EF4-FFF2-40B4-BE49-F238E27FC236}">
+                <a16:creationId xmlns:a16="http://schemas.microsoft.com/office/drawing/2014/main" id="{CE312D0D-C3A2-3337-BC46-9DAD3C80833C}"/>
+              </a:ext>
+            </a:extLst>
+          </p:cNvPr>
+          <p:cNvSpPr/>
+          <p:nvPr/>
+        </p:nvSpPr>
+        <p:spPr>
+          <a:xfrm>
+            <a:off x="4667002" y="5326083"/>
+            <a:ext cx="2196936" cy="1140031"/>
+          </a:xfrm>
+          <a:prstGeom prst="roundRect">
+            <a:avLst/>
+          </a:prstGeom>
+          <a:solidFill>
+            <a:srgbClr val="FFC000"/>
+          </a:solidFill>
+          <a:ln>
+            <a:solidFill>
+              <a:srgbClr val="FFC000"/>
+            </a:solidFill>
+          </a:ln>
+        </p:spPr>
+        <p:style>
+          <a:lnRef idx="2">
+            <a:schemeClr val="accent1">
+              <a:shade val="15000"/>
+            </a:schemeClr>
+          </a:lnRef>
+          <a:fillRef idx="1">
+            <a:schemeClr val="accent1"/>
+          </a:fillRef>
+          <a:effectRef idx="0">
+            <a:schemeClr val="accent1"/>
+          </a:effectRef>
+          <a:fontRef idx="minor">
+            <a:schemeClr val="lt1"/>
+          </a:fontRef>
+        </p:style>
+        <p:txBody>
+          <a:bodyPr rtlCol="0" anchor="ctr"/>
+          <a:lstStyle/>
+          <a:p>
+            <a:pPr algn="ctr"/>
+            <a:r>
+              <a:rPr lang="de-DE" dirty="0">
+                <a:solidFill>
+                  <a:schemeClr val="accent4">
+                    <a:lumMod val="50000"/>
+                  </a:schemeClr>
+                </a:solidFill>
+              </a:rPr>
+              <a:t>Auswertung</a:t>
+            </a:r>
+          </a:p>
+        </p:txBody>
+      </p:sp>
+      <p:sp>
+        <p:nvSpPr>
+          <p:cNvPr id="9" name="Abgerundetes Rechteck 8">
+            <a:extLst>
+              <a:ext uri="{FF2B5EF4-FFF2-40B4-BE49-F238E27FC236}">
+                <a16:creationId xmlns:a16="http://schemas.microsoft.com/office/drawing/2014/main" id="{165C031C-8C26-738F-CF89-6919B748B1BB}"/>
+              </a:ext>
+            </a:extLst>
+          </p:cNvPr>
+          <p:cNvSpPr/>
+          <p:nvPr/>
+        </p:nvSpPr>
+        <p:spPr>
+          <a:xfrm>
+            <a:off x="2250374" y="3739736"/>
+            <a:ext cx="2196936" cy="1140031"/>
+          </a:xfrm>
+          <a:prstGeom prst="roundRect">
+            <a:avLst/>
+          </a:prstGeom>
+          <a:solidFill>
+            <a:srgbClr val="FFC000"/>
+          </a:solidFill>
+          <a:ln>
+            <a:solidFill>
+              <a:srgbClr val="FFC000"/>
+            </a:solidFill>
+          </a:ln>
+        </p:spPr>
+        <p:style>
+          <a:lnRef idx="2">
+            <a:schemeClr val="accent1">
+              <a:shade val="15000"/>
+            </a:schemeClr>
+          </a:lnRef>
+          <a:fillRef idx="1">
+            <a:schemeClr val="accent1"/>
+          </a:fillRef>
+          <a:effectRef idx="0">
+            <a:schemeClr val="accent1"/>
+          </a:effectRef>
+          <a:fontRef idx="minor">
+            <a:schemeClr val="lt1"/>
+          </a:fontRef>
+        </p:style>
+        <p:txBody>
+          <a:bodyPr rtlCol="0" anchor="ctr"/>
+          <a:lstStyle/>
+          <a:p>
+            <a:pPr algn="ctr"/>
+            <a:r>
+              <a:rPr lang="de-DE" dirty="0">
+                <a:solidFill>
+                  <a:schemeClr val="accent4">
+                    <a:lumMod val="50000"/>
+                  </a:schemeClr>
+                </a:solidFill>
+              </a:rPr>
+              <a:t>Interpretation</a:t>
+            </a:r>
+          </a:p>
+        </p:txBody>
+      </p:sp>
+      <p:sp>
+        <p:nvSpPr>
+          <p:cNvPr id="10" name="Abgerundetes Rechteck 9">
+            <a:extLst>
+              <a:ext uri="{FF2B5EF4-FFF2-40B4-BE49-F238E27FC236}">
+                <a16:creationId xmlns:a16="http://schemas.microsoft.com/office/drawing/2014/main" id="{6FFB1893-E2FC-3764-856B-244C139EF711}"/>
+              </a:ext>
+            </a:extLst>
+          </p:cNvPr>
+          <p:cNvSpPr/>
+          <p:nvPr/>
+        </p:nvSpPr>
+        <p:spPr>
+          <a:xfrm>
+            <a:off x="2250374" y="1803070"/>
+            <a:ext cx="2196936" cy="1140031"/>
+          </a:xfrm>
+          <a:prstGeom prst="roundRect">
+            <a:avLst/>
+          </a:prstGeom>
+          <a:solidFill>
+            <a:srgbClr val="FFC000"/>
+          </a:solidFill>
+          <a:ln>
+            <a:solidFill>
+              <a:srgbClr val="FFC000"/>
+            </a:solidFill>
+          </a:ln>
+        </p:spPr>
+        <p:style>
+          <a:lnRef idx="2">
+            <a:schemeClr val="accent1">
+              <a:shade val="15000"/>
+            </a:schemeClr>
+          </a:lnRef>
+          <a:fillRef idx="1">
+            <a:schemeClr val="accent1"/>
+          </a:fillRef>
+          <a:effectRef idx="0">
+            <a:schemeClr val="accent1"/>
+          </a:effectRef>
+          <a:fontRef idx="minor">
+            <a:schemeClr val="lt1"/>
+          </a:fontRef>
+        </p:style>
+        <p:txBody>
+          <a:bodyPr rtlCol="0" anchor="ctr"/>
+          <a:lstStyle/>
+          <a:p>
+            <a:pPr algn="ctr"/>
+            <a:r>
+              <a:rPr lang="de-DE" dirty="0">
+                <a:solidFill>
+                  <a:schemeClr val="accent4">
+                    <a:lumMod val="50000"/>
+                  </a:schemeClr>
+                </a:solidFill>
+              </a:rPr>
+              <a:t>Kommunikation</a:t>
+            </a:r>
+          </a:p>
+        </p:txBody>
+      </p:sp>
+      <p:sp>
+        <p:nvSpPr>
+          <p:cNvPr id="16" name="Bogen 15">
+            <a:extLst>
+              <a:ext uri="{FF2B5EF4-FFF2-40B4-BE49-F238E27FC236}">
+                <a16:creationId xmlns:a16="http://schemas.microsoft.com/office/drawing/2014/main" id="{3FF62D94-9209-F20C-A2FE-D5A643400BE8}"/>
+              </a:ext>
+            </a:extLst>
+          </p:cNvPr>
+          <p:cNvSpPr/>
+          <p:nvPr/>
+        </p:nvSpPr>
+        <p:spPr>
+          <a:xfrm>
+            <a:off x="6065905" y="641393"/>
+            <a:ext cx="2074223" cy="2071737"/>
+          </a:xfrm>
+          <a:prstGeom prst="arc">
+            <a:avLst>
+              <a:gd name="adj1" fmla="val 5236352"/>
+              <a:gd name="adj2" fmla="val 11233376"/>
+            </a:avLst>
+          </a:prstGeom>
+          <a:ln w="57150">
+            <a:solidFill>
+              <a:srgbClr val="FFC000"/>
+            </a:solidFill>
+            <a:headEnd type="none" w="med" len="med"/>
+            <a:tailEnd type="arrow" w="med" len="med"/>
+          </a:ln>
+        </p:spPr>
+        <p:style>
+          <a:lnRef idx="1">
+            <a:schemeClr val="accent1"/>
+          </a:lnRef>
+          <a:fillRef idx="0">
+            <a:schemeClr val="accent1"/>
+          </a:fillRef>
+          <a:effectRef idx="0">
+            <a:schemeClr val="accent1"/>
+          </a:effectRef>
+          <a:fontRef idx="minor">
+            <a:schemeClr val="tx1"/>
+          </a:fontRef>
+        </p:style>
+        <p:txBody>
+          <a:bodyPr rtlCol="0" anchor="ctr"/>
+          <a:lstStyle/>
+          <a:p>
+            <a:pPr algn="ctr"/>
+            <a:endParaRPr lang="de-DE"/>
+          </a:p>
+        </p:txBody>
+      </p:sp>
+      <p:sp>
+        <p:nvSpPr>
+          <p:cNvPr id="21" name="Bogen 20">
+            <a:extLst>
+              <a:ext uri="{FF2B5EF4-FFF2-40B4-BE49-F238E27FC236}">
+                <a16:creationId xmlns:a16="http://schemas.microsoft.com/office/drawing/2014/main" id="{512D136B-1551-00E2-F801-1BAD3EA014EE}"/>
+              </a:ext>
+            </a:extLst>
+          </p:cNvPr>
+          <p:cNvSpPr/>
+          <p:nvPr/>
+        </p:nvSpPr>
+        <p:spPr>
+          <a:xfrm>
+            <a:off x="3580323" y="4081053"/>
+            <a:ext cx="2074223" cy="2071737"/>
+          </a:xfrm>
+          <a:prstGeom prst="arc">
+            <a:avLst>
+              <a:gd name="adj1" fmla="val 15405899"/>
+              <a:gd name="adj2" fmla="val 581190"/>
+            </a:avLst>
+          </a:prstGeom>
+          <a:ln w="57150">
+            <a:solidFill>
+              <a:srgbClr val="FFC000"/>
+            </a:solidFill>
+            <a:headEnd type="none" w="med" len="med"/>
+            <a:tailEnd type="arrow" w="med" len="med"/>
+          </a:ln>
+        </p:spPr>
+        <p:style>
+          <a:lnRef idx="1">
+            <a:schemeClr val="accent1"/>
+          </a:lnRef>
+          <a:fillRef idx="0">
+            <a:schemeClr val="accent1"/>
+          </a:fillRef>
+          <a:effectRef idx="0">
+            <a:schemeClr val="accent1"/>
+          </a:effectRef>
+          <a:fontRef idx="minor">
+            <a:schemeClr val="tx1"/>
+          </a:fontRef>
+        </p:style>
+        <p:txBody>
+          <a:bodyPr rtlCol="0" anchor="ctr"/>
+          <a:lstStyle/>
+          <a:p>
+            <a:pPr algn="ctr"/>
+            <a:endParaRPr lang="de-DE"/>
+          </a:p>
+        </p:txBody>
+      </p:sp>
+      <p:sp>
+        <p:nvSpPr>
+          <p:cNvPr id="24" name="Bogen 23">
+            <a:extLst>
+              <a:ext uri="{FF2B5EF4-FFF2-40B4-BE49-F238E27FC236}">
+                <a16:creationId xmlns:a16="http://schemas.microsoft.com/office/drawing/2014/main" id="{208B0112-7038-8EFD-2F6A-5947B9AEF9FD}"/>
+              </a:ext>
+            </a:extLst>
+          </p:cNvPr>
+          <p:cNvSpPr/>
+          <p:nvPr/>
+        </p:nvSpPr>
+        <p:spPr>
+          <a:xfrm>
+            <a:off x="3348842" y="1052147"/>
+            <a:ext cx="4857008" cy="4851182"/>
+          </a:xfrm>
+          <a:prstGeom prst="arc">
+            <a:avLst>
+              <a:gd name="adj1" fmla="val 6876267"/>
+              <a:gd name="adj2" fmla="val 8733112"/>
+            </a:avLst>
+          </a:prstGeom>
+          <a:ln w="76200">
+            <a:solidFill>
+              <a:srgbClr val="FFC000"/>
+            </a:solidFill>
+            <a:headEnd type="none" w="med" len="med"/>
+            <a:tailEnd type="arrow" w="med" len="med"/>
+          </a:ln>
+        </p:spPr>
+        <p:style>
+          <a:lnRef idx="1">
+            <a:schemeClr val="accent1"/>
+          </a:lnRef>
+          <a:fillRef idx="0">
+            <a:schemeClr val="accent1"/>
+          </a:fillRef>
+          <a:effectRef idx="0">
+            <a:schemeClr val="accent1"/>
+          </a:effectRef>
+          <a:fontRef idx="minor">
+            <a:schemeClr val="tx1"/>
+          </a:fontRef>
+        </p:style>
+        <p:txBody>
+          <a:bodyPr rtlCol="0" anchor="ctr"/>
+          <a:lstStyle/>
+          <a:p>
+            <a:pPr algn="ctr"/>
+            <a:endParaRPr lang="de-DE"/>
+          </a:p>
+        </p:txBody>
+      </p:sp>
+      <p:sp>
+        <p:nvSpPr>
+          <p:cNvPr id="25" name="Bogen 24">
+            <a:extLst>
+              <a:ext uri="{FF2B5EF4-FFF2-40B4-BE49-F238E27FC236}">
+                <a16:creationId xmlns:a16="http://schemas.microsoft.com/office/drawing/2014/main" id="{D690E4A4-1C8B-32E3-8513-95D5A9E78502}"/>
+              </a:ext>
+            </a:extLst>
+          </p:cNvPr>
+          <p:cNvSpPr/>
+          <p:nvPr/>
+        </p:nvSpPr>
+        <p:spPr>
+          <a:xfrm>
+            <a:off x="3348842" y="1049072"/>
+            <a:ext cx="4857008" cy="4851182"/>
+          </a:xfrm>
+          <a:prstGeom prst="arc">
+            <a:avLst>
+              <a:gd name="adj1" fmla="val 10413329"/>
+              <a:gd name="adj2" fmla="val 11556799"/>
+            </a:avLst>
+          </a:prstGeom>
+          <a:ln w="76200">
+            <a:solidFill>
+              <a:srgbClr val="FFC000"/>
+            </a:solidFill>
+            <a:headEnd type="none" w="med" len="med"/>
+            <a:tailEnd type="arrow" w="med" len="med"/>
+          </a:ln>
+        </p:spPr>
+        <p:style>
+          <a:lnRef idx="1">
+            <a:schemeClr val="accent1"/>
+          </a:lnRef>
+          <a:fillRef idx="0">
+            <a:schemeClr val="accent1"/>
+          </a:fillRef>
+          <a:effectRef idx="0">
+            <a:schemeClr val="accent1"/>
+          </a:effectRef>
+          <a:fontRef idx="minor">
+            <a:schemeClr val="tx1"/>
+          </a:fontRef>
+        </p:style>
+        <p:txBody>
+          <a:bodyPr rtlCol="0" anchor="ctr"/>
+          <a:lstStyle/>
+          <a:p>
+            <a:pPr algn="ctr"/>
+            <a:endParaRPr lang="de-DE"/>
+          </a:p>
+        </p:txBody>
+      </p:sp>
+      <p:sp>
+        <p:nvSpPr>
+          <p:cNvPr id="26" name="Bogen 25">
+            <a:extLst>
+              <a:ext uri="{FF2B5EF4-FFF2-40B4-BE49-F238E27FC236}">
+                <a16:creationId xmlns:a16="http://schemas.microsoft.com/office/drawing/2014/main" id="{D6123BF0-1F40-5C70-3B36-49E6D43953F4}"/>
+              </a:ext>
+            </a:extLst>
+          </p:cNvPr>
+          <p:cNvSpPr/>
+          <p:nvPr/>
+        </p:nvSpPr>
+        <p:spPr>
+          <a:xfrm>
+            <a:off x="3336967" y="1052147"/>
+            <a:ext cx="4857008" cy="4851182"/>
+          </a:xfrm>
+          <a:prstGeom prst="arc">
+            <a:avLst>
+              <a:gd name="adj1" fmla="val 13122133"/>
+              <a:gd name="adj2" fmla="val 14586360"/>
+            </a:avLst>
+          </a:prstGeom>
+          <a:ln w="76200">
+            <a:solidFill>
+              <a:srgbClr val="FFC000"/>
+            </a:solidFill>
+            <a:headEnd type="none" w="med" len="med"/>
+            <a:tailEnd type="arrow" w="med" len="med"/>
+          </a:ln>
+        </p:spPr>
+        <p:style>
+          <a:lnRef idx="1">
+            <a:schemeClr val="accent1"/>
+          </a:lnRef>
+          <a:fillRef idx="0">
+            <a:schemeClr val="accent1"/>
+          </a:fillRef>
+          <a:effectRef idx="0">
+            <a:schemeClr val="accent1"/>
+          </a:effectRef>
+          <a:fontRef idx="minor">
+            <a:schemeClr val="tx1"/>
+          </a:fontRef>
+        </p:style>
+        <p:txBody>
+          <a:bodyPr rtlCol="0" anchor="ctr"/>
+          <a:lstStyle/>
+          <a:p>
+            <a:pPr algn="ctr"/>
+            <a:endParaRPr lang="de-DE"/>
+          </a:p>
+        </p:txBody>
+      </p:sp>
+      <p:sp>
+        <p:nvSpPr>
+          <p:cNvPr id="27" name="Textfeld 26">
+            <a:extLst>
+              <a:ext uri="{FF2B5EF4-FFF2-40B4-BE49-F238E27FC236}">
+                <a16:creationId xmlns:a16="http://schemas.microsoft.com/office/drawing/2014/main" id="{864846D0-47A1-FB43-F75D-B8DE7FA2147F}"/>
+              </a:ext>
+            </a:extLst>
+          </p:cNvPr>
+          <p:cNvSpPr txBox="1"/>
+          <p:nvPr/>
+        </p:nvSpPr>
+        <p:spPr>
+          <a:xfrm rot="21408469" flipH="1">
+            <a:off x="83588" y="267317"/>
+            <a:ext cx="3167764" cy="1569660"/>
+          </a:xfrm>
+          <a:prstGeom prst="rect">
+            <a:avLst/>
+          </a:prstGeom>
+          <a:noFill/>
+        </p:spPr>
+        <p:txBody>
+          <a:bodyPr wrap="square" rtlCol="0">
+            <a:spAutoFit/>
+          </a:bodyPr>
+          <a:lstStyle/>
+          <a:p>
+            <a:pPr algn="ctr"/>
+            <a:r>
+              <a:rPr lang="de-DE" sz="3200" b="1" dirty="0">
+                <a:solidFill>
+                  <a:srgbClr val="FFC000"/>
+                </a:solidFill>
+              </a:rPr>
+              <a:t>Schritte datengeleiteter </a:t>
+            </a:r>
+          </a:p>
+          <a:p>
+            <a:pPr algn="ctr"/>
+            <a:r>
+              <a:rPr lang="de-DE" sz="3200" b="1" dirty="0">
+                <a:solidFill>
+                  <a:srgbClr val="FFC000"/>
+                </a:solidFill>
+              </a:rPr>
+              <a:t>Arbeiten</a:t>
             </a:r>
           </a:p>
         </p:txBody>
@@ -6004,7 +7039,7 @@
     </p:spTree>
     <p:extLst>
       <p:ext uri="{BB962C8B-B14F-4D97-AF65-F5344CB8AC3E}">
-        <p14:creationId xmlns:p14="http://schemas.microsoft.com/office/powerpoint/2010/main" val="645594877"/>
+        <p14:creationId xmlns:p14="http://schemas.microsoft.com/office/powerpoint/2010/main" val="4125832074"/>
       </p:ext>
     </p:extLst>
   </p:cSld>
@@ -6031,40 +7066,61 @@
           <a:chExt cx="0" cy="0"/>
         </a:xfrm>
       </p:grpSpPr>
-      <p:pic>
-        <p:nvPicPr>
-          <p:cNvPr id="4" name="Grafik 3">
+      <p:sp>
+        <p:nvSpPr>
+          <p:cNvPr id="3" name="Inhaltsplatzhalter 2">
             <a:extLst>
               <a:ext uri="{FF2B5EF4-FFF2-40B4-BE49-F238E27FC236}">
-                <a16:creationId xmlns:a16="http://schemas.microsoft.com/office/drawing/2014/main" id="{E1F71674-A775-B15E-75FC-C73397EBE69F}"/>
+                <a16:creationId xmlns:a16="http://schemas.microsoft.com/office/drawing/2014/main" id="{A7B4FA95-A35C-EA41-A65D-21FF202B48E1}"/>
               </a:ext>
             </a:extLst>
           </p:cNvPr>
-          <p:cNvPicPr>
-            <a:picLocks noChangeAspect="1"/>
-          </p:cNvPicPr>
-          <p:nvPr/>
-        </p:nvPicPr>
-        <p:blipFill>
-          <a:blip r:embed="rId2"/>
-          <a:stretch>
-            <a:fillRect/>
-          </a:stretch>
-        </p:blipFill>
+          <p:cNvSpPr>
+            <a:spLocks noGrp="1"/>
+          </p:cNvSpPr>
+          <p:nvPr>
+            <p:ph idx="1"/>
+          </p:nvPr>
+        </p:nvSpPr>
         <p:spPr>
           <a:xfrm>
-            <a:off x="3463608" y="0"/>
-            <a:ext cx="5264783" cy="6858000"/>
-          </a:xfrm>
-          <a:prstGeom prst="rect">
-            <a:avLst/>
-          </a:prstGeom>
-        </p:spPr>
-      </p:pic>
+            <a:off x="838200" y="704088"/>
+            <a:ext cx="10515600" cy="5472875"/>
+          </a:xfrm>
+        </p:spPr>
+        <p:txBody>
+          <a:bodyPr anchor="ctr">
+            <a:normAutofit/>
+          </a:bodyPr>
+          <a:lstStyle/>
+          <a:p>
+            <a:pPr marL="7937" indent="0">
+              <a:buNone/>
+            </a:pPr>
+            <a:r>
+              <a:rPr lang="de-DE" sz="4800" dirty="0">
+                <a:solidFill>
+                  <a:srgbClr val="FFC000"/>
+                </a:solidFill>
+              </a:rPr>
+              <a:t>Keine</a:t>
+            </a:r>
+            <a:r>
+              <a:rPr lang="de-DE" sz="4800" dirty="0"/>
+              <a:t> wissenschaftlich-professionelle Auseinandersetzung kommt ohne Vorwissen aus!</a:t>
+            </a:r>
+            <a:endParaRPr lang="de-DE" sz="4800" dirty="0">
+              <a:solidFill>
+                <a:srgbClr val="FFC000"/>
+              </a:solidFill>
+            </a:endParaRPr>
+          </a:p>
+        </p:txBody>
+      </p:sp>
     </p:spTree>
     <p:extLst>
       <p:ext uri="{BB962C8B-B14F-4D97-AF65-F5344CB8AC3E}">
-        <p14:creationId xmlns:p14="http://schemas.microsoft.com/office/powerpoint/2010/main" val="3941255541"/>
+        <p14:creationId xmlns:p14="http://schemas.microsoft.com/office/powerpoint/2010/main" val="787486184"/>
       </p:ext>
     </p:extLst>
   </p:cSld>
@@ -6093,80 +7149,326 @@
       </p:grpSpPr>
       <p:sp>
         <p:nvSpPr>
-          <p:cNvPr id="3" name="Inhaltsplatzhalter 2">
+          <p:cNvPr id="5" name="Abgerundetes Rechteck 4">
             <a:extLst>
               <a:ext uri="{FF2B5EF4-FFF2-40B4-BE49-F238E27FC236}">
-                <a16:creationId xmlns:a16="http://schemas.microsoft.com/office/drawing/2014/main" id="{A7B4FA95-A35C-EA41-A65D-21FF202B48E1}"/>
+                <a16:creationId xmlns:a16="http://schemas.microsoft.com/office/drawing/2014/main" id="{FA7A754A-2B57-A24E-9C3E-297F17BEFD15}"/>
               </a:ext>
             </a:extLst>
           </p:cNvPr>
-          <p:cNvSpPr>
-            <a:spLocks noGrp="1"/>
-          </p:cNvSpPr>
-          <p:nvPr>
-            <p:ph idx="1"/>
-          </p:nvPr>
+          <p:cNvSpPr/>
+          <p:nvPr/>
         </p:nvSpPr>
         <p:spPr>
           <a:xfrm>
-            <a:off x="838200" y="704088"/>
-            <a:ext cx="10515600" cy="5472875"/>
-          </a:xfrm>
-        </p:spPr>
-        <p:txBody>
-          <a:bodyPr anchor="ctr"/>
-          <a:lstStyle/>
-          <a:p>
-            <a:pPr marL="7937" indent="0">
-              <a:buNone/>
-            </a:pPr>
-            <a:r>
-              <a:rPr lang="de-DE" dirty="0">
+            <a:off x="4416552" y="1234440"/>
+            <a:ext cx="3483864" cy="1554480"/>
+          </a:xfrm>
+          <a:prstGeom prst="roundRect">
+            <a:avLst/>
+          </a:prstGeom>
+          <a:solidFill>
+            <a:srgbClr val="FFC000"/>
+          </a:solidFill>
+        </p:spPr>
+        <p:style>
+          <a:lnRef idx="2">
+            <a:schemeClr val="accent1">
+              <a:shade val="50000"/>
+            </a:schemeClr>
+          </a:lnRef>
+          <a:fillRef idx="1">
+            <a:schemeClr val="accent1"/>
+          </a:fillRef>
+          <a:effectRef idx="0">
+            <a:schemeClr val="accent1"/>
+          </a:effectRef>
+          <a:fontRef idx="minor">
+            <a:schemeClr val="lt1"/>
+          </a:fontRef>
+        </p:style>
+        <p:txBody>
+          <a:bodyPr rtlCol="0" anchor="ctr"/>
+          <a:lstStyle/>
+          <a:p>
+            <a:pPr algn="ctr"/>
+            <a:r>
+              <a:rPr lang="de-DE" sz="4400" dirty="0">
+                <a:solidFill>
+                  <a:srgbClr val="05426B"/>
+                </a:solidFill>
+              </a:rPr>
+              <a:t>Vorwissen</a:t>
+            </a:r>
+          </a:p>
+        </p:txBody>
+      </p:sp>
+      <p:sp>
+        <p:nvSpPr>
+          <p:cNvPr id="6" name="Abgerundetes Rechteck 5">
+            <a:extLst>
+              <a:ext uri="{FF2B5EF4-FFF2-40B4-BE49-F238E27FC236}">
+                <a16:creationId xmlns:a16="http://schemas.microsoft.com/office/drawing/2014/main" id="{DC4F8F3E-6058-3142-B7F5-6A341B105AE3}"/>
+              </a:ext>
+            </a:extLst>
+          </p:cNvPr>
+          <p:cNvSpPr/>
+          <p:nvPr/>
+        </p:nvSpPr>
+        <p:spPr>
+          <a:xfrm>
+            <a:off x="4416552" y="3800856"/>
+            <a:ext cx="3483864" cy="1554480"/>
+          </a:xfrm>
+          <a:prstGeom prst="roundRect">
+            <a:avLst/>
+          </a:prstGeom>
+          <a:solidFill>
+            <a:srgbClr val="FFC000"/>
+          </a:solidFill>
+        </p:spPr>
+        <p:style>
+          <a:lnRef idx="2">
+            <a:schemeClr val="accent1">
+              <a:shade val="50000"/>
+            </a:schemeClr>
+          </a:lnRef>
+          <a:fillRef idx="1">
+            <a:schemeClr val="accent1"/>
+          </a:fillRef>
+          <a:effectRef idx="0">
+            <a:schemeClr val="accent1"/>
+          </a:effectRef>
+          <a:fontRef idx="minor">
+            <a:schemeClr val="lt1"/>
+          </a:fontRef>
+        </p:style>
+        <p:txBody>
+          <a:bodyPr rtlCol="0" anchor="ctr"/>
+          <a:lstStyle/>
+          <a:p>
+            <a:pPr algn="ctr"/>
+            <a:r>
+              <a:rPr lang="de-DE" sz="4400" dirty="0">
+                <a:solidFill>
+                  <a:srgbClr val="05426B"/>
+                </a:solidFill>
+              </a:rPr>
+              <a:t>Praxis</a:t>
+            </a:r>
+          </a:p>
+        </p:txBody>
+      </p:sp>
+      <p:cxnSp>
+        <p:nvCxnSpPr>
+          <p:cNvPr id="8" name="Gekrümmte Verbindung 7">
+            <a:extLst>
+              <a:ext uri="{FF2B5EF4-FFF2-40B4-BE49-F238E27FC236}">
+                <a16:creationId xmlns:a16="http://schemas.microsoft.com/office/drawing/2014/main" id="{7F11355C-9506-0D43-9A1B-588FD6363DA8}"/>
+              </a:ext>
+            </a:extLst>
+          </p:cNvPr>
+          <p:cNvCxnSpPr>
+            <a:cxnSpLocks/>
+            <a:stCxn id="6" idx="3"/>
+            <a:endCxn id="5" idx="3"/>
+          </p:cNvCxnSpPr>
+          <p:nvPr/>
+        </p:nvCxnSpPr>
+        <p:spPr>
+          <a:xfrm flipV="1">
+            <a:off x="7900416" y="2011680"/>
+            <a:ext cx="12700" cy="2566416"/>
+          </a:xfrm>
+          <a:prstGeom prst="curvedConnector3">
+            <a:avLst>
+              <a:gd name="adj1" fmla="val 9576000"/>
+            </a:avLst>
+          </a:prstGeom>
+          <a:ln w="76200">
+            <a:solidFill>
+              <a:srgbClr val="FFC000"/>
+            </a:solidFill>
+            <a:tailEnd type="triangle"/>
+          </a:ln>
+        </p:spPr>
+        <p:style>
+          <a:lnRef idx="1">
+            <a:schemeClr val="accent1"/>
+          </a:lnRef>
+          <a:fillRef idx="0">
+            <a:schemeClr val="accent1"/>
+          </a:fillRef>
+          <a:effectRef idx="0">
+            <a:schemeClr val="accent1"/>
+          </a:effectRef>
+          <a:fontRef idx="minor">
+            <a:schemeClr val="tx1"/>
+          </a:fontRef>
+        </p:style>
+      </p:cxnSp>
+      <p:cxnSp>
+        <p:nvCxnSpPr>
+          <p:cNvPr id="11" name="Gekrümmte Verbindung 10">
+            <a:extLst>
+              <a:ext uri="{FF2B5EF4-FFF2-40B4-BE49-F238E27FC236}">
+                <a16:creationId xmlns:a16="http://schemas.microsoft.com/office/drawing/2014/main" id="{5B4E6F7D-522E-AD4B-BCE3-4A840291E2EB}"/>
+              </a:ext>
+            </a:extLst>
+          </p:cNvPr>
+          <p:cNvCxnSpPr>
+            <a:cxnSpLocks/>
+            <a:stCxn id="5" idx="1"/>
+            <a:endCxn id="6" idx="1"/>
+          </p:cNvCxnSpPr>
+          <p:nvPr/>
+        </p:nvCxnSpPr>
+        <p:spPr>
+          <a:xfrm rot="10800000" flipV="1">
+            <a:off x="4416552" y="2011680"/>
+            <a:ext cx="12700" cy="2566416"/>
+          </a:xfrm>
+          <a:prstGeom prst="curvedConnector3">
+            <a:avLst>
+              <a:gd name="adj1" fmla="val 10368000"/>
+            </a:avLst>
+          </a:prstGeom>
+          <a:ln w="76200">
+            <a:solidFill>
+              <a:srgbClr val="FFC000"/>
+            </a:solidFill>
+            <a:tailEnd type="triangle"/>
+          </a:ln>
+        </p:spPr>
+        <p:style>
+          <a:lnRef idx="1">
+            <a:schemeClr val="accent1"/>
+          </a:lnRef>
+          <a:fillRef idx="0">
+            <a:schemeClr val="accent1"/>
+          </a:fillRef>
+          <a:effectRef idx="0">
+            <a:schemeClr val="accent1"/>
+          </a:effectRef>
+          <a:fontRef idx="minor">
+            <a:schemeClr val="tx1"/>
+          </a:fontRef>
+        </p:style>
+      </p:cxnSp>
+      <p:sp>
+        <p:nvSpPr>
+          <p:cNvPr id="15" name="Textfeld 14">
+            <a:extLst>
+              <a:ext uri="{FF2B5EF4-FFF2-40B4-BE49-F238E27FC236}">
+                <a16:creationId xmlns:a16="http://schemas.microsoft.com/office/drawing/2014/main" id="{638C8B73-A0B8-DD46-9221-DB1107315A36}"/>
+              </a:ext>
+            </a:extLst>
+          </p:cNvPr>
+          <p:cNvSpPr txBox="1"/>
+          <p:nvPr/>
+        </p:nvSpPr>
+        <p:spPr>
+          <a:xfrm flipH="1">
+            <a:off x="1033271" y="2943844"/>
+            <a:ext cx="2352037" cy="646331"/>
+          </a:xfrm>
+          <a:prstGeom prst="rect">
+            <a:avLst/>
+          </a:prstGeom>
+          <a:noFill/>
+        </p:spPr>
+        <p:txBody>
+          <a:bodyPr wrap="square" rtlCol="0">
+            <a:spAutoFit/>
+          </a:bodyPr>
+          <a:lstStyle/>
+          <a:p>
+            <a:r>
+              <a:rPr lang="de-DE" sz="3600" b="1" dirty="0">
+                <a:solidFill>
+                  <a:schemeClr val="bg1"/>
+                </a:solidFill>
+              </a:rPr>
+              <a:t>Deduktiv</a:t>
+            </a:r>
+          </a:p>
+        </p:txBody>
+      </p:sp>
+      <p:sp>
+        <p:nvSpPr>
+          <p:cNvPr id="16" name="Textfeld 15">
+            <a:extLst>
+              <a:ext uri="{FF2B5EF4-FFF2-40B4-BE49-F238E27FC236}">
+                <a16:creationId xmlns:a16="http://schemas.microsoft.com/office/drawing/2014/main" id="{FC0C9D46-4241-B746-9E68-F0CB45C0A27A}"/>
+              </a:ext>
+            </a:extLst>
+          </p:cNvPr>
+          <p:cNvSpPr txBox="1"/>
+          <p:nvPr/>
+        </p:nvSpPr>
+        <p:spPr>
+          <a:xfrm flipH="1">
+            <a:off x="9369551" y="2943844"/>
+            <a:ext cx="2352037" cy="646331"/>
+          </a:xfrm>
+          <a:prstGeom prst="rect">
+            <a:avLst/>
+          </a:prstGeom>
+          <a:noFill/>
+        </p:spPr>
+        <p:txBody>
+          <a:bodyPr wrap="square" rtlCol="0">
+            <a:spAutoFit/>
+          </a:bodyPr>
+          <a:lstStyle/>
+          <a:p>
+            <a:r>
+              <a:rPr lang="de-DE" sz="3600" b="1" dirty="0">
+                <a:solidFill>
+                  <a:schemeClr val="bg1"/>
+                </a:solidFill>
+              </a:rPr>
+              <a:t>Induktiv</a:t>
+            </a:r>
+          </a:p>
+        </p:txBody>
+      </p:sp>
+      <p:sp>
+        <p:nvSpPr>
+          <p:cNvPr id="2" name="Textfeld 1">
+            <a:extLst>
+              <a:ext uri="{FF2B5EF4-FFF2-40B4-BE49-F238E27FC236}">
+                <a16:creationId xmlns:a16="http://schemas.microsoft.com/office/drawing/2014/main" id="{5CAA65CB-E257-C02F-3AE8-B493B898D83B}"/>
+              </a:ext>
+            </a:extLst>
+          </p:cNvPr>
+          <p:cNvSpPr txBox="1"/>
+          <p:nvPr/>
+        </p:nvSpPr>
+        <p:spPr>
+          <a:xfrm rot="21085416" flipH="1">
+            <a:off x="711536" y="3931765"/>
+            <a:ext cx="2673771" cy="646331"/>
+          </a:xfrm>
+          <a:prstGeom prst="rect">
+            <a:avLst/>
+          </a:prstGeom>
+          <a:noFill/>
+        </p:spPr>
+        <p:txBody>
+          <a:bodyPr wrap="square" rtlCol="0">
+            <a:spAutoFit/>
+          </a:bodyPr>
+          <a:lstStyle/>
+          <a:p>
+            <a:pPr algn="ctr"/>
+            <a:r>
+              <a:rPr lang="de-DE" sz="3600" b="1" dirty="0">
                 <a:solidFill>
                   <a:srgbClr val="FFC000"/>
                 </a:solidFill>
               </a:rPr>
-              <a:t>Jede </a:t>
-            </a:r>
-            <a:r>
-              <a:rPr lang="de-DE" dirty="0"/>
-              <a:t>empirische Studie hat einen beschreibenden Teil.</a:t>
-            </a:r>
-          </a:p>
-          <a:p>
-            <a:pPr marL="7937" indent="0">
-              <a:buNone/>
-            </a:pPr>
-            <a:r>
-              <a:rPr lang="de-DE" dirty="0"/>
-              <a:t>	</a:t>
-            </a:r>
-            <a:r>
-              <a:rPr lang="de-DE" sz="3600" dirty="0"/>
-              <a:t>Es werden erhobene Daten beschrieben</a:t>
-            </a:r>
-          </a:p>
-          <a:p>
-            <a:pPr marL="7937" indent="0">
-              <a:buNone/>
-            </a:pPr>
-            <a:endParaRPr lang="de-DE" dirty="0"/>
-          </a:p>
-          <a:p>
-            <a:pPr marL="7937" indent="0">
-              <a:buNone/>
-            </a:pPr>
-            <a:r>
-              <a:rPr lang="de-DE" dirty="0"/>
-              <a:t>Beschreibenden Statistik bezeichnet man als </a:t>
-            </a:r>
-            <a:r>
-              <a:rPr lang="de-DE" dirty="0">
-                <a:solidFill>
-                  <a:srgbClr val="FFC000"/>
-                </a:solidFill>
-              </a:rPr>
-              <a:t>deskriptive Statistik</a:t>
+              <a:t>Hypothesen</a:t>
             </a:r>
           </a:p>
         </p:txBody>
@@ -6174,7 +7476,7 @@
     </p:spTree>
     <p:extLst>
       <p:ext uri="{BB962C8B-B14F-4D97-AF65-F5344CB8AC3E}">
-        <p14:creationId xmlns:p14="http://schemas.microsoft.com/office/powerpoint/2010/main" val="928677681"/>
+        <p14:creationId xmlns:p14="http://schemas.microsoft.com/office/powerpoint/2010/main" val="3124198468"/>
       </p:ext>
     </p:extLst>
   </p:cSld>
@@ -6232,7 +7534,949 @@
             </a:pPr>
             <a:r>
               <a:rPr lang="de-DE" dirty="0"/>
-              <a:t>Viele empirische Studien schlussfolgern Aussagen mittels beobachteter Daten. </a:t>
+              <a:t>Als </a:t>
+            </a:r>
+            <a:r>
+              <a:rPr lang="de-DE" dirty="0">
+                <a:solidFill>
+                  <a:srgbClr val="FFC000"/>
+                </a:solidFill>
+              </a:rPr>
+              <a:t>induktive Studien</a:t>
+            </a:r>
+            <a:r>
+              <a:rPr lang="de-DE" dirty="0"/>
+              <a:t> bezeichnet man deduktive Studien, bei denen die Vorannahmen nicht offen gelegt werden.</a:t>
+            </a:r>
+            <a:endParaRPr lang="de-DE" dirty="0">
+              <a:solidFill>
+                <a:srgbClr val="FFC000"/>
+              </a:solidFill>
+            </a:endParaRPr>
+          </a:p>
+        </p:txBody>
+      </p:sp>
+    </p:spTree>
+    <p:extLst>
+      <p:ext uri="{BB962C8B-B14F-4D97-AF65-F5344CB8AC3E}">
+        <p14:creationId xmlns:p14="http://schemas.microsoft.com/office/powerpoint/2010/main" val="784914255"/>
+      </p:ext>
+    </p:extLst>
+  </p:cSld>
+  <p:clrMapOvr>
+    <a:masterClrMapping/>
+  </p:clrMapOvr>
+</p:sld>
+</file>
+
+<file path=ppt/slides/slide23.xml><?xml version="1.0" encoding="utf-8"?>
+<p:sld xmlns:a="http://schemas.openxmlformats.org/drawingml/2006/main" xmlns:r="http://schemas.openxmlformats.org/officeDocument/2006/relationships" xmlns:p="http://schemas.openxmlformats.org/presentationml/2006/main">
+  <p:cSld>
+    <p:spTree>
+      <p:nvGrpSpPr>
+        <p:cNvPr id="1" name=""/>
+        <p:cNvGrpSpPr/>
+        <p:nvPr/>
+      </p:nvGrpSpPr>
+      <p:grpSpPr>
+        <a:xfrm>
+          <a:off x="0" y="0"/>
+          <a:ext cx="0" cy="0"/>
+          <a:chOff x="0" y="0"/>
+          <a:chExt cx="0" cy="0"/>
+        </a:xfrm>
+      </p:grpSpPr>
+      <p:sp>
+        <p:nvSpPr>
+          <p:cNvPr id="5" name="Abgerundetes Rechteck 4">
+            <a:extLst>
+              <a:ext uri="{FF2B5EF4-FFF2-40B4-BE49-F238E27FC236}">
+                <a16:creationId xmlns:a16="http://schemas.microsoft.com/office/drawing/2014/main" id="{FA7A754A-2B57-A24E-9C3E-297F17BEFD15}"/>
+              </a:ext>
+            </a:extLst>
+          </p:cNvPr>
+          <p:cNvSpPr/>
+          <p:nvPr/>
+        </p:nvSpPr>
+        <p:spPr>
+          <a:xfrm>
+            <a:off x="4416552" y="1234440"/>
+            <a:ext cx="3483864" cy="1554480"/>
+          </a:xfrm>
+          <a:prstGeom prst="roundRect">
+            <a:avLst/>
+          </a:prstGeom>
+          <a:solidFill>
+            <a:srgbClr val="FFC000"/>
+          </a:solidFill>
+        </p:spPr>
+        <p:style>
+          <a:lnRef idx="2">
+            <a:schemeClr val="accent1">
+              <a:shade val="50000"/>
+            </a:schemeClr>
+          </a:lnRef>
+          <a:fillRef idx="1">
+            <a:schemeClr val="accent1"/>
+          </a:fillRef>
+          <a:effectRef idx="0">
+            <a:schemeClr val="accent1"/>
+          </a:effectRef>
+          <a:fontRef idx="minor">
+            <a:schemeClr val="lt1"/>
+          </a:fontRef>
+        </p:style>
+        <p:txBody>
+          <a:bodyPr rtlCol="0" anchor="ctr"/>
+          <a:lstStyle/>
+          <a:p>
+            <a:pPr algn="ctr"/>
+            <a:r>
+              <a:rPr lang="de-DE" sz="4400" dirty="0">
+                <a:solidFill>
+                  <a:srgbClr val="05426B"/>
+                </a:solidFill>
+              </a:rPr>
+              <a:t>Theorie</a:t>
+            </a:r>
+          </a:p>
+        </p:txBody>
+      </p:sp>
+      <p:sp>
+        <p:nvSpPr>
+          <p:cNvPr id="6" name="Abgerundetes Rechteck 5">
+            <a:extLst>
+              <a:ext uri="{FF2B5EF4-FFF2-40B4-BE49-F238E27FC236}">
+                <a16:creationId xmlns:a16="http://schemas.microsoft.com/office/drawing/2014/main" id="{DC4F8F3E-6058-3142-B7F5-6A341B105AE3}"/>
+              </a:ext>
+            </a:extLst>
+          </p:cNvPr>
+          <p:cNvSpPr/>
+          <p:nvPr/>
+        </p:nvSpPr>
+        <p:spPr>
+          <a:xfrm>
+            <a:off x="4416552" y="3800856"/>
+            <a:ext cx="3483864" cy="1554480"/>
+          </a:xfrm>
+          <a:prstGeom prst="roundRect">
+            <a:avLst/>
+          </a:prstGeom>
+          <a:solidFill>
+            <a:srgbClr val="FFC000"/>
+          </a:solidFill>
+        </p:spPr>
+        <p:style>
+          <a:lnRef idx="2">
+            <a:schemeClr val="accent1">
+              <a:shade val="50000"/>
+            </a:schemeClr>
+          </a:lnRef>
+          <a:fillRef idx="1">
+            <a:schemeClr val="accent1"/>
+          </a:fillRef>
+          <a:effectRef idx="0">
+            <a:schemeClr val="accent1"/>
+          </a:effectRef>
+          <a:fontRef idx="minor">
+            <a:schemeClr val="lt1"/>
+          </a:fontRef>
+        </p:style>
+        <p:txBody>
+          <a:bodyPr rtlCol="0" anchor="ctr"/>
+          <a:lstStyle/>
+          <a:p>
+            <a:pPr algn="ctr"/>
+            <a:r>
+              <a:rPr lang="de-DE" sz="4400" dirty="0">
+                <a:solidFill>
+                  <a:srgbClr val="05426B"/>
+                </a:solidFill>
+              </a:rPr>
+              <a:t>Einzelstudie</a:t>
+            </a:r>
+          </a:p>
+        </p:txBody>
+      </p:sp>
+      <p:cxnSp>
+        <p:nvCxnSpPr>
+          <p:cNvPr id="8" name="Gekrümmte Verbindung 7">
+            <a:extLst>
+              <a:ext uri="{FF2B5EF4-FFF2-40B4-BE49-F238E27FC236}">
+                <a16:creationId xmlns:a16="http://schemas.microsoft.com/office/drawing/2014/main" id="{7F11355C-9506-0D43-9A1B-588FD6363DA8}"/>
+              </a:ext>
+            </a:extLst>
+          </p:cNvPr>
+          <p:cNvCxnSpPr>
+            <a:cxnSpLocks/>
+            <a:stCxn id="6" idx="3"/>
+            <a:endCxn id="5" idx="3"/>
+          </p:cNvCxnSpPr>
+          <p:nvPr/>
+        </p:nvCxnSpPr>
+        <p:spPr>
+          <a:xfrm flipV="1">
+            <a:off x="7900416" y="2011680"/>
+            <a:ext cx="12700" cy="2566416"/>
+          </a:xfrm>
+          <a:prstGeom prst="curvedConnector3">
+            <a:avLst>
+              <a:gd name="adj1" fmla="val 9576000"/>
+            </a:avLst>
+          </a:prstGeom>
+          <a:ln w="76200">
+            <a:solidFill>
+              <a:srgbClr val="FFC000"/>
+            </a:solidFill>
+            <a:tailEnd type="triangle"/>
+          </a:ln>
+        </p:spPr>
+        <p:style>
+          <a:lnRef idx="1">
+            <a:schemeClr val="accent1"/>
+          </a:lnRef>
+          <a:fillRef idx="0">
+            <a:schemeClr val="accent1"/>
+          </a:fillRef>
+          <a:effectRef idx="0">
+            <a:schemeClr val="accent1"/>
+          </a:effectRef>
+          <a:fontRef idx="minor">
+            <a:schemeClr val="tx1"/>
+          </a:fontRef>
+        </p:style>
+      </p:cxnSp>
+      <p:cxnSp>
+        <p:nvCxnSpPr>
+          <p:cNvPr id="11" name="Gekrümmte Verbindung 10">
+            <a:extLst>
+              <a:ext uri="{FF2B5EF4-FFF2-40B4-BE49-F238E27FC236}">
+                <a16:creationId xmlns:a16="http://schemas.microsoft.com/office/drawing/2014/main" id="{5B4E6F7D-522E-AD4B-BCE3-4A840291E2EB}"/>
+              </a:ext>
+            </a:extLst>
+          </p:cNvPr>
+          <p:cNvCxnSpPr>
+            <a:cxnSpLocks/>
+            <a:stCxn id="5" idx="1"/>
+            <a:endCxn id="6" idx="1"/>
+          </p:cNvCxnSpPr>
+          <p:nvPr/>
+        </p:nvCxnSpPr>
+        <p:spPr>
+          <a:xfrm rot="10800000" flipV="1">
+            <a:off x="4416552" y="2011680"/>
+            <a:ext cx="12700" cy="2566416"/>
+          </a:xfrm>
+          <a:prstGeom prst="curvedConnector3">
+            <a:avLst>
+              <a:gd name="adj1" fmla="val 10368000"/>
+            </a:avLst>
+          </a:prstGeom>
+          <a:ln w="76200">
+            <a:solidFill>
+              <a:srgbClr val="FFC000"/>
+            </a:solidFill>
+            <a:tailEnd type="triangle"/>
+          </a:ln>
+        </p:spPr>
+        <p:style>
+          <a:lnRef idx="1">
+            <a:schemeClr val="accent1"/>
+          </a:lnRef>
+          <a:fillRef idx="0">
+            <a:schemeClr val="accent1"/>
+          </a:fillRef>
+          <a:effectRef idx="0">
+            <a:schemeClr val="accent1"/>
+          </a:effectRef>
+          <a:fontRef idx="minor">
+            <a:schemeClr val="tx1"/>
+          </a:fontRef>
+        </p:style>
+      </p:cxnSp>
+      <p:sp>
+        <p:nvSpPr>
+          <p:cNvPr id="15" name="Textfeld 14">
+            <a:extLst>
+              <a:ext uri="{FF2B5EF4-FFF2-40B4-BE49-F238E27FC236}">
+                <a16:creationId xmlns:a16="http://schemas.microsoft.com/office/drawing/2014/main" id="{638C8B73-A0B8-DD46-9221-DB1107315A36}"/>
+              </a:ext>
+            </a:extLst>
+          </p:cNvPr>
+          <p:cNvSpPr txBox="1"/>
+          <p:nvPr/>
+        </p:nvSpPr>
+        <p:spPr>
+          <a:xfrm flipH="1">
+            <a:off x="1033271" y="2943844"/>
+            <a:ext cx="2352037" cy="646331"/>
+          </a:xfrm>
+          <a:prstGeom prst="rect">
+            <a:avLst/>
+          </a:prstGeom>
+          <a:noFill/>
+        </p:spPr>
+        <p:txBody>
+          <a:bodyPr wrap="square" rtlCol="0">
+            <a:spAutoFit/>
+          </a:bodyPr>
+          <a:lstStyle/>
+          <a:p>
+            <a:r>
+              <a:rPr lang="de-DE" sz="3600" b="1" dirty="0">
+                <a:solidFill>
+                  <a:schemeClr val="bg1"/>
+                </a:solidFill>
+              </a:rPr>
+              <a:t>Deduktiv</a:t>
+            </a:r>
+          </a:p>
+        </p:txBody>
+      </p:sp>
+      <p:sp>
+        <p:nvSpPr>
+          <p:cNvPr id="16" name="Textfeld 15">
+            <a:extLst>
+              <a:ext uri="{FF2B5EF4-FFF2-40B4-BE49-F238E27FC236}">
+                <a16:creationId xmlns:a16="http://schemas.microsoft.com/office/drawing/2014/main" id="{FC0C9D46-4241-B746-9E68-F0CB45C0A27A}"/>
+              </a:ext>
+            </a:extLst>
+          </p:cNvPr>
+          <p:cNvSpPr txBox="1"/>
+          <p:nvPr/>
+        </p:nvSpPr>
+        <p:spPr>
+          <a:xfrm flipH="1">
+            <a:off x="9369551" y="2943844"/>
+            <a:ext cx="2352037" cy="646331"/>
+          </a:xfrm>
+          <a:prstGeom prst="rect">
+            <a:avLst/>
+          </a:prstGeom>
+          <a:noFill/>
+        </p:spPr>
+        <p:txBody>
+          <a:bodyPr wrap="square" rtlCol="0">
+            <a:spAutoFit/>
+          </a:bodyPr>
+          <a:lstStyle/>
+          <a:p>
+            <a:r>
+              <a:rPr lang="de-DE" sz="3600" b="1" dirty="0">
+                <a:solidFill>
+                  <a:schemeClr val="bg1"/>
+                </a:solidFill>
+              </a:rPr>
+              <a:t>Induktiv</a:t>
+            </a:r>
+          </a:p>
+        </p:txBody>
+      </p:sp>
+      <p:sp>
+        <p:nvSpPr>
+          <p:cNvPr id="2" name="Textfeld 1">
+            <a:extLst>
+              <a:ext uri="{FF2B5EF4-FFF2-40B4-BE49-F238E27FC236}">
+                <a16:creationId xmlns:a16="http://schemas.microsoft.com/office/drawing/2014/main" id="{157ECEF1-EBD2-1C2C-BBDA-0F93286B15BA}"/>
+              </a:ext>
+            </a:extLst>
+          </p:cNvPr>
+          <p:cNvSpPr txBox="1"/>
+          <p:nvPr/>
+        </p:nvSpPr>
+        <p:spPr>
+          <a:xfrm>
+            <a:off x="9657708" y="2943844"/>
+            <a:ext cx="1018227" cy="1092607"/>
+          </a:xfrm>
+          <a:prstGeom prst="rect">
+            <a:avLst/>
+          </a:prstGeom>
+          <a:noFill/>
+        </p:spPr>
+        <p:txBody>
+          <a:bodyPr wrap="none" rtlCol="0">
+            <a:spAutoFit/>
+          </a:bodyPr>
+          <a:lstStyle/>
+          <a:p>
+            <a:r>
+              <a:rPr lang="de-DE" sz="6500" dirty="0"/>
+              <a:t>❌</a:t>
+            </a:r>
+          </a:p>
+        </p:txBody>
+      </p:sp>
+      <p:sp>
+        <p:nvSpPr>
+          <p:cNvPr id="3" name="Textfeld 2">
+            <a:extLst>
+              <a:ext uri="{FF2B5EF4-FFF2-40B4-BE49-F238E27FC236}">
+                <a16:creationId xmlns:a16="http://schemas.microsoft.com/office/drawing/2014/main" id="{1DBF21D2-77E2-B142-4793-1414EC3E94A5}"/>
+              </a:ext>
+            </a:extLst>
+          </p:cNvPr>
+          <p:cNvSpPr txBox="1"/>
+          <p:nvPr/>
+        </p:nvSpPr>
+        <p:spPr>
+          <a:xfrm rot="20696895" flipH="1">
+            <a:off x="9237726" y="2003198"/>
+            <a:ext cx="2352037" cy="646331"/>
+          </a:xfrm>
+          <a:prstGeom prst="rect">
+            <a:avLst/>
+          </a:prstGeom>
+          <a:noFill/>
+        </p:spPr>
+        <p:txBody>
+          <a:bodyPr wrap="square" rtlCol="0">
+            <a:spAutoFit/>
+          </a:bodyPr>
+          <a:lstStyle/>
+          <a:p>
+            <a:r>
+              <a:rPr lang="de-DE" sz="3600" b="1" dirty="0">
+                <a:solidFill>
+                  <a:srgbClr val="FFC000"/>
+                </a:solidFill>
+              </a:rPr>
+              <a:t>Fakten</a:t>
+            </a:r>
+          </a:p>
+        </p:txBody>
+      </p:sp>
+      <p:sp>
+        <p:nvSpPr>
+          <p:cNvPr id="4" name="Textfeld 3">
+            <a:extLst>
+              <a:ext uri="{FF2B5EF4-FFF2-40B4-BE49-F238E27FC236}">
+                <a16:creationId xmlns:a16="http://schemas.microsoft.com/office/drawing/2014/main" id="{6FBC59B6-C007-66E1-1EE3-421094976FB5}"/>
+              </a:ext>
+            </a:extLst>
+          </p:cNvPr>
+          <p:cNvSpPr txBox="1"/>
+          <p:nvPr/>
+        </p:nvSpPr>
+        <p:spPr>
+          <a:xfrm rot="21085416" flipH="1">
+            <a:off x="428504" y="3803536"/>
+            <a:ext cx="2673771" cy="646331"/>
+          </a:xfrm>
+          <a:prstGeom prst="rect">
+            <a:avLst/>
+          </a:prstGeom>
+          <a:noFill/>
+        </p:spPr>
+        <p:txBody>
+          <a:bodyPr wrap="square" rtlCol="0">
+            <a:spAutoFit/>
+          </a:bodyPr>
+          <a:lstStyle/>
+          <a:p>
+            <a:pPr algn="ctr"/>
+            <a:r>
+              <a:rPr lang="de-DE" sz="3600" b="1" dirty="0">
+                <a:solidFill>
+                  <a:srgbClr val="FFC000"/>
+                </a:solidFill>
+              </a:rPr>
+              <a:t>Hypothesen</a:t>
+            </a:r>
+          </a:p>
+        </p:txBody>
+      </p:sp>
+    </p:spTree>
+    <p:extLst>
+      <p:ext uri="{BB962C8B-B14F-4D97-AF65-F5344CB8AC3E}">
+        <p14:creationId xmlns:p14="http://schemas.microsoft.com/office/powerpoint/2010/main" val="158761898"/>
+      </p:ext>
+    </p:extLst>
+  </p:cSld>
+  <p:clrMapOvr>
+    <a:masterClrMapping/>
+  </p:clrMapOvr>
+</p:sld>
+</file>
+
+<file path=ppt/slides/slide24.xml><?xml version="1.0" encoding="utf-8"?>
+<p:sld xmlns:a="http://schemas.openxmlformats.org/drawingml/2006/main" xmlns:r="http://schemas.openxmlformats.org/officeDocument/2006/relationships" xmlns:p="http://schemas.openxmlformats.org/presentationml/2006/main">
+  <p:cSld>
+    <p:spTree>
+      <p:nvGrpSpPr>
+        <p:cNvPr id="1" name=""/>
+        <p:cNvGrpSpPr/>
+        <p:nvPr/>
+      </p:nvGrpSpPr>
+      <p:grpSpPr>
+        <a:xfrm>
+          <a:off x="0" y="0"/>
+          <a:ext cx="0" cy="0"/>
+          <a:chOff x="0" y="0"/>
+          <a:chExt cx="0" cy="0"/>
+        </a:xfrm>
+      </p:grpSpPr>
+      <p:sp>
+        <p:nvSpPr>
+          <p:cNvPr id="3" name="Inhaltsplatzhalter 2">
+            <a:extLst>
+              <a:ext uri="{FF2B5EF4-FFF2-40B4-BE49-F238E27FC236}">
+                <a16:creationId xmlns:a16="http://schemas.microsoft.com/office/drawing/2014/main" id="{A7B4FA95-A35C-EA41-A65D-21FF202B48E1}"/>
+              </a:ext>
+            </a:extLst>
+          </p:cNvPr>
+          <p:cNvSpPr>
+            <a:spLocks noGrp="1"/>
+          </p:cNvSpPr>
+          <p:nvPr>
+            <p:ph idx="1"/>
+          </p:nvPr>
+        </p:nvSpPr>
+        <p:spPr>
+          <a:xfrm>
+            <a:off x="673813" y="457508"/>
+            <a:ext cx="10515600" cy="5472875"/>
+          </a:xfrm>
+        </p:spPr>
+        <p:txBody>
+          <a:bodyPr anchor="ctr">
+            <a:normAutofit/>
+          </a:bodyPr>
+          <a:lstStyle/>
+          <a:p>
+            <a:pPr marL="7937" indent="0">
+              <a:buNone/>
+            </a:pPr>
+            <a:r>
+              <a:rPr lang="de-DE" sz="4000" dirty="0"/>
+              <a:t>Wir müssen unsere Hypothesen in eine Form bringen, sodass wir die </a:t>
+            </a:r>
+            <a:r>
+              <a:rPr lang="de-DE" sz="4000" dirty="0">
+                <a:solidFill>
+                  <a:srgbClr val="FFC000"/>
+                </a:solidFill>
+              </a:rPr>
+              <a:t>Ausprägungen</a:t>
+            </a:r>
+            <a:r>
+              <a:rPr lang="de-DE" sz="4000" dirty="0"/>
+              <a:t> unserer Variablen verschiedenen Antwortmöglichkeiten zuordnen können.</a:t>
+            </a:r>
+          </a:p>
+        </p:txBody>
+      </p:sp>
+    </p:spTree>
+    <p:extLst>
+      <p:ext uri="{BB962C8B-B14F-4D97-AF65-F5344CB8AC3E}">
+        <p14:creationId xmlns:p14="http://schemas.microsoft.com/office/powerpoint/2010/main" val="1645316800"/>
+      </p:ext>
+    </p:extLst>
+  </p:cSld>
+  <p:clrMapOvr>
+    <a:masterClrMapping/>
+  </p:clrMapOvr>
+</p:sld>
+</file>
+
+<file path=ppt/slides/slide25.xml><?xml version="1.0" encoding="utf-8"?>
+<p:sld xmlns:a="http://schemas.openxmlformats.org/drawingml/2006/main" xmlns:r="http://schemas.openxmlformats.org/officeDocument/2006/relationships" xmlns:p="http://schemas.openxmlformats.org/presentationml/2006/main">
+  <p:cSld>
+    <p:spTree>
+      <p:nvGrpSpPr>
+        <p:cNvPr id="1" name=""/>
+        <p:cNvGrpSpPr/>
+        <p:nvPr/>
+      </p:nvGrpSpPr>
+      <p:grpSpPr>
+        <a:xfrm>
+          <a:off x="0" y="0"/>
+          <a:ext cx="0" cy="0"/>
+          <a:chOff x="0" y="0"/>
+          <a:chExt cx="0" cy="0"/>
+        </a:xfrm>
+      </p:grpSpPr>
+      <p:sp>
+        <p:nvSpPr>
+          <p:cNvPr id="3" name="Inhaltsplatzhalter 2">
+            <a:extLst>
+              <a:ext uri="{FF2B5EF4-FFF2-40B4-BE49-F238E27FC236}">
+                <a16:creationId xmlns:a16="http://schemas.microsoft.com/office/drawing/2014/main" id="{A7B4FA95-A35C-EA41-A65D-21FF202B48E1}"/>
+              </a:ext>
+            </a:extLst>
+          </p:cNvPr>
+          <p:cNvSpPr>
+            <a:spLocks noGrp="1"/>
+          </p:cNvSpPr>
+          <p:nvPr>
+            <p:ph idx="1"/>
+          </p:nvPr>
+        </p:nvSpPr>
+        <p:spPr>
+          <a:xfrm>
+            <a:off x="838200" y="704088"/>
+            <a:ext cx="10515600" cy="5472875"/>
+          </a:xfrm>
+        </p:spPr>
+        <p:txBody>
+          <a:bodyPr anchor="ctr">
+            <a:normAutofit/>
+          </a:bodyPr>
+          <a:lstStyle/>
+          <a:p>
+            <a:pPr marL="7937" indent="0">
+              <a:buNone/>
+            </a:pPr>
+            <a:r>
+              <a:rPr lang="de-DE" sz="4000" dirty="0"/>
+              <a:t>Indem wir unsere Vorannahmen offenlegen, können wir Antworten formulieren, die sich messbaren Eigenschaften oder Merkmalen zuordnen lassen.</a:t>
+            </a:r>
+          </a:p>
+          <a:p>
+            <a:pPr marL="7937" indent="0">
+              <a:buNone/>
+            </a:pPr>
+            <a:endParaRPr lang="de-DE" sz="4000" dirty="0">
+              <a:solidFill>
+                <a:srgbClr val="FFC000"/>
+              </a:solidFill>
+            </a:endParaRPr>
+          </a:p>
+          <a:p>
+            <a:pPr marL="7937" indent="0">
+              <a:buNone/>
+            </a:pPr>
+            <a:r>
+              <a:rPr lang="de-DE" sz="4000" dirty="0">
+                <a:solidFill>
+                  <a:schemeClr val="bg1"/>
+                </a:solidFill>
+              </a:rPr>
+              <a:t>Diese messbaren Eigenschaften oder Merkmale bezeichnen wir als </a:t>
+            </a:r>
+            <a:r>
+              <a:rPr lang="de-DE" sz="4000" dirty="0">
+                <a:solidFill>
+                  <a:srgbClr val="FFC000"/>
+                </a:solidFill>
+              </a:rPr>
+              <a:t>Variablen.</a:t>
+            </a:r>
+          </a:p>
+        </p:txBody>
+      </p:sp>
+    </p:spTree>
+    <p:extLst>
+      <p:ext uri="{BB962C8B-B14F-4D97-AF65-F5344CB8AC3E}">
+        <p14:creationId xmlns:p14="http://schemas.microsoft.com/office/powerpoint/2010/main" val="3796577941"/>
+      </p:ext>
+    </p:extLst>
+  </p:cSld>
+  <p:clrMapOvr>
+    <a:masterClrMapping/>
+  </p:clrMapOvr>
+</p:sld>
+</file>
+
+<file path=ppt/slides/slide26.xml><?xml version="1.0" encoding="utf-8"?>
+<p:sld xmlns:a="http://schemas.openxmlformats.org/drawingml/2006/main" xmlns:r="http://schemas.openxmlformats.org/officeDocument/2006/relationships" xmlns:p="http://schemas.openxmlformats.org/presentationml/2006/main">
+  <p:cSld>
+    <p:spTree>
+      <p:nvGrpSpPr>
+        <p:cNvPr id="1" name=""/>
+        <p:cNvGrpSpPr/>
+        <p:nvPr/>
+      </p:nvGrpSpPr>
+      <p:grpSpPr>
+        <a:xfrm>
+          <a:off x="0" y="0"/>
+          <a:ext cx="0" cy="0"/>
+          <a:chOff x="0" y="0"/>
+          <a:chExt cx="0" cy="0"/>
+        </a:xfrm>
+      </p:grpSpPr>
+      <p:sp>
+        <p:nvSpPr>
+          <p:cNvPr id="3" name="Inhaltsplatzhalter 2">
+            <a:extLst>
+              <a:ext uri="{FF2B5EF4-FFF2-40B4-BE49-F238E27FC236}">
+                <a16:creationId xmlns:a16="http://schemas.microsoft.com/office/drawing/2014/main" id="{A7B4FA95-A35C-EA41-A65D-21FF202B48E1}"/>
+              </a:ext>
+            </a:extLst>
+          </p:cNvPr>
+          <p:cNvSpPr>
+            <a:spLocks noGrp="1"/>
+          </p:cNvSpPr>
+          <p:nvPr>
+            <p:ph idx="1"/>
+          </p:nvPr>
+        </p:nvSpPr>
+        <p:spPr>
+          <a:xfrm>
+            <a:off x="838200" y="529427"/>
+            <a:ext cx="10515600" cy="5472875"/>
+          </a:xfrm>
+        </p:spPr>
+        <p:txBody>
+          <a:bodyPr anchor="ctr">
+            <a:normAutofit lnSpcReduction="10000"/>
+          </a:bodyPr>
+          <a:lstStyle/>
+          <a:p>
+            <a:pPr marL="7937" indent="0">
+              <a:buNone/>
+            </a:pPr>
+            <a:r>
+              <a:rPr lang="de-DE" sz="4000" dirty="0"/>
+              <a:t>Die Statistik stellt uns </a:t>
+            </a:r>
+            <a:r>
+              <a:rPr lang="de-DE" sz="4000" dirty="0">
+                <a:solidFill>
+                  <a:srgbClr val="FFC000"/>
+                </a:solidFill>
+              </a:rPr>
+              <a:t>Werkzeuge</a:t>
+            </a:r>
+            <a:r>
+              <a:rPr lang="de-DE" sz="4000" dirty="0"/>
+              <a:t> zur Verfügung, um systematisch und mithilfe von Daten Aussagen zu überprüfen!</a:t>
+            </a:r>
+          </a:p>
+          <a:p>
+            <a:pPr marL="7937" indent="0">
+              <a:buNone/>
+            </a:pPr>
+            <a:endParaRPr lang="de-DE" sz="4000" dirty="0"/>
+          </a:p>
+          <a:p>
+            <a:pPr marL="7937" indent="0">
+              <a:buNone/>
+            </a:pPr>
+            <a:r>
+              <a:rPr lang="de-DE" sz="4000" dirty="0"/>
+              <a:t>Wir müssen nicht verstehen, wie die Werkzeuge im Detail funktionieren.</a:t>
+            </a:r>
+          </a:p>
+          <a:p>
+            <a:pPr marL="7937" indent="0">
+              <a:buNone/>
+            </a:pPr>
+            <a:endParaRPr lang="de-DE" sz="4000" dirty="0"/>
+          </a:p>
+          <a:p>
+            <a:pPr marL="7937" indent="0">
+              <a:buNone/>
+            </a:pPr>
+            <a:r>
+              <a:rPr lang="de-DE" sz="4000" dirty="0">
+                <a:solidFill>
+                  <a:srgbClr val="FFC000"/>
+                </a:solidFill>
+              </a:rPr>
+              <a:t>Wir müssen verstehen, wie wir die Werkzeuge richtig anwenden. </a:t>
+            </a:r>
+          </a:p>
+        </p:txBody>
+      </p:sp>
+    </p:spTree>
+    <p:extLst>
+      <p:ext uri="{BB962C8B-B14F-4D97-AF65-F5344CB8AC3E}">
+        <p14:creationId xmlns:p14="http://schemas.microsoft.com/office/powerpoint/2010/main" val="4272390406"/>
+      </p:ext>
+    </p:extLst>
+  </p:cSld>
+  <p:clrMapOvr>
+    <a:masterClrMapping/>
+  </p:clrMapOvr>
+</p:sld>
+</file>
+
+<file path=ppt/slides/slide27.xml><?xml version="1.0" encoding="utf-8"?>
+<p:sld xmlns:a="http://schemas.openxmlformats.org/drawingml/2006/main" xmlns:r="http://schemas.openxmlformats.org/officeDocument/2006/relationships" xmlns:p="http://schemas.openxmlformats.org/presentationml/2006/main">
+  <p:cSld>
+    <p:spTree>
+      <p:nvGrpSpPr>
+        <p:cNvPr id="1" name=""/>
+        <p:cNvGrpSpPr/>
+        <p:nvPr/>
+      </p:nvGrpSpPr>
+      <p:grpSpPr>
+        <a:xfrm>
+          <a:off x="0" y="0"/>
+          <a:ext cx="0" cy="0"/>
+          <a:chOff x="0" y="0"/>
+          <a:chExt cx="0" cy="0"/>
+        </a:xfrm>
+      </p:grpSpPr>
+      <p:sp>
+        <p:nvSpPr>
+          <p:cNvPr id="5" name="Rechteck 4">
+            <a:extLst>
+              <a:ext uri="{FF2B5EF4-FFF2-40B4-BE49-F238E27FC236}">
+                <a16:creationId xmlns:a16="http://schemas.microsoft.com/office/drawing/2014/main" id="{3184FEFA-BFC8-0572-5DBD-AE91BD289162}"/>
+              </a:ext>
+            </a:extLst>
+          </p:cNvPr>
+          <p:cNvSpPr/>
+          <p:nvPr/>
+        </p:nvSpPr>
+        <p:spPr>
+          <a:xfrm>
+            <a:off x="3265714" y="0"/>
+            <a:ext cx="5569527" cy="6858000"/>
+          </a:xfrm>
+          <a:prstGeom prst="rect">
+            <a:avLst/>
+          </a:prstGeom>
+          <a:solidFill>
+            <a:schemeClr val="bg1"/>
+          </a:solidFill>
+        </p:spPr>
+        <p:style>
+          <a:lnRef idx="2">
+            <a:schemeClr val="accent1">
+              <a:shade val="15000"/>
+            </a:schemeClr>
+          </a:lnRef>
+          <a:fillRef idx="1">
+            <a:schemeClr val="accent1"/>
+          </a:fillRef>
+          <a:effectRef idx="0">
+            <a:schemeClr val="accent1"/>
+          </a:effectRef>
+          <a:fontRef idx="minor">
+            <a:schemeClr val="lt1"/>
+          </a:fontRef>
+        </p:style>
+        <p:txBody>
+          <a:bodyPr rtlCol="0" anchor="ctr"/>
+          <a:lstStyle/>
+          <a:p>
+            <a:pPr algn="ctr"/>
+            <a:endParaRPr lang="de-DE" dirty="0"/>
+          </a:p>
+        </p:txBody>
+      </p:sp>
+      <p:pic>
+        <p:nvPicPr>
+          <p:cNvPr id="7" name="Grafik 6">
+            <a:extLst>
+              <a:ext uri="{FF2B5EF4-FFF2-40B4-BE49-F238E27FC236}">
+                <a16:creationId xmlns:a16="http://schemas.microsoft.com/office/drawing/2014/main" id="{0BCA9DD7-89D9-8964-0814-18564B3E4CCF}"/>
+              </a:ext>
+            </a:extLst>
+          </p:cNvPr>
+          <p:cNvPicPr>
+            <a:picLocks noChangeAspect="1"/>
+          </p:cNvPicPr>
+          <p:nvPr/>
+        </p:nvPicPr>
+        <p:blipFill>
+          <a:blip r:embed="rId2">
+            <a:extLst>
+              <a:ext uri="{96DAC541-7B7A-43D3-8B79-37D633B846F1}">
+                <asvg:svgBlip xmlns:asvg="http://schemas.microsoft.com/office/drawing/2016/SVG/main" r:embed="rId3"/>
+              </a:ext>
+            </a:extLst>
+          </a:blip>
+          <a:stretch>
+            <a:fillRect/>
+          </a:stretch>
+        </p:blipFill>
+        <p:spPr>
+          <a:xfrm>
+            <a:off x="3443839" y="0"/>
+            <a:ext cx="6743815" cy="6858000"/>
+          </a:xfrm>
+          <a:prstGeom prst="rect">
+            <a:avLst/>
+          </a:prstGeom>
+        </p:spPr>
+      </p:pic>
+    </p:spTree>
+    <p:extLst>
+      <p:ext uri="{BB962C8B-B14F-4D97-AF65-F5344CB8AC3E}">
+        <p14:creationId xmlns:p14="http://schemas.microsoft.com/office/powerpoint/2010/main" val="3941255541"/>
+      </p:ext>
+    </p:extLst>
+  </p:cSld>
+  <p:clrMapOvr>
+    <a:masterClrMapping/>
+  </p:clrMapOvr>
+</p:sld>
+</file>
+
+<file path=ppt/slides/slide28.xml><?xml version="1.0" encoding="utf-8"?>
+<p:sld xmlns:a="http://schemas.openxmlformats.org/drawingml/2006/main" xmlns:r="http://schemas.openxmlformats.org/officeDocument/2006/relationships" xmlns:p="http://schemas.openxmlformats.org/presentationml/2006/main">
+  <p:cSld>
+    <p:spTree>
+      <p:nvGrpSpPr>
+        <p:cNvPr id="1" name=""/>
+        <p:cNvGrpSpPr/>
+        <p:nvPr/>
+      </p:nvGrpSpPr>
+      <p:grpSpPr>
+        <a:xfrm>
+          <a:off x="0" y="0"/>
+          <a:ext cx="0" cy="0"/>
+          <a:chOff x="0" y="0"/>
+          <a:chExt cx="0" cy="0"/>
+        </a:xfrm>
+      </p:grpSpPr>
+      <p:sp>
+        <p:nvSpPr>
+          <p:cNvPr id="3" name="Inhaltsplatzhalter 2">
+            <a:extLst>
+              <a:ext uri="{FF2B5EF4-FFF2-40B4-BE49-F238E27FC236}">
+                <a16:creationId xmlns:a16="http://schemas.microsoft.com/office/drawing/2014/main" id="{A7B4FA95-A35C-EA41-A65D-21FF202B48E1}"/>
+              </a:ext>
+            </a:extLst>
+          </p:cNvPr>
+          <p:cNvSpPr>
+            <a:spLocks noGrp="1"/>
+          </p:cNvSpPr>
+          <p:nvPr>
+            <p:ph idx="1"/>
+          </p:nvPr>
+        </p:nvSpPr>
+        <p:spPr>
+          <a:xfrm>
+            <a:off x="838200" y="704088"/>
+            <a:ext cx="10515600" cy="5472875"/>
+          </a:xfrm>
+        </p:spPr>
+        <p:txBody>
+          <a:bodyPr anchor="ctr"/>
+          <a:lstStyle/>
+          <a:p>
+            <a:pPr marL="7937" indent="0">
+              <a:buNone/>
+            </a:pPr>
+            <a:r>
+              <a:rPr lang="de-DE" dirty="0">
+                <a:solidFill>
+                  <a:srgbClr val="FFC000"/>
+                </a:solidFill>
+              </a:rPr>
+              <a:t>Jede </a:t>
+            </a:r>
+            <a:r>
+              <a:rPr lang="de-DE" dirty="0"/>
+              <a:t>empirische Studie hat einen beschreibenden Teil.</a:t>
+            </a:r>
+          </a:p>
+          <a:p>
+            <a:pPr marL="7937" indent="0">
+              <a:buNone/>
+            </a:pPr>
+            <a:r>
+              <a:rPr lang="de-DE" dirty="0"/>
+              <a:t>	</a:t>
+            </a:r>
+            <a:r>
+              <a:rPr lang="de-DE" sz="3600" dirty="0"/>
+              <a:t>Es werden erhobene Daten beschrieben</a:t>
             </a:r>
           </a:p>
           <a:p>
@@ -6246,8 +8490,223 @@
               <a:buNone/>
             </a:pPr>
             <a:r>
-              <a:rPr lang="de-DE" dirty="0" err="1"/>
-              <a:t>Schliesende</a:t>
+              <a:rPr lang="de-DE" dirty="0"/>
+              <a:t>Beschreibenden Statistik bezeichnet man als </a:t>
+            </a:r>
+            <a:r>
+              <a:rPr lang="de-DE" dirty="0">
+                <a:solidFill>
+                  <a:srgbClr val="FFC000"/>
+                </a:solidFill>
+              </a:rPr>
+              <a:t>deskriptive Statistik</a:t>
+            </a:r>
+          </a:p>
+        </p:txBody>
+      </p:sp>
+    </p:spTree>
+    <p:extLst>
+      <p:ext uri="{BB962C8B-B14F-4D97-AF65-F5344CB8AC3E}">
+        <p14:creationId xmlns:p14="http://schemas.microsoft.com/office/powerpoint/2010/main" val="928677681"/>
+      </p:ext>
+    </p:extLst>
+  </p:cSld>
+  <p:clrMapOvr>
+    <a:masterClrMapping/>
+  </p:clrMapOvr>
+</p:sld>
+</file>
+
+<file path=ppt/slides/slide29.xml><?xml version="1.0" encoding="utf-8"?>
+<p:sld xmlns:a="http://schemas.openxmlformats.org/drawingml/2006/main" xmlns:r="http://schemas.openxmlformats.org/officeDocument/2006/relationships" xmlns:p="http://schemas.openxmlformats.org/presentationml/2006/main">
+  <p:cSld>
+    <p:spTree>
+      <p:nvGrpSpPr>
+        <p:cNvPr id="1" name=""/>
+        <p:cNvGrpSpPr/>
+        <p:nvPr/>
+      </p:nvGrpSpPr>
+      <p:grpSpPr>
+        <a:xfrm>
+          <a:off x="0" y="0"/>
+          <a:ext cx="0" cy="0"/>
+          <a:chOff x="0" y="0"/>
+          <a:chExt cx="0" cy="0"/>
+        </a:xfrm>
+      </p:grpSpPr>
+      <p:sp>
+        <p:nvSpPr>
+          <p:cNvPr id="4" name="Titel 3">
+            <a:extLst>
+              <a:ext uri="{FF2B5EF4-FFF2-40B4-BE49-F238E27FC236}">
+                <a16:creationId xmlns:a16="http://schemas.microsoft.com/office/drawing/2014/main" id="{EB769FC8-95A1-F574-E966-DCDA7793B941}"/>
+              </a:ext>
+            </a:extLst>
+          </p:cNvPr>
+          <p:cNvSpPr>
+            <a:spLocks noGrp="1"/>
+          </p:cNvSpPr>
+          <p:nvPr>
+            <p:ph type="title"/>
+          </p:nvPr>
+        </p:nvSpPr>
+        <p:spPr>
+          <a:xfrm>
+            <a:off x="838200" y="365125"/>
+            <a:ext cx="10515600" cy="5617986"/>
+          </a:xfrm>
+        </p:spPr>
+        <p:txBody>
+          <a:bodyPr/>
+          <a:lstStyle/>
+          <a:p>
+            <a:r>
+              <a:rPr lang="de-DE" sz="4800" dirty="0"/>
+              <a:t>Mit der deskriptiven Statistik lassen sich keine empirischen Forschungsfragen beantworten!</a:t>
+            </a:r>
+          </a:p>
+        </p:txBody>
+      </p:sp>
+    </p:spTree>
+    <p:extLst>
+      <p:ext uri="{BB962C8B-B14F-4D97-AF65-F5344CB8AC3E}">
+        <p14:creationId xmlns:p14="http://schemas.microsoft.com/office/powerpoint/2010/main" val="3021295515"/>
+      </p:ext>
+    </p:extLst>
+  </p:cSld>
+  <p:clrMapOvr>
+    <a:masterClrMapping/>
+  </p:clrMapOvr>
+</p:sld>
+</file>
+
+<file path=ppt/slides/slide3.xml><?xml version="1.0" encoding="utf-8"?>
+<p:sld xmlns:a="http://schemas.openxmlformats.org/drawingml/2006/main" xmlns:r="http://schemas.openxmlformats.org/officeDocument/2006/relationships" xmlns:p="http://schemas.openxmlformats.org/presentationml/2006/main">
+  <p:cSld>
+    <p:spTree>
+      <p:nvGrpSpPr>
+        <p:cNvPr id="1" name=""/>
+        <p:cNvGrpSpPr/>
+        <p:nvPr/>
+      </p:nvGrpSpPr>
+      <p:grpSpPr>
+        <a:xfrm>
+          <a:off x="0" y="0"/>
+          <a:ext cx="0" cy="0"/>
+          <a:chOff x="0" y="0"/>
+          <a:chExt cx="0" cy="0"/>
+        </a:xfrm>
+      </p:grpSpPr>
+      <p:sp>
+        <p:nvSpPr>
+          <p:cNvPr id="4" name="Titel 3">
+            <a:extLst>
+              <a:ext uri="{FF2B5EF4-FFF2-40B4-BE49-F238E27FC236}">
+                <a16:creationId xmlns:a16="http://schemas.microsoft.com/office/drawing/2014/main" id="{A3463C19-F895-8A45-A43D-175575CD803A}"/>
+              </a:ext>
+            </a:extLst>
+          </p:cNvPr>
+          <p:cNvSpPr>
+            <a:spLocks noGrp="1"/>
+          </p:cNvSpPr>
+          <p:nvPr>
+            <p:ph type="title"/>
+          </p:nvPr>
+        </p:nvSpPr>
+        <p:spPr>
+          <a:xfrm>
+            <a:off x="838200" y="365125"/>
+            <a:ext cx="10515600" cy="5624195"/>
+          </a:xfrm>
+        </p:spPr>
+        <p:txBody>
+          <a:bodyPr/>
+          <a:lstStyle/>
+          <a:p>
+            <a:r>
+              <a:rPr lang="de-DE" dirty="0"/>
+              <a:t>Forschungsfragen</a:t>
+            </a:r>
+          </a:p>
+        </p:txBody>
+      </p:sp>
+    </p:spTree>
+    <p:extLst>
+      <p:ext uri="{BB962C8B-B14F-4D97-AF65-F5344CB8AC3E}">
+        <p14:creationId xmlns:p14="http://schemas.microsoft.com/office/powerpoint/2010/main" val="645594877"/>
+      </p:ext>
+    </p:extLst>
+  </p:cSld>
+  <p:clrMapOvr>
+    <a:masterClrMapping/>
+  </p:clrMapOvr>
+</p:sld>
+</file>
+
+<file path=ppt/slides/slide30.xml><?xml version="1.0" encoding="utf-8"?>
+<p:sld xmlns:a="http://schemas.openxmlformats.org/drawingml/2006/main" xmlns:r="http://schemas.openxmlformats.org/officeDocument/2006/relationships" xmlns:p="http://schemas.openxmlformats.org/presentationml/2006/main">
+  <p:cSld>
+    <p:spTree>
+      <p:nvGrpSpPr>
+        <p:cNvPr id="1" name=""/>
+        <p:cNvGrpSpPr/>
+        <p:nvPr/>
+      </p:nvGrpSpPr>
+      <p:grpSpPr>
+        <a:xfrm>
+          <a:off x="0" y="0"/>
+          <a:ext cx="0" cy="0"/>
+          <a:chOff x="0" y="0"/>
+          <a:chExt cx="0" cy="0"/>
+        </a:xfrm>
+      </p:grpSpPr>
+      <p:sp>
+        <p:nvSpPr>
+          <p:cNvPr id="3" name="Inhaltsplatzhalter 2">
+            <a:extLst>
+              <a:ext uri="{FF2B5EF4-FFF2-40B4-BE49-F238E27FC236}">
+                <a16:creationId xmlns:a16="http://schemas.microsoft.com/office/drawing/2014/main" id="{A7B4FA95-A35C-EA41-A65D-21FF202B48E1}"/>
+              </a:ext>
+            </a:extLst>
+          </p:cNvPr>
+          <p:cNvSpPr>
+            <a:spLocks noGrp="1"/>
+          </p:cNvSpPr>
+          <p:nvPr>
+            <p:ph idx="1"/>
+          </p:nvPr>
+        </p:nvSpPr>
+        <p:spPr>
+          <a:xfrm>
+            <a:off x="838200" y="704088"/>
+            <a:ext cx="10515600" cy="5472875"/>
+          </a:xfrm>
+        </p:spPr>
+        <p:txBody>
+          <a:bodyPr anchor="ctr"/>
+          <a:lstStyle/>
+          <a:p>
+            <a:pPr marL="7937" indent="0">
+              <a:buNone/>
+            </a:pPr>
+            <a:r>
+              <a:rPr lang="de-DE" dirty="0"/>
+              <a:t>Werden Hypothesen mittels beobachteter Daten überprüft, werden Fakten aus Daten gefolgert bzw. geschlossen.</a:t>
+            </a:r>
+          </a:p>
+          <a:p>
+            <a:pPr marL="7937" indent="0">
+              <a:buNone/>
+            </a:pPr>
+            <a:endParaRPr lang="de-DE" dirty="0"/>
+          </a:p>
+          <a:p>
+            <a:pPr marL="7937" indent="0">
+              <a:buNone/>
+            </a:pPr>
+            <a:r>
+              <a:rPr lang="de-CH" dirty="0"/>
+              <a:t>Diese schliessende</a:t>
             </a:r>
             <a:r>
               <a:rPr lang="de-DE" dirty="0"/>
@@ -6282,7 +8741,508 @@
 </p:sld>
 </file>
 
-<file path=ppt/slides/slide23.xml><?xml version="1.0" encoding="utf-8"?>
+<file path=ppt/slides/slide31.xml><?xml version="1.0" encoding="utf-8"?>
+<p:sld xmlns:a="http://schemas.openxmlformats.org/drawingml/2006/main" xmlns:r="http://schemas.openxmlformats.org/officeDocument/2006/relationships" xmlns:p="http://schemas.openxmlformats.org/presentationml/2006/main">
+  <p:cSld>
+    <p:spTree>
+      <p:nvGrpSpPr>
+        <p:cNvPr id="1" name=""/>
+        <p:cNvGrpSpPr/>
+        <p:nvPr/>
+      </p:nvGrpSpPr>
+      <p:grpSpPr>
+        <a:xfrm>
+          <a:off x="0" y="0"/>
+          <a:ext cx="0" cy="0"/>
+          <a:chOff x="0" y="0"/>
+          <a:chExt cx="0" cy="0"/>
+        </a:xfrm>
+      </p:grpSpPr>
+      <p:sp>
+        <p:nvSpPr>
+          <p:cNvPr id="3" name="Inhaltsplatzhalter 2">
+            <a:extLst>
+              <a:ext uri="{FF2B5EF4-FFF2-40B4-BE49-F238E27FC236}">
+                <a16:creationId xmlns:a16="http://schemas.microsoft.com/office/drawing/2014/main" id="{A7B4FA95-A35C-EA41-A65D-21FF202B48E1}"/>
+              </a:ext>
+            </a:extLst>
+          </p:cNvPr>
+          <p:cNvSpPr>
+            <a:spLocks noGrp="1"/>
+          </p:cNvSpPr>
+          <p:nvPr>
+            <p:ph idx="1"/>
+          </p:nvPr>
+        </p:nvSpPr>
+        <p:spPr>
+          <a:xfrm>
+            <a:off x="838200" y="704088"/>
+            <a:ext cx="10515600" cy="5472875"/>
+          </a:xfrm>
+        </p:spPr>
+        <p:txBody>
+          <a:bodyPr anchor="ctr"/>
+          <a:lstStyle/>
+          <a:p>
+            <a:pPr marL="7937" indent="0">
+              <a:buNone/>
+            </a:pPr>
+            <a:r>
+              <a:rPr lang="de-DE" dirty="0"/>
+              <a:t>Die hier besprochenen statistischen Verfahren der Inferenzstatistik basieren auf dem Prinzip der „</a:t>
+            </a:r>
+            <a:r>
+              <a:rPr lang="de-DE" dirty="0" err="1"/>
+              <a:t>grossen</a:t>
+            </a:r>
+            <a:r>
+              <a:rPr lang="de-DE" dirty="0"/>
+              <a:t> Zahlen“.</a:t>
+            </a:r>
+          </a:p>
+          <a:p>
+            <a:pPr marL="7937" indent="0">
+              <a:buNone/>
+            </a:pPr>
+            <a:endParaRPr lang="de-DE" dirty="0"/>
+          </a:p>
+          <a:p>
+            <a:pPr marL="7937" indent="0">
+              <a:buNone/>
+            </a:pPr>
+            <a:r>
+              <a:rPr lang="de-DE" dirty="0"/>
+              <a:t>Es werden viele Werte benötigt. </a:t>
+            </a:r>
+          </a:p>
+          <a:p>
+            <a:pPr marL="7937" indent="0">
+              <a:buNone/>
+            </a:pPr>
+            <a:endParaRPr lang="de-DE" dirty="0"/>
+          </a:p>
+          <a:p>
+            <a:pPr marL="7937" indent="0">
+              <a:buNone/>
+            </a:pPr>
+            <a:r>
+              <a:rPr lang="de-DE" dirty="0"/>
+              <a:t>Deshalb werden diese Verfahren auch </a:t>
+            </a:r>
+            <a:r>
+              <a:rPr lang="de-DE" dirty="0">
+                <a:solidFill>
+                  <a:srgbClr val="FFC000"/>
+                </a:solidFill>
+              </a:rPr>
+              <a:t>quantitative Verfahren</a:t>
+            </a:r>
+            <a:r>
+              <a:rPr lang="de-DE" dirty="0"/>
+              <a:t> genannt. </a:t>
+            </a:r>
+          </a:p>
+        </p:txBody>
+      </p:sp>
+    </p:spTree>
+    <p:extLst>
+      <p:ext uri="{BB962C8B-B14F-4D97-AF65-F5344CB8AC3E}">
+        <p14:creationId xmlns:p14="http://schemas.microsoft.com/office/powerpoint/2010/main" val="286869699"/>
+      </p:ext>
+    </p:extLst>
+  </p:cSld>
+  <p:clrMapOvr>
+    <a:masterClrMapping/>
+  </p:clrMapOvr>
+</p:sld>
+</file>
+
+<file path=ppt/slides/slide32.xml><?xml version="1.0" encoding="utf-8"?>
+<p:sld xmlns:a="http://schemas.openxmlformats.org/drawingml/2006/main" xmlns:r="http://schemas.openxmlformats.org/officeDocument/2006/relationships" xmlns:p="http://schemas.openxmlformats.org/presentationml/2006/main">
+  <p:cSld>
+    <p:spTree>
+      <p:nvGrpSpPr>
+        <p:cNvPr id="1" name=""/>
+        <p:cNvGrpSpPr/>
+        <p:nvPr/>
+      </p:nvGrpSpPr>
+      <p:grpSpPr>
+        <a:xfrm>
+          <a:off x="0" y="0"/>
+          <a:ext cx="0" cy="0"/>
+          <a:chOff x="0" y="0"/>
+          <a:chExt cx="0" cy="0"/>
+        </a:xfrm>
+      </p:grpSpPr>
+      <p:sp>
+        <p:nvSpPr>
+          <p:cNvPr id="3" name="Inhaltsplatzhalter 2">
+            <a:extLst>
+              <a:ext uri="{FF2B5EF4-FFF2-40B4-BE49-F238E27FC236}">
+                <a16:creationId xmlns:a16="http://schemas.microsoft.com/office/drawing/2014/main" id="{A7B4FA95-A35C-EA41-A65D-21FF202B48E1}"/>
+              </a:ext>
+            </a:extLst>
+          </p:cNvPr>
+          <p:cNvSpPr>
+            <a:spLocks noGrp="1"/>
+          </p:cNvSpPr>
+          <p:nvPr>
+            <p:ph idx="1"/>
+          </p:nvPr>
+        </p:nvSpPr>
+        <p:spPr>
+          <a:xfrm>
+            <a:off x="838200" y="704088"/>
+            <a:ext cx="10515600" cy="5472875"/>
+          </a:xfrm>
+        </p:spPr>
+        <p:txBody>
+          <a:bodyPr anchor="ctr">
+            <a:normAutofit/>
+          </a:bodyPr>
+          <a:lstStyle/>
+          <a:p>
+            <a:pPr marL="6350" indent="0">
+              <a:buNone/>
+              <a:tabLst>
+                <a:tab pos="2259013" algn="l"/>
+              </a:tabLst>
+            </a:pPr>
+            <a:r>
+              <a:rPr lang="de-DE" dirty="0"/>
+              <a:t>Als </a:t>
+            </a:r>
+            <a:r>
+              <a:rPr lang="de-DE" dirty="0">
+                <a:solidFill>
+                  <a:srgbClr val="FFC000"/>
+                </a:solidFill>
+              </a:rPr>
+              <a:t>qualitative Verfahren </a:t>
+            </a:r>
+            <a:r>
+              <a:rPr lang="de-DE" dirty="0"/>
+              <a:t>werden empirische Vorgehensweisen bezeichnet, die über einen oder mehrere Zwischenschritte erst die Werte für die statistische Überprüfung herausarbeiten.</a:t>
+            </a:r>
+          </a:p>
+        </p:txBody>
+      </p:sp>
+    </p:spTree>
+    <p:extLst>
+      <p:ext uri="{BB962C8B-B14F-4D97-AF65-F5344CB8AC3E}">
+        <p14:creationId xmlns:p14="http://schemas.microsoft.com/office/powerpoint/2010/main" val="762418842"/>
+      </p:ext>
+    </p:extLst>
+  </p:cSld>
+  <p:clrMapOvr>
+    <a:masterClrMapping/>
+  </p:clrMapOvr>
+</p:sld>
+</file>
+
+<file path=ppt/slides/slide33.xml><?xml version="1.0" encoding="utf-8"?>
+<p:sld xmlns:a="http://schemas.openxmlformats.org/drawingml/2006/main" xmlns:r="http://schemas.openxmlformats.org/officeDocument/2006/relationships" xmlns:p="http://schemas.openxmlformats.org/presentationml/2006/main">
+  <p:cSld>
+    <p:spTree>
+      <p:nvGrpSpPr>
+        <p:cNvPr id="1" name=""/>
+        <p:cNvGrpSpPr/>
+        <p:nvPr/>
+      </p:nvGrpSpPr>
+      <p:grpSpPr>
+        <a:xfrm>
+          <a:off x="0" y="0"/>
+          <a:ext cx="0" cy="0"/>
+          <a:chOff x="0" y="0"/>
+          <a:chExt cx="0" cy="0"/>
+        </a:xfrm>
+      </p:grpSpPr>
+      <p:sp>
+        <p:nvSpPr>
+          <p:cNvPr id="3" name="Inhaltsplatzhalter 2">
+            <a:extLst>
+              <a:ext uri="{FF2B5EF4-FFF2-40B4-BE49-F238E27FC236}">
+                <a16:creationId xmlns:a16="http://schemas.microsoft.com/office/drawing/2014/main" id="{A7B4FA95-A35C-EA41-A65D-21FF202B48E1}"/>
+              </a:ext>
+            </a:extLst>
+          </p:cNvPr>
+          <p:cNvSpPr>
+            <a:spLocks noGrp="1"/>
+          </p:cNvSpPr>
+          <p:nvPr>
+            <p:ph idx="1"/>
+          </p:nvPr>
+        </p:nvSpPr>
+        <p:spPr>
+          <a:xfrm>
+            <a:off x="838200" y="704088"/>
+            <a:ext cx="10515600" cy="5472875"/>
+          </a:xfrm>
+        </p:spPr>
+        <p:txBody>
+          <a:bodyPr anchor="ctr">
+            <a:normAutofit/>
+          </a:bodyPr>
+          <a:lstStyle/>
+          <a:p>
+            <a:pPr marL="7937" indent="0">
+              <a:buNone/>
+            </a:pPr>
+            <a:r>
+              <a:rPr lang="de-DE" dirty="0"/>
+              <a:t>Werden erhobene Daten ohne Einsatz der Statistik gedeutet, so sprechen wir von </a:t>
+            </a:r>
+            <a:r>
+              <a:rPr lang="de-DE" dirty="0">
+                <a:solidFill>
+                  <a:srgbClr val="FFC000"/>
+                </a:solidFill>
+              </a:rPr>
+              <a:t>hermeneutischen Verfahren</a:t>
+            </a:r>
+            <a:r>
+              <a:rPr lang="de-DE" dirty="0"/>
+              <a:t>.</a:t>
+            </a:r>
+          </a:p>
+          <a:p>
+            <a:pPr marL="7937" indent="0">
+              <a:buNone/>
+            </a:pPr>
+            <a:endParaRPr lang="de-DE" dirty="0"/>
+          </a:p>
+          <a:p>
+            <a:pPr marL="7937" indent="0">
+              <a:buNone/>
+            </a:pPr>
+            <a:r>
+              <a:rPr lang="de-DE" dirty="0"/>
+              <a:t>Hermeneutische Studien sind meistens nicht-empirisch und werden deshalb hier nicht behandelt.</a:t>
+            </a:r>
+          </a:p>
+        </p:txBody>
+      </p:sp>
+    </p:spTree>
+    <p:extLst>
+      <p:ext uri="{BB962C8B-B14F-4D97-AF65-F5344CB8AC3E}">
+        <p14:creationId xmlns:p14="http://schemas.microsoft.com/office/powerpoint/2010/main" val="3435753619"/>
+      </p:ext>
+    </p:extLst>
+  </p:cSld>
+  <p:clrMapOvr>
+    <a:masterClrMapping/>
+  </p:clrMapOvr>
+</p:sld>
+</file>
+
+<file path=ppt/slides/slide34.xml><?xml version="1.0" encoding="utf-8"?>
+<p:sld xmlns:a="http://schemas.openxmlformats.org/drawingml/2006/main" xmlns:r="http://schemas.openxmlformats.org/officeDocument/2006/relationships" xmlns:p="http://schemas.openxmlformats.org/presentationml/2006/main">
+  <p:cSld>
+    <p:spTree>
+      <p:nvGrpSpPr>
+        <p:cNvPr id="1" name=""/>
+        <p:cNvGrpSpPr/>
+        <p:nvPr/>
+      </p:nvGrpSpPr>
+      <p:grpSpPr>
+        <a:xfrm>
+          <a:off x="0" y="0"/>
+          <a:ext cx="0" cy="0"/>
+          <a:chOff x="0" y="0"/>
+          <a:chExt cx="0" cy="0"/>
+        </a:xfrm>
+      </p:grpSpPr>
+      <p:sp>
+        <p:nvSpPr>
+          <p:cNvPr id="4" name="Textfeld 3">
+            <a:extLst>
+              <a:ext uri="{FF2B5EF4-FFF2-40B4-BE49-F238E27FC236}">
+                <a16:creationId xmlns:a16="http://schemas.microsoft.com/office/drawing/2014/main" id="{4F659550-D4E6-9DF8-D839-EB7C24AFB303}"/>
+              </a:ext>
+            </a:extLst>
+          </p:cNvPr>
+          <p:cNvSpPr txBox="1"/>
+          <p:nvPr/>
+        </p:nvSpPr>
+        <p:spPr>
+          <a:xfrm>
+            <a:off x="8407730" y="6341423"/>
+            <a:ext cx="2288640" cy="369332"/>
+          </a:xfrm>
+          <a:prstGeom prst="rect">
+            <a:avLst/>
+          </a:prstGeom>
+          <a:noFill/>
+        </p:spPr>
+        <p:txBody>
+          <a:bodyPr wrap="none" rtlCol="0">
+            <a:spAutoFit/>
+          </a:bodyPr>
+          <a:lstStyle/>
+          <a:p>
+            <a:r>
+              <a:rPr lang="de-DE" dirty="0">
+                <a:solidFill>
+                  <a:srgbClr val="FFC000"/>
+                </a:solidFill>
+              </a:rPr>
+              <a:t>Saunders (2007, 2011)</a:t>
+            </a:r>
+          </a:p>
+        </p:txBody>
+      </p:sp>
+      <p:pic>
+        <p:nvPicPr>
+          <p:cNvPr id="1028" name="Picture 4" descr="The research 'onion' research design Source: Adopted from Saunders et al., (2007)">
+            <a:extLst>
+              <a:ext uri="{FF2B5EF4-FFF2-40B4-BE49-F238E27FC236}">
+                <a16:creationId xmlns:a16="http://schemas.microsoft.com/office/drawing/2014/main" id="{F4F05E23-21B3-F8AE-00DE-E36CD592C40C}"/>
+              </a:ext>
+            </a:extLst>
+          </p:cNvPr>
+          <p:cNvPicPr>
+            <a:picLocks noChangeAspect="1" noChangeArrowheads="1"/>
+          </p:cNvPicPr>
+          <p:nvPr/>
+        </p:nvPicPr>
+        <p:blipFill>
+          <a:blip r:embed="rId2">
+            <a:extLst>
+              <a:ext uri="{28A0092B-C50C-407E-A947-70E740481C1C}">
+                <a14:useLocalDpi xmlns:a14="http://schemas.microsoft.com/office/drawing/2010/main" val="0"/>
+              </a:ext>
+            </a:extLst>
+          </a:blip>
+          <a:srcRect/>
+          <a:stretch>
+            <a:fillRect/>
+          </a:stretch>
+        </p:blipFill>
+        <p:spPr bwMode="auto">
+          <a:xfrm>
+            <a:off x="1409700" y="869950"/>
+            <a:ext cx="9372600" cy="5118100"/>
+          </a:xfrm>
+          <a:prstGeom prst="rect">
+            <a:avLst/>
+          </a:prstGeom>
+          <a:noFill/>
+          <a:extLst>
+            <a:ext uri="{909E8E84-426E-40DD-AFC4-6F175D3DCCD1}">
+              <a14:hiddenFill xmlns:a14="http://schemas.microsoft.com/office/drawing/2010/main">
+                <a:solidFill>
+                  <a:srgbClr val="FFFFFF"/>
+                </a:solidFill>
+              </a14:hiddenFill>
+            </a:ext>
+          </a:extLst>
+        </p:spPr>
+      </p:pic>
+      <p:sp>
+        <p:nvSpPr>
+          <p:cNvPr id="5" name="Oval 4">
+            <a:extLst>
+              <a:ext uri="{FF2B5EF4-FFF2-40B4-BE49-F238E27FC236}">
+                <a16:creationId xmlns:a16="http://schemas.microsoft.com/office/drawing/2014/main" id="{A82AB1D4-5AA6-039E-8F3F-32D4B59015CA}"/>
+              </a:ext>
+            </a:extLst>
+          </p:cNvPr>
+          <p:cNvSpPr/>
+          <p:nvPr/>
+        </p:nvSpPr>
+        <p:spPr>
+          <a:xfrm>
+            <a:off x="2945081" y="2683823"/>
+            <a:ext cx="1163781" cy="973777"/>
+          </a:xfrm>
+          <a:prstGeom prst="ellipse">
+            <a:avLst/>
+          </a:prstGeom>
+          <a:noFill/>
+          <a:ln w="76200">
+            <a:solidFill>
+              <a:srgbClr val="FF0000"/>
+            </a:solidFill>
+          </a:ln>
+        </p:spPr>
+        <p:style>
+          <a:lnRef idx="2">
+            <a:schemeClr val="accent1">
+              <a:shade val="15000"/>
+            </a:schemeClr>
+          </a:lnRef>
+          <a:fillRef idx="1">
+            <a:schemeClr val="accent1"/>
+          </a:fillRef>
+          <a:effectRef idx="0">
+            <a:schemeClr val="accent1"/>
+          </a:effectRef>
+          <a:fontRef idx="minor">
+            <a:schemeClr val="lt1"/>
+          </a:fontRef>
+        </p:style>
+        <p:txBody>
+          <a:bodyPr rtlCol="0" anchor="ctr"/>
+          <a:lstStyle/>
+          <a:p>
+            <a:pPr algn="ctr"/>
+            <a:endParaRPr lang="de-DE"/>
+          </a:p>
+        </p:txBody>
+      </p:sp>
+      <p:sp>
+        <p:nvSpPr>
+          <p:cNvPr id="6" name="Textfeld 5">
+            <a:extLst>
+              <a:ext uri="{FF2B5EF4-FFF2-40B4-BE49-F238E27FC236}">
+                <a16:creationId xmlns:a16="http://schemas.microsoft.com/office/drawing/2014/main" id="{3673963B-87F8-BE42-70D3-4FBC2BB6CC86}"/>
+              </a:ext>
+            </a:extLst>
+          </p:cNvPr>
+          <p:cNvSpPr txBox="1"/>
+          <p:nvPr/>
+        </p:nvSpPr>
+        <p:spPr>
+          <a:xfrm>
+            <a:off x="9089968" y="5201392"/>
+            <a:ext cx="1388842" cy="523220"/>
+          </a:xfrm>
+          <a:prstGeom prst="rect">
+            <a:avLst/>
+          </a:prstGeom>
+          <a:noFill/>
+        </p:spPr>
+        <p:txBody>
+          <a:bodyPr wrap="none" rtlCol="0">
+            <a:spAutoFit/>
+          </a:bodyPr>
+          <a:lstStyle/>
+          <a:p>
+            <a:r>
+              <a:rPr lang="de-DE" sz="2800" b="1" dirty="0">
+                <a:solidFill>
+                  <a:srgbClr val="FF0000"/>
+                </a:solidFill>
+              </a:rPr>
+              <a:t>Statistik</a:t>
+            </a:r>
+          </a:p>
+        </p:txBody>
+      </p:sp>
+    </p:spTree>
+    <p:extLst>
+      <p:ext uri="{BB962C8B-B14F-4D97-AF65-F5344CB8AC3E}">
+        <p14:creationId xmlns:p14="http://schemas.microsoft.com/office/powerpoint/2010/main" val="2798032335"/>
+      </p:ext>
+    </p:extLst>
+  </p:cSld>
+  <p:clrMapOvr>
+    <a:masterClrMapping/>
+  </p:clrMapOvr>
+</p:sld>
+</file>
+
+<file path=ppt/slides/slide35.xml><?xml version="1.0" encoding="utf-8"?>
 <p:sld xmlns:a="http://schemas.openxmlformats.org/drawingml/2006/main" xmlns:r="http://schemas.openxmlformats.org/officeDocument/2006/relationships" xmlns:p="http://schemas.openxmlformats.org/presentationml/2006/main">
   <p:cSld>
     <p:spTree>
@@ -6424,100 +9384,6 @@
 </p:sld>
 </file>
 
-<file path=ppt/slides/slide3.xml><?xml version="1.0" encoding="utf-8"?>
-<p:sld xmlns:a="http://schemas.openxmlformats.org/drawingml/2006/main" xmlns:r="http://schemas.openxmlformats.org/officeDocument/2006/relationships" xmlns:p="http://schemas.openxmlformats.org/presentationml/2006/main">
-  <p:cSld>
-    <p:spTree>
-      <p:nvGrpSpPr>
-        <p:cNvPr id="1" name=""/>
-        <p:cNvGrpSpPr/>
-        <p:nvPr/>
-      </p:nvGrpSpPr>
-      <p:grpSpPr>
-        <a:xfrm>
-          <a:off x="0" y="0"/>
-          <a:ext cx="0" cy="0"/>
-          <a:chOff x="0" y="0"/>
-          <a:chExt cx="0" cy="0"/>
-        </a:xfrm>
-      </p:grpSpPr>
-      <p:sp>
-        <p:nvSpPr>
-          <p:cNvPr id="4" name="Inhaltsplatzhalter 3">
-            <a:extLst>
-              <a:ext uri="{FF2B5EF4-FFF2-40B4-BE49-F238E27FC236}">
-                <a16:creationId xmlns:a16="http://schemas.microsoft.com/office/drawing/2014/main" id="{278B4933-15BA-F84C-8E4A-121AA4EA2751}"/>
-              </a:ext>
-            </a:extLst>
-          </p:cNvPr>
-          <p:cNvSpPr>
-            <a:spLocks noGrp="1"/>
-          </p:cNvSpPr>
-          <p:nvPr>
-            <p:ph idx="1"/>
-          </p:nvPr>
-        </p:nvSpPr>
-        <p:spPr>
-          <a:xfrm>
-            <a:off x="838200" y="685800"/>
-            <a:ext cx="10515600" cy="5491163"/>
-          </a:xfrm>
-        </p:spPr>
-        <p:txBody>
-          <a:bodyPr anchor="ctr"/>
-          <a:lstStyle/>
-          <a:p>
-            <a:pPr marL="7937" indent="0">
-              <a:buNone/>
-            </a:pPr>
-            <a:r>
-              <a:rPr lang="de-DE" dirty="0"/>
-              <a:t>Fragen zu Sachverhalten und Phänomenen</a:t>
-            </a:r>
-          </a:p>
-          <a:p>
-            <a:pPr lvl="1"/>
-            <a:r>
-              <a:rPr lang="de-DE" dirty="0"/>
-              <a:t>Existenz</a:t>
-            </a:r>
-          </a:p>
-          <a:p>
-            <a:pPr lvl="1"/>
-            <a:r>
-              <a:rPr lang="de-DE" dirty="0"/>
-              <a:t>Ursachen</a:t>
-            </a:r>
-          </a:p>
-          <a:p>
-            <a:pPr lvl="1"/>
-            <a:r>
-              <a:rPr lang="de-DE" dirty="0"/>
-              <a:t>Wechselwirkungen</a:t>
-            </a:r>
-          </a:p>
-          <a:p>
-            <a:pPr lvl="1"/>
-            <a:r>
-              <a:rPr lang="de-DE" dirty="0"/>
-              <a:t>Zusammenhängen</a:t>
-            </a:r>
-          </a:p>
-        </p:txBody>
-      </p:sp>
-    </p:spTree>
-    <p:extLst>
-      <p:ext uri="{BB962C8B-B14F-4D97-AF65-F5344CB8AC3E}">
-        <p14:creationId xmlns:p14="http://schemas.microsoft.com/office/powerpoint/2010/main" val="224663891"/>
-      </p:ext>
-    </p:extLst>
-  </p:cSld>
-  <p:clrMapOvr>
-    <a:masterClrMapping/>
-  </p:clrMapOvr>
-</p:sld>
-</file>
-
 <file path=ppt/slides/slide4.xml><?xml version="1.0" encoding="utf-8"?>
 <p:sld xmlns:a="http://schemas.openxmlformats.org/drawingml/2006/main" xmlns:r="http://schemas.openxmlformats.org/officeDocument/2006/relationships" xmlns:p="http://schemas.openxmlformats.org/presentationml/2006/main">
   <p:cSld>
@@ -6537,10 +9403,10 @@
       </p:grpSpPr>
       <p:sp>
         <p:nvSpPr>
-          <p:cNvPr id="3" name="Inhaltsplatzhalter 2">
+          <p:cNvPr id="4" name="Inhaltsplatzhalter 3">
             <a:extLst>
               <a:ext uri="{FF2B5EF4-FFF2-40B4-BE49-F238E27FC236}">
-                <a16:creationId xmlns:a16="http://schemas.microsoft.com/office/drawing/2014/main" id="{A7B4FA95-A35C-EA41-A65D-21FF202B48E1}"/>
+                <a16:creationId xmlns:a16="http://schemas.microsoft.com/office/drawing/2014/main" id="{278B4933-15BA-F84C-8E4A-121AA4EA2751}"/>
               </a:ext>
             </a:extLst>
           </p:cNvPr>
@@ -6553,23 +9419,48 @@
         </p:nvSpPr>
         <p:spPr>
           <a:xfrm>
-            <a:off x="838200" y="704088"/>
-            <a:ext cx="10515600" cy="5472875"/>
+            <a:off x="838200" y="685800"/>
+            <a:ext cx="10515600" cy="5491163"/>
           </a:xfrm>
         </p:spPr>
         <p:txBody>
           <a:bodyPr anchor="ctr"/>
           <a:lstStyle/>
           <a:p>
+            <a:pPr marL="7937" indent="0">
+              <a:buNone/>
+            </a:pPr>
             <a:r>
               <a:rPr lang="de-DE" dirty="0"/>
-              <a:t>Fragewort und Fragezeichen</a:t>
-            </a:r>
-          </a:p>
-          <a:p>
+              <a:t>Fragen zu Sachverhalten und Phänomenen</a:t>
+            </a:r>
+          </a:p>
+          <a:p>
+            <a:pPr lvl="1"/>
             <a:r>
               <a:rPr lang="de-DE" dirty="0"/>
-              <a:t>Untersuchungsgegenstand</a:t>
+              <a:t>Existenz</a:t>
+            </a:r>
+          </a:p>
+          <a:p>
+            <a:pPr lvl="1"/>
+            <a:r>
+              <a:rPr lang="de-DE" dirty="0"/>
+              <a:t>Ursachen</a:t>
+            </a:r>
+          </a:p>
+          <a:p>
+            <a:pPr lvl="1"/>
+            <a:r>
+              <a:rPr lang="de-DE" dirty="0"/>
+              <a:t>Wechselwirkungen</a:t>
+            </a:r>
+          </a:p>
+          <a:p>
+            <a:pPr lvl="1"/>
+            <a:r>
+              <a:rPr lang="de-DE" dirty="0"/>
+              <a:t>Zusammenhänge</a:t>
             </a:r>
           </a:p>
         </p:txBody>
@@ -6577,7 +9468,7 @@
     </p:spTree>
     <p:extLst>
       <p:ext uri="{BB962C8B-B14F-4D97-AF65-F5344CB8AC3E}">
-        <p14:creationId xmlns:p14="http://schemas.microsoft.com/office/powerpoint/2010/main" val="1675131977"/>
+        <p14:creationId xmlns:p14="http://schemas.microsoft.com/office/powerpoint/2010/main" val="224663891"/>
       </p:ext>
     </p:extLst>
   </p:cSld>
@@ -6630,29 +9521,15 @@
           <a:bodyPr anchor="ctr"/>
           <a:lstStyle/>
           <a:p>
-            <a:pPr marL="7937" indent="0">
-              <a:buNone/>
-            </a:pPr>
             <a:r>
               <a:rPr lang="de-DE" dirty="0"/>
-              <a:t>Übung</a:t>
-            </a:r>
-          </a:p>
-          <a:p>
-            <a:pPr marL="7937" indent="0">
-              <a:buNone/>
-            </a:pPr>
+              <a:t>Fragewort und Fragezeichen</a:t>
+            </a:r>
+          </a:p>
+          <a:p>
             <a:r>
               <a:rPr lang="de-DE" dirty="0"/>
-              <a:t>Formulieren Sie </a:t>
-            </a:r>
-            <a:r>
-              <a:rPr lang="de-DE" i="1" u="sng" dirty="0"/>
-              <a:t>eine</a:t>
-            </a:r>
-            <a:r>
-              <a:rPr lang="de-DE" dirty="0"/>
-              <a:t> Forschungsfrage!</a:t>
+              <a:t>Untersuchungsgegenstand</a:t>
             </a:r>
           </a:p>
         </p:txBody>
@@ -6660,7 +9537,7 @@
     </p:spTree>
     <p:extLst>
       <p:ext uri="{BB962C8B-B14F-4D97-AF65-F5344CB8AC3E}">
-        <p14:creationId xmlns:p14="http://schemas.microsoft.com/office/powerpoint/2010/main" val="868132879"/>
+        <p14:creationId xmlns:p14="http://schemas.microsoft.com/office/powerpoint/2010/main" val="1675131977"/>
       </p:ext>
     </p:extLst>
   </p:cSld>
@@ -6918,10 +9795,10 @@
       </p:grpSpPr>
       <p:sp>
         <p:nvSpPr>
-          <p:cNvPr id="5" name="Inhaltsplatzhalter 4">
+          <p:cNvPr id="3" name="Inhaltsplatzhalter 2">
             <a:extLst>
               <a:ext uri="{FF2B5EF4-FFF2-40B4-BE49-F238E27FC236}">
-                <a16:creationId xmlns:a16="http://schemas.microsoft.com/office/drawing/2014/main" id="{109F8385-E833-6A48-A359-79624A15420D}"/>
+                <a16:creationId xmlns:a16="http://schemas.microsoft.com/office/drawing/2014/main" id="{A7B4FA95-A35C-EA41-A65D-21FF202B48E1}"/>
               </a:ext>
             </a:extLst>
           </p:cNvPr>
@@ -6929,107 +9806,133 @@
             <a:spLocks noGrp="1"/>
           </p:cNvSpPr>
           <p:nvPr>
-            <p:ph sz="half" idx="1"/>
+            <p:ph idx="1"/>
           </p:nvPr>
         </p:nvSpPr>
         <p:spPr>
           <a:xfrm>
-            <a:off x="838200" y="1417729"/>
-            <a:ext cx="5181600" cy="5344859"/>
+            <a:off x="838200" y="704088"/>
+            <a:ext cx="11162016" cy="5472875"/>
           </a:xfrm>
         </p:spPr>
         <p:txBody>
           <a:bodyPr anchor="ctr"/>
           <a:lstStyle/>
           <a:p>
-            <a:pPr marL="7937" indent="0" algn="ctr">
+            <a:pPr marL="7937" indent="0">
               <a:buNone/>
             </a:pPr>
             <a:r>
               <a:rPr lang="de-DE" dirty="0"/>
-              <a:t>Verifizieren</a:t>
-            </a:r>
-          </a:p>
-          <a:p>
-            <a:pPr marL="7937" indent="0" algn="ctr">
-              <a:buNone/>
-            </a:pPr>
-            <a:r>
-              <a:rPr lang="de-DE" dirty="0"/>
-              <a:t>Bestätigen</a:t>
-            </a:r>
-          </a:p>
-          <a:p>
-            <a:pPr marL="7937" indent="0" algn="ctr">
-              <a:buNone/>
-            </a:pPr>
-            <a:r>
-              <a:rPr lang="de-DE" dirty="0"/>
-              <a:t>Akzeptieren</a:t>
-            </a:r>
-          </a:p>
-        </p:txBody>
-      </p:sp>
-      <p:sp>
-        <p:nvSpPr>
-          <p:cNvPr id="6" name="Inhaltsplatzhalter 5">
+              <a:t>Methodische Forschungsfragen </a:t>
+            </a:r>
+          </a:p>
+          <a:p>
+            <a:r>
+              <a:rPr lang="de-DE" sz="3600" dirty="0"/>
+              <a:t>Beantwortung durch </a:t>
+            </a:r>
+            <a:r>
+              <a:rPr lang="de-DE" sz="3600" dirty="0">
+                <a:solidFill>
+                  <a:srgbClr val="FFC000"/>
+                </a:solidFill>
+              </a:rPr>
+              <a:t>empirisch überprüfte Methoden</a:t>
+            </a:r>
+          </a:p>
+        </p:txBody>
+      </p:sp>
+      <p:cxnSp>
+        <p:nvCxnSpPr>
+          <p:cNvPr id="4" name="Gerade Verbindung 3">
             <a:extLst>
               <a:ext uri="{FF2B5EF4-FFF2-40B4-BE49-F238E27FC236}">
-                <a16:creationId xmlns:a16="http://schemas.microsoft.com/office/drawing/2014/main" id="{6D884CAD-E143-8F48-8603-CBFE26806B91}"/>
+                <a16:creationId xmlns:a16="http://schemas.microsoft.com/office/drawing/2014/main" id="{8E7EC26D-2293-1006-8DD5-DEC953CF74EC}"/>
               </a:ext>
             </a:extLst>
           </p:cNvPr>
-          <p:cNvSpPr>
-            <a:spLocks noGrp="1"/>
-          </p:cNvSpPr>
-          <p:nvPr>
-            <p:ph sz="half" idx="2"/>
-          </p:nvPr>
-        </p:nvSpPr>
+          <p:cNvCxnSpPr/>
+          <p:nvPr/>
+        </p:nvCxnSpPr>
         <p:spPr>
           <a:xfrm>
-            <a:off x="6172200" y="1417729"/>
-            <a:ext cx="5181600" cy="5344859"/>
-          </a:xfrm>
-        </p:spPr>
-        <p:txBody>
-          <a:bodyPr anchor="ctr"/>
-          <a:lstStyle/>
-          <a:p>
-            <a:pPr marL="7937" indent="0" algn="ctr">
-              <a:buNone/>
-            </a:pPr>
-            <a:r>
-              <a:rPr lang="de-DE" dirty="0"/>
-              <a:t>Falsifizieren</a:t>
-            </a:r>
-          </a:p>
-          <a:p>
-            <a:pPr marL="7937" indent="0" algn="ctr">
-              <a:buNone/>
-            </a:pPr>
-            <a:r>
-              <a:rPr lang="de-DE" dirty="0"/>
-              <a:t>Ablehnen</a:t>
-            </a:r>
-          </a:p>
-          <a:p>
-            <a:pPr marL="7937" indent="0" algn="ctr">
-              <a:buNone/>
-            </a:pPr>
-            <a:r>
-              <a:rPr lang="de-DE" dirty="0"/>
-              <a:t>Verwerfen</a:t>
-            </a:r>
-          </a:p>
-        </p:txBody>
-      </p:sp>
-      <p:sp>
-        <p:nvSpPr>
-          <p:cNvPr id="2" name="Textfeld 1">
+            <a:off x="2113808" y="1698171"/>
+            <a:ext cx="6353298" cy="3776354"/>
+          </a:xfrm>
+          <a:prstGeom prst="line">
+            <a:avLst/>
+          </a:prstGeom>
+          <a:ln w="406400">
+            <a:solidFill>
+              <a:srgbClr val="FF0000"/>
+            </a:solidFill>
+          </a:ln>
+        </p:spPr>
+        <p:style>
+          <a:lnRef idx="1">
+            <a:schemeClr val="accent1"/>
+          </a:lnRef>
+          <a:fillRef idx="0">
+            <a:schemeClr val="accent1"/>
+          </a:fillRef>
+          <a:effectRef idx="0">
+            <a:schemeClr val="accent1"/>
+          </a:effectRef>
+          <a:fontRef idx="minor">
+            <a:schemeClr val="tx1"/>
+          </a:fontRef>
+        </p:style>
+      </p:cxnSp>
+      <p:cxnSp>
+        <p:nvCxnSpPr>
+          <p:cNvPr id="5" name="Gerade Verbindung 4">
             <a:extLst>
               <a:ext uri="{FF2B5EF4-FFF2-40B4-BE49-F238E27FC236}">
-                <a16:creationId xmlns:a16="http://schemas.microsoft.com/office/drawing/2014/main" id="{E46B9FF6-6435-B7F7-F00A-D532A57AAE36}"/>
+                <a16:creationId xmlns:a16="http://schemas.microsoft.com/office/drawing/2014/main" id="{D9732D8A-926F-94B5-91CF-2EFD4C540861}"/>
+              </a:ext>
+            </a:extLst>
+          </p:cNvPr>
+          <p:cNvCxnSpPr>
+            <a:cxnSpLocks/>
+          </p:cNvCxnSpPr>
+          <p:nvPr/>
+        </p:nvCxnSpPr>
+        <p:spPr>
+          <a:xfrm flipV="1">
+            <a:off x="1662545" y="1850571"/>
+            <a:ext cx="6804561" cy="3065813"/>
+          </a:xfrm>
+          <a:prstGeom prst="line">
+            <a:avLst/>
+          </a:prstGeom>
+          <a:ln w="406400">
+            <a:solidFill>
+              <a:srgbClr val="FF0000"/>
+            </a:solidFill>
+          </a:ln>
+        </p:spPr>
+        <p:style>
+          <a:lnRef idx="1">
+            <a:schemeClr val="accent1"/>
+          </a:lnRef>
+          <a:fillRef idx="0">
+            <a:schemeClr val="accent1"/>
+          </a:fillRef>
+          <a:effectRef idx="0">
+            <a:schemeClr val="accent1"/>
+          </a:effectRef>
+          <a:fontRef idx="minor">
+            <a:schemeClr val="tx1"/>
+          </a:fontRef>
+        </p:style>
+      </p:cxnSp>
+      <p:sp>
+        <p:nvSpPr>
+          <p:cNvPr id="8" name="Textfeld 7">
+            <a:extLst>
+              <a:ext uri="{FF2B5EF4-FFF2-40B4-BE49-F238E27FC236}">
+                <a16:creationId xmlns:a16="http://schemas.microsoft.com/office/drawing/2014/main" id="{1A82E4FC-5609-F9A3-8FB5-E49D6E7B7436}"/>
               </a:ext>
             </a:extLst>
           </p:cNvPr>
@@ -7037,9 +9940,9 @@
           <p:nvPr/>
         </p:nvSpPr>
         <p:spPr>
-          <a:xfrm>
-            <a:off x="2809983" y="1266662"/>
-            <a:ext cx="1210588" cy="1323439"/>
+          <a:xfrm rot="21408469" flipH="1">
+            <a:off x="2106159" y="463526"/>
+            <a:ext cx="4160494" cy="1200329"/>
           </a:xfrm>
           <a:prstGeom prst="rect">
             <a:avLst/>
@@ -7047,49 +9950,19 @@
           <a:noFill/>
         </p:spPr>
         <p:txBody>
-          <a:bodyPr wrap="none" rtlCol="0">
+          <a:bodyPr wrap="square" rtlCol="0">
             <a:spAutoFit/>
           </a:bodyPr>
           <a:lstStyle/>
           <a:p>
-            <a:r>
-              <a:rPr lang="de-DE" sz="8000" dirty="0"/>
-              <a:t>👍</a:t>
-            </a:r>
-          </a:p>
-        </p:txBody>
-      </p:sp>
-      <p:sp>
-        <p:nvSpPr>
-          <p:cNvPr id="3" name="Textfeld 2">
-            <a:extLst>
-              <a:ext uri="{FF2B5EF4-FFF2-40B4-BE49-F238E27FC236}">
-                <a16:creationId xmlns:a16="http://schemas.microsoft.com/office/drawing/2014/main" id="{B466D85C-A5D0-CF06-A6BA-6A2B9DE39F40}"/>
-              </a:ext>
-            </a:extLst>
-          </p:cNvPr>
-          <p:cNvSpPr txBox="1"/>
-          <p:nvPr/>
-        </p:nvSpPr>
-        <p:spPr>
-          <a:xfrm>
-            <a:off x="7991583" y="1703693"/>
-            <a:ext cx="1210588" cy="1323439"/>
-          </a:xfrm>
-          <a:prstGeom prst="rect">
-            <a:avLst/>
-          </a:prstGeom>
-          <a:noFill/>
-        </p:spPr>
-        <p:txBody>
-          <a:bodyPr wrap="none" rtlCol="0">
-            <a:spAutoFit/>
-          </a:bodyPr>
-          <a:lstStyle/>
-          <a:p>
-            <a:r>
-              <a:rPr lang="de-DE" sz="8000" dirty="0"/>
-              <a:t>👎</a:t>
+            <a:pPr algn="ctr"/>
+            <a:r>
+              <a:rPr lang="de-DE" sz="3600" b="1" dirty="0">
+                <a:solidFill>
+                  <a:srgbClr val="FFC000"/>
+                </a:solidFill>
+              </a:rPr>
+              <a:t>Nicht Ziel dieser Lehrveranstaltung</a:t>
             </a:r>
           </a:p>
         </p:txBody>
@@ -7097,7 +9970,7 @@
     </p:spTree>
     <p:extLst>
       <p:ext uri="{BB962C8B-B14F-4D97-AF65-F5344CB8AC3E}">
-        <p14:creationId xmlns:p14="http://schemas.microsoft.com/office/powerpoint/2010/main" val="331960678"/>
+        <p14:creationId xmlns:p14="http://schemas.microsoft.com/office/powerpoint/2010/main" val="1385291325"/>
       </p:ext>
     </p:extLst>
   </p:cSld>
